--- a/Slides/Lecture07 - JSON and the REST, ASP.NET Core.pptx
+++ b/Slides/Lecture07 - JSON and the REST, ASP.NET Core.pptx
@@ -13,21 +13,21 @@
   <p:sldIdLst>
     <p:sldId id="880" r:id="rId5"/>
     <p:sldId id="895" r:id="rId6"/>
-    <p:sldId id="900" r:id="rId7"/>
-    <p:sldId id="901" r:id="rId8"/>
-    <p:sldId id="881" r:id="rId9"/>
-    <p:sldId id="882" r:id="rId10"/>
-    <p:sldId id="883" r:id="rId11"/>
-    <p:sldId id="884" r:id="rId12"/>
-    <p:sldId id="886" r:id="rId13"/>
-    <p:sldId id="887" r:id="rId14"/>
-    <p:sldId id="888" r:id="rId15"/>
-    <p:sldId id="889" r:id="rId16"/>
-    <p:sldId id="890" r:id="rId17"/>
-    <p:sldId id="891" r:id="rId18"/>
-    <p:sldId id="892" r:id="rId19"/>
-    <p:sldId id="893" r:id="rId20"/>
-    <p:sldId id="894" r:id="rId21"/>
+    <p:sldId id="881" r:id="rId7"/>
+    <p:sldId id="882" r:id="rId8"/>
+    <p:sldId id="883" r:id="rId9"/>
+    <p:sldId id="884" r:id="rId10"/>
+    <p:sldId id="886" r:id="rId11"/>
+    <p:sldId id="887" r:id="rId12"/>
+    <p:sldId id="888" r:id="rId13"/>
+    <p:sldId id="889" r:id="rId14"/>
+    <p:sldId id="890" r:id="rId15"/>
+    <p:sldId id="891" r:id="rId16"/>
+    <p:sldId id="892" r:id="rId17"/>
+    <p:sldId id="893" r:id="rId18"/>
+    <p:sldId id="894" r:id="rId19"/>
+    <p:sldId id="900" r:id="rId20"/>
+    <p:sldId id="901" r:id="rId21"/>
     <p:sldId id="896" r:id="rId22"/>
     <p:sldId id="899" r:id="rId23"/>
   </p:sldIdLst>
@@ -135,8 +135,6 @@
           <p14:sldIdLst>
             <p14:sldId id="880"/>
             <p14:sldId id="895"/>
-            <p14:sldId id="900"/>
-            <p14:sldId id="901"/>
             <p14:sldId id="881"/>
             <p14:sldId id="882"/>
             <p14:sldId id="883"/>
@@ -150,6 +148,8 @@
             <p14:sldId id="892"/>
             <p14:sldId id="893"/>
             <p14:sldId id="894"/>
+            <p14:sldId id="900"/>
+            <p14:sldId id="901"/>
             <p14:sldId id="896"/>
             <p14:sldId id="899"/>
           </p14:sldIdLst>
@@ -366,7 +366,7 @@
               <a:rPr lang="en-US" smtClean="0">
                 <a:latin typeface="Segoe UI" pitchFamily="34" charset="0"/>
               </a:rPr>
-              <a:t>10/5/2018</a:t>
+              <a:t>10/9/2018</a:t>
             </a:fld>
             <a:endParaRPr lang="en-US" dirty="0">
               <a:latin typeface="Segoe UI" pitchFamily="34" charset="0"/>
@@ -689,7 +689,7 @@
             <a:fld id="{D51B1278-D92B-4AF3-A9C1-71DD298190CE}" type="datetimeFigureOut">
               <a:rPr lang="en-US" smtClean="0"/>
               <a:pPr/>
-              <a:t>10/5/2018</a:t>
+              <a:t>10/9/2018</a:t>
             </a:fld>
             <a:endParaRPr lang="en-US" dirty="0"/>
           </a:p>
@@ -1191,7 +1191,7 @@
                   <a:spcPct val="0"/>
                 </a:spcAft>
               </a:pPr>
-              <a:t>17</a:t>
+              <a:t>15</a:t>
             </a:fld>
             <a:endParaRPr lang="en-US" altLang="da-DK">
               <a:latin typeface="Calibri" pitchFamily="34" charset="0"/>
@@ -4971,7 +4971,7 @@
         </p:nvSpPr>
         <p:spPr>
           <a:xfrm>
-            <a:off x="273844" y="295275"/>
+            <a:off x="547688" y="295275"/>
             <a:ext cx="8778875" cy="917575"/>
           </a:xfrm>
         </p:spPr>
@@ -4982,12 +4982,10 @@
             <a:r>
               <a:rPr lang="en-US" dirty="0">
                 <a:solidFill>
-                  <a:schemeClr val="tx1">
-                    <a:lumMod val="95000"/>
-                  </a:schemeClr>
+                  <a:schemeClr val="tx1"/>
                 </a:solidFill>
               </a:rPr>
-              <a:t>JSON Name/Value Pairs</a:t>
+              <a:t>Examples</a:t>
             </a:r>
           </a:p>
         </p:txBody>
@@ -5004,8 +5002,8 @@
         </p:nvSpPr>
         <p:spPr>
           <a:xfrm>
-            <a:off x="274637" y="1220788"/>
-            <a:ext cx="8777288" cy="4616648"/>
+            <a:off x="547688" y="1212850"/>
+            <a:ext cx="8778875" cy="3121025"/>
           </a:xfrm>
         </p:spPr>
         <p:txBody>
@@ -5018,53 +5016,46 @@
             <a:r>
               <a:rPr lang="en-US" dirty="0">
                 <a:solidFill>
-                  <a:schemeClr val="tx1">
-                    <a:lumMod val="95000"/>
-                  </a:schemeClr>
+                  <a:schemeClr val="tx1"/>
                 </a:solidFill>
               </a:rPr>
-              <a:t>A name/value pair consists of a field name (in double quotes), followed by a colon, followed by a value:</a:t>
-            </a:r>
-          </a:p>
-          <a:p>
-            <a:endParaRPr lang="en-US" dirty="0">
-              <a:solidFill>
-                <a:schemeClr val="tx1">
-                  <a:lumMod val="95000"/>
-                </a:schemeClr>
-              </a:solidFill>
-            </a:endParaRPr>
-          </a:p>
-          <a:p>
-            <a:endParaRPr lang="en-US" dirty="0">
-              <a:solidFill>
-                <a:schemeClr val="tx1">
-                  <a:lumMod val="95000"/>
-                </a:schemeClr>
-              </a:solidFill>
-            </a:endParaRPr>
+              <a:t>Objects</a:t>
+            </a:r>
           </a:p>
           <a:p>
             <a:pPr marL="0" indent="0">
               <a:buNone/>
             </a:pPr>
-            <a:r>
-              <a:rPr lang="en-US" dirty="0">
+            <a:endParaRPr lang="en-US" dirty="0">
+              <a:solidFill>
+                <a:schemeClr val="tx1"/>
+              </a:solidFill>
+            </a:endParaRPr>
+          </a:p>
+          <a:p>
+            <a:endParaRPr lang="en-US" dirty="0">
+              <a:solidFill>
+                <a:schemeClr val="tx1"/>
+              </a:solidFill>
+            </a:endParaRPr>
+          </a:p>
+          <a:p>
+            <a:pPr marL="0" indent="0">
+              <a:buNone/>
+            </a:pPr>
+            <a:r>
+              <a:rPr lang="da-DK" dirty="0">
                 <a:solidFill>
-                  <a:schemeClr val="tx1">
-                    <a:lumMod val="95000"/>
-                  </a:schemeClr>
+                  <a:schemeClr val="tx1"/>
                 </a:solidFill>
               </a:rPr>
-              <a:t>This is simple to understand, and equals to the JavaScript statement:</a:t>
+              <a:t>Array</a:t>
             </a:r>
           </a:p>
           <a:p>
             <a:endParaRPr lang="en-US" dirty="0">
               <a:solidFill>
-                <a:schemeClr val="tx1">
-                  <a:lumMod val="95000"/>
-                </a:schemeClr>
+                <a:schemeClr val="tx1"/>
               </a:solidFill>
             </a:endParaRPr>
           </a:p>
@@ -5078,58 +5069,29 @@
         </p:nvSpPr>
         <p:spPr>
           <a:xfrm>
-            <a:off x="2639911" y="3201764"/>
-            <a:ext cx="4046741" cy="478376"/>
+            <a:off x="1063281" y="2312720"/>
+            <a:ext cx="7200000" cy="369332"/>
           </a:xfrm>
           <a:prstGeom prst="rect">
             <a:avLst/>
           </a:prstGeom>
         </p:spPr>
         <p:txBody>
-          <a:bodyPr wrap="none">
+          <a:bodyPr wrap="square">
             <a:spAutoFit/>
           </a:bodyPr>
           <a:lstStyle/>
           <a:p>
             <a:r>
-              <a:rPr lang="da-DK" sz="2448" b="1" dirty="0">
-                <a:solidFill>
-                  <a:schemeClr val="tx1">
-                    <a:lumMod val="95000"/>
-                  </a:schemeClr>
-                </a:solidFill>
-                <a:latin typeface="courier new"/>
+              <a:rPr lang="da-DK" dirty="0">
+                <a:latin typeface="Consolas" panose="020B0609020204030204" pitchFamily="49" charset="0"/>
+                <a:cs typeface="Consolas" panose="020B0609020204030204" pitchFamily="49" charset="0"/>
               </a:rPr>
-              <a:t>"</a:t>
-            </a:r>
-            <a:r>
-              <a:rPr lang="da-DK" sz="2448" b="1" dirty="0" err="1">
-                <a:solidFill>
-                  <a:schemeClr val="tx1">
-                    <a:lumMod val="95000"/>
-                  </a:schemeClr>
-                </a:solidFill>
-                <a:latin typeface="courier new"/>
-              </a:rPr>
-              <a:t>firstName</a:t>
-            </a:r>
-            <a:r>
-              <a:rPr lang="da-DK" sz="2448" b="1" dirty="0">
-                <a:solidFill>
-                  <a:schemeClr val="tx1">
-                    <a:lumMod val="95000"/>
-                  </a:schemeClr>
-                </a:solidFill>
-                <a:latin typeface="courier new"/>
-              </a:rPr>
-              <a:t>" : "John"</a:t>
-            </a:r>
-            <a:endParaRPr lang="en-US" sz="2448" b="1" dirty="0">
-              <a:solidFill>
-                <a:schemeClr val="tx1">
-                  <a:lumMod val="95000"/>
-                </a:schemeClr>
-              </a:solidFill>
+              <a:t>{ "firstName":"John" , "lastName":"Doe" }</a:t>
+            </a:r>
+            <a:endParaRPr lang="en-US" dirty="0">
+              <a:latin typeface="Consolas" panose="020B0609020204030204" pitchFamily="49" charset="0"/>
+              <a:cs typeface="Consolas" panose="020B0609020204030204" pitchFamily="49" charset="0"/>
             </a:endParaRPr>
           </a:p>
         </p:txBody>
@@ -5142,47 +5104,91 @@
         </p:nvSpPr>
         <p:spPr>
           <a:xfrm>
-            <a:off x="2832831" y="5762056"/>
-            <a:ext cx="3660901" cy="478376"/>
+            <a:off x="1063281" y="3995950"/>
+            <a:ext cx="7200000" cy="2031325"/>
           </a:xfrm>
           <a:prstGeom prst="rect">
             <a:avLst/>
           </a:prstGeom>
         </p:spPr>
         <p:txBody>
-          <a:bodyPr wrap="none">
+          <a:bodyPr wrap="square">
             <a:spAutoFit/>
           </a:bodyPr>
           <a:lstStyle/>
           <a:p>
             <a:r>
-              <a:rPr lang="da-DK" sz="2448" b="1" dirty="0" err="1">
-                <a:solidFill>
-                  <a:schemeClr val="tx1">
-                    <a:lumMod val="95000"/>
-                  </a:schemeClr>
-                </a:solidFill>
-                <a:latin typeface="courier new"/>
+              <a:rPr lang="da-DK" dirty="0">
+                <a:latin typeface="Consolas" panose="020B0609020204030204" pitchFamily="49" charset="0"/>
+                <a:cs typeface="Consolas" panose="020B0609020204030204" pitchFamily="49" charset="0"/>
               </a:rPr>
-              <a:t>firstName</a:t>
-            </a:r>
-            <a:r>
-              <a:rPr lang="da-DK" sz="2448" b="1" dirty="0">
-                <a:solidFill>
-                  <a:schemeClr val="tx1">
-                    <a:lumMod val="95000"/>
-                  </a:schemeClr>
-                </a:solidFill>
-                <a:latin typeface="courier new"/>
+              <a:t>{</a:t>
+            </a:r>
+          </a:p>
+          <a:p>
+            <a:r>
+              <a:rPr lang="da-DK" dirty="0">
+                <a:latin typeface="Consolas" panose="020B0609020204030204" pitchFamily="49" charset="0"/>
+                <a:cs typeface="Consolas" panose="020B0609020204030204" pitchFamily="49" charset="0"/>
               </a:rPr>
-              <a:t> = "John"</a:t>
-            </a:r>
-            <a:endParaRPr lang="en-US" sz="2448" b="1" dirty="0">
-              <a:solidFill>
-                <a:schemeClr val="tx1">
-                  <a:lumMod val="95000"/>
-                </a:schemeClr>
-              </a:solidFill>
+              <a:t>  "employees": [</a:t>
+            </a:r>
+          </a:p>
+          <a:p>
+            <a:r>
+              <a:rPr lang="da-DK" dirty="0">
+                <a:latin typeface="Consolas" panose="020B0609020204030204" pitchFamily="49" charset="0"/>
+                <a:cs typeface="Consolas" panose="020B0609020204030204" pitchFamily="49" charset="0"/>
+              </a:rPr>
+              <a:t>    { "firstName":"John" , "lastName":"Doe" }, </a:t>
+            </a:r>
+            <a:br>
+              <a:rPr lang="da-DK" dirty="0">
+                <a:latin typeface="Consolas" panose="020B0609020204030204" pitchFamily="49" charset="0"/>
+                <a:cs typeface="Consolas" panose="020B0609020204030204" pitchFamily="49" charset="0"/>
+              </a:rPr>
+            </a:br>
+            <a:r>
+              <a:rPr lang="da-DK" dirty="0">
+                <a:latin typeface="Consolas" panose="020B0609020204030204" pitchFamily="49" charset="0"/>
+                <a:cs typeface="Consolas" panose="020B0609020204030204" pitchFamily="49" charset="0"/>
+              </a:rPr>
+              <a:t>    { "firstName":"Jane" , "lastName":"Doe" }, </a:t>
+            </a:r>
+            <a:br>
+              <a:rPr lang="da-DK" dirty="0">
+                <a:latin typeface="Consolas" panose="020B0609020204030204" pitchFamily="49" charset="0"/>
+                <a:cs typeface="Consolas" panose="020B0609020204030204" pitchFamily="49" charset="0"/>
+              </a:rPr>
+            </a:br>
+            <a:r>
+              <a:rPr lang="da-DK" dirty="0">
+                <a:latin typeface="Consolas" panose="020B0609020204030204" pitchFamily="49" charset="0"/>
+                <a:cs typeface="Consolas" panose="020B0609020204030204" pitchFamily="49" charset="0"/>
+              </a:rPr>
+              <a:t>    { "firstName":"John" , "lastName":"Smith" }</a:t>
+            </a:r>
+          </a:p>
+          <a:p>
+            <a:r>
+              <a:rPr lang="da-DK" dirty="0">
+                <a:latin typeface="Consolas" panose="020B0609020204030204" pitchFamily="49" charset="0"/>
+                <a:cs typeface="Consolas" panose="020B0609020204030204" pitchFamily="49" charset="0"/>
+              </a:rPr>
+              <a:t>  ]</a:t>
+            </a:r>
+          </a:p>
+          <a:p>
+            <a:r>
+              <a:rPr lang="da-DK" dirty="0">
+                <a:latin typeface="Consolas" panose="020B0609020204030204" pitchFamily="49" charset="0"/>
+                <a:cs typeface="Consolas" panose="020B0609020204030204" pitchFamily="49" charset="0"/>
+              </a:rPr>
+              <a:t>}</a:t>
+            </a:r>
+            <a:endParaRPr lang="en-US" dirty="0">
+              <a:latin typeface="Consolas" panose="020B0609020204030204" pitchFamily="49" charset="0"/>
+              <a:cs typeface="Consolas" panose="020B0609020204030204" pitchFamily="49" charset="0"/>
             </a:endParaRPr>
           </a:p>
         </p:txBody>
@@ -5190,7 +5196,7 @@
     </p:spTree>
     <p:extLst>
       <p:ext uri="{BB962C8B-B14F-4D97-AF65-F5344CB8AC3E}">
-        <p14:creationId xmlns:p14="http://schemas.microsoft.com/office/powerpoint/2010/main" val="3092393676"/>
+        <p14:creationId xmlns:p14="http://schemas.microsoft.com/office/powerpoint/2010/main" val="3489902924"/>
       </p:ext>
     </p:extLst>
   </p:cSld>
@@ -5222,662 +5228,6 @@
       </p:grpSpPr>
       <p:sp>
         <p:nvSpPr>
-          <p:cNvPr id="2" name="Title 1"/>
-          <p:cNvSpPr>
-            <a:spLocks noGrp="1"/>
-          </p:cNvSpPr>
-          <p:nvPr>
-            <p:ph type="title" idx="4294967295"/>
-          </p:nvPr>
-        </p:nvSpPr>
-        <p:spPr>
-          <a:xfrm>
-            <a:off x="273844" y="295275"/>
-            <a:ext cx="8778875" cy="917575"/>
-          </a:xfrm>
-        </p:spPr>
-        <p:txBody>
-          <a:bodyPr/>
-          <a:lstStyle/>
-          <a:p>
-            <a:r>
-              <a:rPr lang="en-US" dirty="0"/>
-              <a:t>JSON Data Types</a:t>
-            </a:r>
-          </a:p>
-        </p:txBody>
-      </p:sp>
-      <p:sp>
-        <p:nvSpPr>
-          <p:cNvPr id="5" name="TextBox 4"/>
-          <p:cNvSpPr txBox="1"/>
-          <p:nvPr/>
-        </p:nvSpPr>
-        <p:spPr>
-          <a:xfrm>
-            <a:off x="273844" y="1759921"/>
-            <a:ext cx="8778875" cy="4635693"/>
-          </a:xfrm>
-          <a:prstGeom prst="rect">
-            <a:avLst/>
-          </a:prstGeom>
-          <a:noFill/>
-        </p:spPr>
-        <p:txBody>
-          <a:bodyPr wrap="square" lIns="182880" tIns="146304" rIns="182880" bIns="146304" rtlCol="0">
-            <a:spAutoFit/>
-          </a:bodyPr>
-          <a:lstStyle/>
-          <a:p>
-            <a:pPr>
-              <a:lnSpc>
-                <a:spcPct val="150000"/>
-              </a:lnSpc>
-            </a:pPr>
-            <a:r>
-              <a:rPr lang="en-US" sz="3200" dirty="0">
-                <a:gradFill>
-                  <a:gsLst>
-                    <a:gs pos="2917">
-                      <a:schemeClr val="tx1"/>
-                    </a:gs>
-                    <a:gs pos="30000">
-                      <a:schemeClr val="tx1"/>
-                    </a:gs>
-                  </a:gsLst>
-                  <a:lin ang="5400000" scaled="0"/>
-                </a:gradFill>
-              </a:rPr>
-              <a:t>Number (integer or floating point)</a:t>
-            </a:r>
-          </a:p>
-          <a:p>
-            <a:pPr>
-              <a:lnSpc>
-                <a:spcPct val="150000"/>
-              </a:lnSpc>
-            </a:pPr>
-            <a:r>
-              <a:rPr lang="en-US" sz="3200" dirty="0">
-                <a:gradFill>
-                  <a:gsLst>
-                    <a:gs pos="2917">
-                      <a:schemeClr val="tx1"/>
-                    </a:gs>
-                    <a:gs pos="30000">
-                      <a:schemeClr val="tx1"/>
-                    </a:gs>
-                  </a:gsLst>
-                  <a:lin ang="5400000" scaled="0"/>
-                </a:gradFill>
-              </a:rPr>
-              <a:t>String (in double quotes)</a:t>
-            </a:r>
-          </a:p>
-          <a:p>
-            <a:pPr>
-              <a:lnSpc>
-                <a:spcPct val="150000"/>
-              </a:lnSpc>
-            </a:pPr>
-            <a:r>
-              <a:rPr lang="en-US" sz="3200" dirty="0">
-                <a:gradFill>
-                  <a:gsLst>
-                    <a:gs pos="2917">
-                      <a:schemeClr val="tx1"/>
-                    </a:gs>
-                    <a:gs pos="30000">
-                      <a:schemeClr val="tx1"/>
-                    </a:gs>
-                  </a:gsLst>
-                  <a:lin ang="5400000" scaled="0"/>
-                </a:gradFill>
-              </a:rPr>
-              <a:t>Boolean (true or false)</a:t>
-            </a:r>
-          </a:p>
-          <a:p>
-            <a:pPr>
-              <a:lnSpc>
-                <a:spcPct val="150000"/>
-              </a:lnSpc>
-            </a:pPr>
-            <a:r>
-              <a:rPr lang="en-US" sz="3200" dirty="0">
-                <a:gradFill>
-                  <a:gsLst>
-                    <a:gs pos="2917">
-                      <a:schemeClr val="tx1"/>
-                    </a:gs>
-                    <a:gs pos="30000">
-                      <a:schemeClr val="tx1"/>
-                    </a:gs>
-                  </a:gsLst>
-                  <a:lin ang="5400000" scaled="0"/>
-                </a:gradFill>
-              </a:rPr>
-              <a:t>Array (in square brackets)</a:t>
-            </a:r>
-          </a:p>
-          <a:p>
-            <a:pPr>
-              <a:lnSpc>
-                <a:spcPct val="150000"/>
-              </a:lnSpc>
-            </a:pPr>
-            <a:r>
-              <a:rPr lang="en-US" sz="3200" dirty="0">
-                <a:gradFill>
-                  <a:gsLst>
-                    <a:gs pos="2917">
-                      <a:schemeClr val="tx1"/>
-                    </a:gs>
-                    <a:gs pos="30000">
-                      <a:schemeClr val="tx1"/>
-                    </a:gs>
-                  </a:gsLst>
-                  <a:lin ang="5400000" scaled="0"/>
-                </a:gradFill>
-              </a:rPr>
-              <a:t>Object (in curly brackets)</a:t>
-            </a:r>
-          </a:p>
-          <a:p>
-            <a:pPr>
-              <a:lnSpc>
-                <a:spcPct val="150000"/>
-              </a:lnSpc>
-            </a:pPr>
-            <a:r>
-              <a:rPr lang="en-US" sz="3200" dirty="0">
-                <a:gradFill>
-                  <a:gsLst>
-                    <a:gs pos="2917">
-                      <a:schemeClr val="tx1"/>
-                    </a:gs>
-                    <a:gs pos="30000">
-                      <a:schemeClr val="tx1"/>
-                    </a:gs>
-                  </a:gsLst>
-                  <a:lin ang="5400000" scaled="0"/>
-                </a:gradFill>
-              </a:rPr>
-              <a:t>null</a:t>
-            </a:r>
-          </a:p>
-        </p:txBody>
-      </p:sp>
-    </p:spTree>
-    <p:extLst>
-      <p:ext uri="{BB962C8B-B14F-4D97-AF65-F5344CB8AC3E}">
-        <p14:creationId xmlns:p14="http://schemas.microsoft.com/office/powerpoint/2010/main" val="759007305"/>
-      </p:ext>
-    </p:extLst>
-  </p:cSld>
-  <p:clrMapOvr>
-    <a:masterClrMapping/>
-  </p:clrMapOvr>
-  <p:transition>
-    <p:fade/>
-  </p:transition>
-</p:sld>
-</file>
-
-<file path=ppt/slides/slide12.xml><?xml version="1.0" encoding="utf-8"?>
-<p:sld xmlns:a="http://schemas.openxmlformats.org/drawingml/2006/main" xmlns:r="http://schemas.openxmlformats.org/officeDocument/2006/relationships" xmlns:p="http://schemas.openxmlformats.org/presentationml/2006/main">
-  <p:cSld>
-    <p:spTree>
-      <p:nvGrpSpPr>
-        <p:cNvPr id="1" name=""/>
-        <p:cNvGrpSpPr/>
-        <p:nvPr/>
-      </p:nvGrpSpPr>
-      <p:grpSpPr>
-        <a:xfrm>
-          <a:off x="0" y="0"/>
-          <a:ext cx="0" cy="0"/>
-          <a:chOff x="0" y="0"/>
-          <a:chExt cx="0" cy="0"/>
-        </a:xfrm>
-      </p:grpSpPr>
-      <p:sp>
-        <p:nvSpPr>
-          <p:cNvPr id="2" name="Title 1"/>
-          <p:cNvSpPr>
-            <a:spLocks noGrp="1"/>
-          </p:cNvSpPr>
-          <p:nvPr>
-            <p:ph type="title" idx="4294967295"/>
-          </p:nvPr>
-        </p:nvSpPr>
-        <p:spPr>
-          <a:xfrm>
-            <a:off x="547688" y="295275"/>
-            <a:ext cx="8778875" cy="917575"/>
-          </a:xfrm>
-        </p:spPr>
-        <p:txBody>
-          <a:bodyPr/>
-          <a:lstStyle/>
-          <a:p>
-            <a:r>
-              <a:rPr lang="en-US" dirty="0">
-                <a:solidFill>
-                  <a:schemeClr val="tx1"/>
-                </a:solidFill>
-              </a:rPr>
-              <a:t>Examples</a:t>
-            </a:r>
-          </a:p>
-        </p:txBody>
-      </p:sp>
-      <p:sp>
-        <p:nvSpPr>
-          <p:cNvPr id="3" name="Content Placeholder 2"/>
-          <p:cNvSpPr>
-            <a:spLocks noGrp="1"/>
-          </p:cNvSpPr>
-          <p:nvPr>
-            <p:ph idx="4294967295"/>
-          </p:nvPr>
-        </p:nvSpPr>
-        <p:spPr>
-          <a:xfrm>
-            <a:off x="547688" y="1212850"/>
-            <a:ext cx="8778875" cy="3121025"/>
-          </a:xfrm>
-        </p:spPr>
-        <p:txBody>
-          <a:bodyPr/>
-          <a:lstStyle/>
-          <a:p>
-            <a:pPr marL="0" indent="0">
-              <a:buNone/>
-            </a:pPr>
-            <a:r>
-              <a:rPr lang="en-US" dirty="0">
-                <a:solidFill>
-                  <a:schemeClr val="tx1"/>
-                </a:solidFill>
-              </a:rPr>
-              <a:t>Objects</a:t>
-            </a:r>
-          </a:p>
-          <a:p>
-            <a:pPr marL="0" indent="0">
-              <a:buNone/>
-            </a:pPr>
-            <a:endParaRPr lang="en-US" dirty="0">
-              <a:solidFill>
-                <a:schemeClr val="tx1"/>
-              </a:solidFill>
-            </a:endParaRPr>
-          </a:p>
-          <a:p>
-            <a:endParaRPr lang="en-US" dirty="0">
-              <a:solidFill>
-                <a:schemeClr val="tx1"/>
-              </a:solidFill>
-            </a:endParaRPr>
-          </a:p>
-          <a:p>
-            <a:pPr marL="0" indent="0">
-              <a:buNone/>
-            </a:pPr>
-            <a:r>
-              <a:rPr lang="da-DK" dirty="0">
-                <a:solidFill>
-                  <a:schemeClr val="tx1"/>
-                </a:solidFill>
-              </a:rPr>
-              <a:t>Array</a:t>
-            </a:r>
-          </a:p>
-          <a:p>
-            <a:endParaRPr lang="en-US" dirty="0">
-              <a:solidFill>
-                <a:schemeClr val="tx1"/>
-              </a:solidFill>
-            </a:endParaRPr>
-          </a:p>
-        </p:txBody>
-      </p:sp>
-      <p:sp>
-        <p:nvSpPr>
-          <p:cNvPr id="4" name="Rectangle 3"/>
-          <p:cNvSpPr/>
-          <p:nvPr/>
-        </p:nvSpPr>
-        <p:spPr>
-          <a:xfrm>
-            <a:off x="1063281" y="2312720"/>
-            <a:ext cx="7200000" cy="720000"/>
-          </a:xfrm>
-          <a:prstGeom prst="rect">
-            <a:avLst/>
-          </a:prstGeom>
-        </p:spPr>
-        <p:txBody>
-          <a:bodyPr wrap="square">
-            <a:spAutoFit/>
-          </a:bodyPr>
-          <a:lstStyle/>
-          <a:p>
-            <a:r>
-              <a:rPr lang="da-DK" dirty="0">
-                <a:latin typeface="Consolas" panose="020B0609020204030204" pitchFamily="49" charset="0"/>
-                <a:cs typeface="Consolas" panose="020B0609020204030204" pitchFamily="49" charset="0"/>
-              </a:rPr>
-              <a:t>{ "</a:t>
-            </a:r>
-            <a:r>
-              <a:rPr lang="da-DK" dirty="0" err="1">
-                <a:latin typeface="Consolas" panose="020B0609020204030204" pitchFamily="49" charset="0"/>
-                <a:cs typeface="Consolas" panose="020B0609020204030204" pitchFamily="49" charset="0"/>
-              </a:rPr>
-              <a:t>firstName</a:t>
-            </a:r>
-            <a:r>
-              <a:rPr lang="da-DK" dirty="0">
-                <a:latin typeface="Consolas" panose="020B0609020204030204" pitchFamily="49" charset="0"/>
-                <a:cs typeface="Consolas" panose="020B0609020204030204" pitchFamily="49" charset="0"/>
-              </a:rPr>
-              <a:t>":"John" , "</a:t>
-            </a:r>
-            <a:r>
-              <a:rPr lang="da-DK" dirty="0" err="1">
-                <a:latin typeface="Consolas" panose="020B0609020204030204" pitchFamily="49" charset="0"/>
-                <a:cs typeface="Consolas" panose="020B0609020204030204" pitchFamily="49" charset="0"/>
-              </a:rPr>
-              <a:t>lastName</a:t>
-            </a:r>
-            <a:r>
-              <a:rPr lang="da-DK" dirty="0">
-                <a:latin typeface="Consolas" panose="020B0609020204030204" pitchFamily="49" charset="0"/>
-                <a:cs typeface="Consolas" panose="020B0609020204030204" pitchFamily="49" charset="0"/>
-              </a:rPr>
-              <a:t>":"</a:t>
-            </a:r>
-            <a:r>
-              <a:rPr lang="da-DK" dirty="0" err="1">
-                <a:latin typeface="Consolas" panose="020B0609020204030204" pitchFamily="49" charset="0"/>
-                <a:cs typeface="Consolas" panose="020B0609020204030204" pitchFamily="49" charset="0"/>
-              </a:rPr>
-              <a:t>Doe</a:t>
-            </a:r>
-            <a:r>
-              <a:rPr lang="da-DK" dirty="0">
-                <a:latin typeface="Consolas" panose="020B0609020204030204" pitchFamily="49" charset="0"/>
-                <a:cs typeface="Consolas" panose="020B0609020204030204" pitchFamily="49" charset="0"/>
-              </a:rPr>
-              <a:t>" }</a:t>
-            </a:r>
-            <a:endParaRPr lang="en-US" dirty="0">
-              <a:latin typeface="Consolas" panose="020B0609020204030204" pitchFamily="49" charset="0"/>
-              <a:cs typeface="Consolas" panose="020B0609020204030204" pitchFamily="49" charset="0"/>
-            </a:endParaRPr>
-          </a:p>
-        </p:txBody>
-      </p:sp>
-      <p:sp>
-        <p:nvSpPr>
-          <p:cNvPr id="5" name="Rectangle 4"/>
-          <p:cNvSpPr/>
-          <p:nvPr/>
-        </p:nvSpPr>
-        <p:spPr>
-          <a:xfrm>
-            <a:off x="1063281" y="3995950"/>
-            <a:ext cx="7200000" cy="2031325"/>
-          </a:xfrm>
-          <a:prstGeom prst="rect">
-            <a:avLst/>
-          </a:prstGeom>
-        </p:spPr>
-        <p:txBody>
-          <a:bodyPr wrap="square">
-            <a:spAutoFit/>
-          </a:bodyPr>
-          <a:lstStyle/>
-          <a:p>
-            <a:r>
-              <a:rPr lang="da-DK" dirty="0">
-                <a:latin typeface="Consolas" panose="020B0609020204030204" pitchFamily="49" charset="0"/>
-                <a:cs typeface="Consolas" panose="020B0609020204030204" pitchFamily="49" charset="0"/>
-              </a:rPr>
-              <a:t>{</a:t>
-            </a:r>
-          </a:p>
-          <a:p>
-            <a:r>
-              <a:rPr lang="da-DK" dirty="0">
-                <a:latin typeface="Consolas" panose="020B0609020204030204" pitchFamily="49" charset="0"/>
-                <a:cs typeface="Consolas" panose="020B0609020204030204" pitchFamily="49" charset="0"/>
-              </a:rPr>
-              <a:t>  "</a:t>
-            </a:r>
-            <a:r>
-              <a:rPr lang="da-DK" dirty="0" err="1">
-                <a:latin typeface="Consolas" panose="020B0609020204030204" pitchFamily="49" charset="0"/>
-                <a:cs typeface="Consolas" panose="020B0609020204030204" pitchFamily="49" charset="0"/>
-              </a:rPr>
-              <a:t>employees</a:t>
-            </a:r>
-            <a:r>
-              <a:rPr lang="da-DK" dirty="0">
-                <a:latin typeface="Consolas" panose="020B0609020204030204" pitchFamily="49" charset="0"/>
-                <a:cs typeface="Consolas" panose="020B0609020204030204" pitchFamily="49" charset="0"/>
-              </a:rPr>
-              <a:t>": [</a:t>
-            </a:r>
-          </a:p>
-          <a:p>
-            <a:r>
-              <a:rPr lang="da-DK" dirty="0">
-                <a:latin typeface="Consolas" panose="020B0609020204030204" pitchFamily="49" charset="0"/>
-                <a:cs typeface="Consolas" panose="020B0609020204030204" pitchFamily="49" charset="0"/>
-              </a:rPr>
-              <a:t>    { "</a:t>
-            </a:r>
-            <a:r>
-              <a:rPr lang="da-DK" dirty="0" err="1">
-                <a:latin typeface="Consolas" panose="020B0609020204030204" pitchFamily="49" charset="0"/>
-                <a:cs typeface="Consolas" panose="020B0609020204030204" pitchFamily="49" charset="0"/>
-              </a:rPr>
-              <a:t>firstName</a:t>
-            </a:r>
-            <a:r>
-              <a:rPr lang="da-DK" dirty="0">
-                <a:latin typeface="Consolas" panose="020B0609020204030204" pitchFamily="49" charset="0"/>
-                <a:cs typeface="Consolas" panose="020B0609020204030204" pitchFamily="49" charset="0"/>
-              </a:rPr>
-              <a:t>":"John" , "</a:t>
-            </a:r>
-            <a:r>
-              <a:rPr lang="da-DK" dirty="0" err="1">
-                <a:latin typeface="Consolas" panose="020B0609020204030204" pitchFamily="49" charset="0"/>
-                <a:cs typeface="Consolas" panose="020B0609020204030204" pitchFamily="49" charset="0"/>
-              </a:rPr>
-              <a:t>lastName</a:t>
-            </a:r>
-            <a:r>
-              <a:rPr lang="da-DK" dirty="0">
-                <a:latin typeface="Consolas" panose="020B0609020204030204" pitchFamily="49" charset="0"/>
-                <a:cs typeface="Consolas" panose="020B0609020204030204" pitchFamily="49" charset="0"/>
-              </a:rPr>
-              <a:t>":"</a:t>
-            </a:r>
-            <a:r>
-              <a:rPr lang="da-DK" dirty="0" err="1">
-                <a:latin typeface="Consolas" panose="020B0609020204030204" pitchFamily="49" charset="0"/>
-                <a:cs typeface="Consolas" panose="020B0609020204030204" pitchFamily="49" charset="0"/>
-              </a:rPr>
-              <a:t>Doe</a:t>
-            </a:r>
-            <a:r>
-              <a:rPr lang="da-DK" dirty="0">
-                <a:latin typeface="Consolas" panose="020B0609020204030204" pitchFamily="49" charset="0"/>
-                <a:cs typeface="Consolas" panose="020B0609020204030204" pitchFamily="49" charset="0"/>
-              </a:rPr>
-              <a:t>" }, </a:t>
-            </a:r>
-            <a:br>
-              <a:rPr lang="da-DK" dirty="0">
-                <a:latin typeface="Consolas" panose="020B0609020204030204" pitchFamily="49" charset="0"/>
-                <a:cs typeface="Consolas" panose="020B0609020204030204" pitchFamily="49" charset="0"/>
-              </a:rPr>
-            </a:br>
-            <a:r>
-              <a:rPr lang="da-DK" dirty="0">
-                <a:latin typeface="Consolas" panose="020B0609020204030204" pitchFamily="49" charset="0"/>
-                <a:cs typeface="Consolas" panose="020B0609020204030204" pitchFamily="49" charset="0"/>
-              </a:rPr>
-              <a:t>    { "</a:t>
-            </a:r>
-            <a:r>
-              <a:rPr lang="da-DK" dirty="0" err="1">
-                <a:latin typeface="Consolas" panose="020B0609020204030204" pitchFamily="49" charset="0"/>
-                <a:cs typeface="Consolas" panose="020B0609020204030204" pitchFamily="49" charset="0"/>
-              </a:rPr>
-              <a:t>firstName</a:t>
-            </a:r>
-            <a:r>
-              <a:rPr lang="da-DK" dirty="0">
-                <a:latin typeface="Consolas" panose="020B0609020204030204" pitchFamily="49" charset="0"/>
-                <a:cs typeface="Consolas" panose="020B0609020204030204" pitchFamily="49" charset="0"/>
-              </a:rPr>
-              <a:t>":"Jane" , "</a:t>
-            </a:r>
-            <a:r>
-              <a:rPr lang="da-DK" dirty="0" err="1">
-                <a:latin typeface="Consolas" panose="020B0609020204030204" pitchFamily="49" charset="0"/>
-                <a:cs typeface="Consolas" panose="020B0609020204030204" pitchFamily="49" charset="0"/>
-              </a:rPr>
-              <a:t>lastName</a:t>
-            </a:r>
-            <a:r>
-              <a:rPr lang="da-DK" dirty="0">
-                <a:latin typeface="Consolas" panose="020B0609020204030204" pitchFamily="49" charset="0"/>
-                <a:cs typeface="Consolas" panose="020B0609020204030204" pitchFamily="49" charset="0"/>
-              </a:rPr>
-              <a:t>":"</a:t>
-            </a:r>
-            <a:r>
-              <a:rPr lang="da-DK" dirty="0" err="1">
-                <a:latin typeface="Consolas" panose="020B0609020204030204" pitchFamily="49" charset="0"/>
-                <a:cs typeface="Consolas" panose="020B0609020204030204" pitchFamily="49" charset="0"/>
-              </a:rPr>
-              <a:t>Doe</a:t>
-            </a:r>
-            <a:r>
-              <a:rPr lang="da-DK" dirty="0">
-                <a:latin typeface="Consolas" panose="020B0609020204030204" pitchFamily="49" charset="0"/>
-                <a:cs typeface="Consolas" panose="020B0609020204030204" pitchFamily="49" charset="0"/>
-              </a:rPr>
-              <a:t>" }, </a:t>
-            </a:r>
-            <a:br>
-              <a:rPr lang="da-DK" dirty="0">
-                <a:latin typeface="Consolas" panose="020B0609020204030204" pitchFamily="49" charset="0"/>
-                <a:cs typeface="Consolas" panose="020B0609020204030204" pitchFamily="49" charset="0"/>
-              </a:rPr>
-            </a:br>
-            <a:r>
-              <a:rPr lang="da-DK" dirty="0">
-                <a:latin typeface="Consolas" panose="020B0609020204030204" pitchFamily="49" charset="0"/>
-                <a:cs typeface="Consolas" panose="020B0609020204030204" pitchFamily="49" charset="0"/>
-              </a:rPr>
-              <a:t>    { "</a:t>
-            </a:r>
-            <a:r>
-              <a:rPr lang="da-DK" dirty="0" err="1">
-                <a:latin typeface="Consolas" panose="020B0609020204030204" pitchFamily="49" charset="0"/>
-                <a:cs typeface="Consolas" panose="020B0609020204030204" pitchFamily="49" charset="0"/>
-              </a:rPr>
-              <a:t>firstName</a:t>
-            </a:r>
-            <a:r>
-              <a:rPr lang="da-DK" dirty="0">
-                <a:latin typeface="Consolas" panose="020B0609020204030204" pitchFamily="49" charset="0"/>
-                <a:cs typeface="Consolas" panose="020B0609020204030204" pitchFamily="49" charset="0"/>
-              </a:rPr>
-              <a:t>":"John" , "</a:t>
-            </a:r>
-            <a:r>
-              <a:rPr lang="da-DK" dirty="0" err="1">
-                <a:latin typeface="Consolas" panose="020B0609020204030204" pitchFamily="49" charset="0"/>
-                <a:cs typeface="Consolas" panose="020B0609020204030204" pitchFamily="49" charset="0"/>
-              </a:rPr>
-              <a:t>lastName</a:t>
-            </a:r>
-            <a:r>
-              <a:rPr lang="da-DK" dirty="0">
-                <a:latin typeface="Consolas" panose="020B0609020204030204" pitchFamily="49" charset="0"/>
-                <a:cs typeface="Consolas" panose="020B0609020204030204" pitchFamily="49" charset="0"/>
-              </a:rPr>
-              <a:t>":"Smith" }</a:t>
-            </a:r>
-          </a:p>
-          <a:p>
-            <a:r>
-              <a:rPr lang="da-DK" dirty="0">
-                <a:latin typeface="Consolas" panose="020B0609020204030204" pitchFamily="49" charset="0"/>
-                <a:cs typeface="Consolas" panose="020B0609020204030204" pitchFamily="49" charset="0"/>
-              </a:rPr>
-              <a:t>  ]</a:t>
-            </a:r>
-          </a:p>
-          <a:p>
-            <a:r>
-              <a:rPr lang="da-DK" dirty="0">
-                <a:latin typeface="Consolas" panose="020B0609020204030204" pitchFamily="49" charset="0"/>
-                <a:cs typeface="Consolas" panose="020B0609020204030204" pitchFamily="49" charset="0"/>
-              </a:rPr>
-              <a:t>}</a:t>
-            </a:r>
-            <a:endParaRPr lang="en-US" dirty="0">
-              <a:latin typeface="Consolas" panose="020B0609020204030204" pitchFamily="49" charset="0"/>
-              <a:cs typeface="Consolas" panose="020B0609020204030204" pitchFamily="49" charset="0"/>
-            </a:endParaRPr>
-          </a:p>
-        </p:txBody>
-      </p:sp>
-    </p:spTree>
-    <p:extLst>
-      <p:ext uri="{BB962C8B-B14F-4D97-AF65-F5344CB8AC3E}">
-        <p14:creationId xmlns:p14="http://schemas.microsoft.com/office/powerpoint/2010/main" val="3489902924"/>
-      </p:ext>
-    </p:extLst>
-  </p:cSld>
-  <p:clrMapOvr>
-    <a:masterClrMapping/>
-  </p:clrMapOvr>
-  <p:transition>
-    <p:fade/>
-  </p:transition>
-</p:sld>
-</file>
-
-<file path=ppt/slides/slide13.xml><?xml version="1.0" encoding="utf-8"?>
-<p:sld xmlns:a="http://schemas.openxmlformats.org/drawingml/2006/main" xmlns:r="http://schemas.openxmlformats.org/officeDocument/2006/relationships" xmlns:p="http://schemas.openxmlformats.org/presentationml/2006/main">
-  <p:cSld>
-    <p:spTree>
-      <p:nvGrpSpPr>
-        <p:cNvPr id="1" name=""/>
-        <p:cNvGrpSpPr/>
-        <p:nvPr/>
-      </p:nvGrpSpPr>
-      <p:grpSpPr>
-        <a:xfrm>
-          <a:off x="0" y="0"/>
-          <a:ext cx="0" cy="0"/>
-          <a:chOff x="0" y="0"/>
-          <a:chExt cx="0" cy="0"/>
-        </a:xfrm>
-      </p:grpSpPr>
-      <p:sp>
-        <p:nvSpPr>
           <p:cNvPr id="6146" name="Title 1"/>
           <p:cNvSpPr>
             <a:spLocks noGrp="1"/>
@@ -5976,7 +5326,7 @@
 </p:sld>
 </file>
 
-<file path=ppt/slides/slide14.xml><?xml version="1.0" encoding="utf-8"?>
+<file path=ppt/slides/slide12.xml><?xml version="1.0" encoding="utf-8"?>
 <p:sld xmlns:a="http://schemas.openxmlformats.org/drawingml/2006/main" xmlns:r="http://schemas.openxmlformats.org/officeDocument/2006/relationships" xmlns:p="http://schemas.openxmlformats.org/presentationml/2006/main">
   <p:cSld>
     <p:bg>
@@ -6385,7 +5735,7 @@
 </p:sld>
 </file>
 
-<file path=ppt/slides/slide15.xml><?xml version="1.0" encoding="utf-8"?>
+<file path=ppt/slides/slide13.xml><?xml version="1.0" encoding="utf-8"?>
 <p:sld xmlns:a="http://schemas.openxmlformats.org/drawingml/2006/main" xmlns:r="http://schemas.openxmlformats.org/officeDocument/2006/relationships" xmlns:p="http://schemas.openxmlformats.org/presentationml/2006/main">
   <p:cSld>
     <p:bg>
@@ -6484,7 +5834,7 @@
           <p:nvPr>
             <p:extLst>
               <p:ext uri="{D42A27DB-BD31-4B8C-83A1-F6EECF244321}">
-                <p14:modId xmlns:p14="http://schemas.microsoft.com/office/powerpoint/2010/main" val="3943738448"/>
+                <p14:modId xmlns:p14="http://schemas.microsoft.com/office/powerpoint/2010/main" val="185615885"/>
               </p:ext>
             </p:extLst>
           </p:nvPr>
@@ -6497,7 +5847,7 @@
           <a:graphicData uri="http://schemas.openxmlformats.org/drawingml/2006/table">
             <a:tbl>
               <a:tblPr firstRow="1" bandRow="1">
-                <a:tableStyleId>{3C2FFA5D-87B4-456A-9821-1D502468CF0F}</a:tableStyleId>
+                <a:tableStyleId>{638B1855-1B75-4FBE-930C-398BA8C253C6}</a:tableStyleId>
               </a:tblPr>
               <a:tblGrid>
                 <a:gridCol w="1279898">
@@ -6525,6 +5875,11 @@
                         <a:rPr lang="en-US" sz="1800" dirty="0"/>
                         <a:t>Code</a:t>
                       </a:r>
+                      <a:endParaRPr lang="en-US" sz="1800" dirty="0">
+                        <a:solidFill>
+                          <a:schemeClr val="tx1"/>
+                        </a:solidFill>
+                      </a:endParaRPr>
                     </a:p>
                   </a:txBody>
                   <a:tcPr marL="93260" marR="93260" marT="46630" marB="46630"/>
@@ -6538,6 +5893,11 @@
                         <a:rPr lang="en-US" sz="1800" dirty="0"/>
                         <a:t>Meaning</a:t>
                       </a:r>
+                      <a:endParaRPr lang="en-US" sz="1800" dirty="0">
+                        <a:solidFill>
+                          <a:schemeClr val="tx1"/>
+                        </a:solidFill>
+                      </a:endParaRPr>
                     </a:p>
                   </a:txBody>
                   <a:tcPr marL="93260" marR="93260" marT="46630" marB="46630"/>
@@ -6555,13 +5915,14 @@
                     <a:lstStyle/>
                     <a:p>
                       <a:r>
-                        <a:rPr lang="en-US" sz="1800" dirty="0">
-                          <a:solidFill>
-                            <a:srgbClr val="000000"/>
-                          </a:solidFill>
-                        </a:rPr>
+                        <a:rPr lang="en-US" sz="1800" dirty="0"/>
                         <a:t>200</a:t>
                       </a:r>
+                      <a:endParaRPr lang="en-US" sz="1800" dirty="0">
+                        <a:solidFill>
+                          <a:schemeClr val="tx1"/>
+                        </a:solidFill>
+                      </a:endParaRPr>
                     </a:p>
                   </a:txBody>
                   <a:tcPr marL="93260" marR="93260" marT="46630" marB="46630"/>
@@ -6572,13 +5933,14 @@
                     <a:lstStyle/>
                     <a:p>
                       <a:r>
-                        <a:rPr lang="en-US" sz="1800" dirty="0">
-                          <a:solidFill>
-                            <a:srgbClr val="000000"/>
-                          </a:solidFill>
-                        </a:rPr>
+                        <a:rPr lang="en-US" sz="1800" dirty="0"/>
                         <a:t>OK</a:t>
                       </a:r>
+                      <a:endParaRPr lang="en-US" sz="1800" dirty="0">
+                        <a:solidFill>
+                          <a:schemeClr val="tx1"/>
+                        </a:solidFill>
+                      </a:endParaRPr>
                     </a:p>
                   </a:txBody>
                   <a:tcPr marL="93260" marR="93260" marT="46630" marB="46630"/>
@@ -6596,13 +5958,14 @@
                     <a:lstStyle/>
                     <a:p>
                       <a:r>
-                        <a:rPr lang="en-US" sz="1800" dirty="0">
-                          <a:solidFill>
-                            <a:srgbClr val="000000"/>
-                          </a:solidFill>
-                        </a:rPr>
+                        <a:rPr lang="en-US" sz="1800" dirty="0"/>
                         <a:t>201</a:t>
                       </a:r>
+                      <a:endParaRPr lang="en-US" sz="1800" dirty="0">
+                        <a:solidFill>
+                          <a:schemeClr val="tx1"/>
+                        </a:solidFill>
+                      </a:endParaRPr>
                     </a:p>
                   </a:txBody>
                   <a:tcPr marL="93260" marR="93260" marT="46630" marB="46630"/>
@@ -6613,13 +5976,14 @@
                     <a:lstStyle/>
                     <a:p>
                       <a:r>
-                        <a:rPr lang="en-US" sz="1800" dirty="0">
-                          <a:solidFill>
-                            <a:srgbClr val="000000"/>
-                          </a:solidFill>
-                        </a:rPr>
+                        <a:rPr lang="en-US" sz="1800" dirty="0"/>
                         <a:t>Created</a:t>
                       </a:r>
+                      <a:endParaRPr lang="en-US" sz="1800" dirty="0">
+                        <a:solidFill>
+                          <a:schemeClr val="tx1"/>
+                        </a:solidFill>
+                      </a:endParaRPr>
                     </a:p>
                   </a:txBody>
                   <a:tcPr marL="93260" marR="93260" marT="46630" marB="46630"/>
@@ -6637,13 +6001,14 @@
                     <a:lstStyle/>
                     <a:p>
                       <a:r>
-                        <a:rPr lang="en-US" sz="1800" dirty="0">
-                          <a:solidFill>
-                            <a:srgbClr val="000000"/>
-                          </a:solidFill>
-                        </a:rPr>
+                        <a:rPr lang="en-US" sz="1800" dirty="0"/>
                         <a:t>202</a:t>
                       </a:r>
+                      <a:endParaRPr lang="en-US" sz="1800" dirty="0">
+                        <a:solidFill>
+                          <a:schemeClr val="tx1"/>
+                        </a:solidFill>
+                      </a:endParaRPr>
                     </a:p>
                   </a:txBody>
                   <a:tcPr marL="93260" marR="93260" marT="46630" marB="46630"/>
@@ -6654,13 +6019,14 @@
                     <a:lstStyle/>
                     <a:p>
                       <a:r>
-                        <a:rPr lang="en-US" sz="1800" dirty="0">
-                          <a:solidFill>
-                            <a:srgbClr val="000000"/>
-                          </a:solidFill>
-                        </a:rPr>
+                        <a:rPr lang="en-US" sz="1800" dirty="0"/>
                         <a:t>Accepted</a:t>
                       </a:r>
+                      <a:endParaRPr lang="en-US" sz="1800" dirty="0">
+                        <a:solidFill>
+                          <a:schemeClr val="tx1"/>
+                        </a:solidFill>
+                      </a:endParaRPr>
                     </a:p>
                   </a:txBody>
                   <a:tcPr marL="93260" marR="93260" marT="46630" marB="46630"/>
@@ -6678,13 +6044,14 @@
                     <a:lstStyle/>
                     <a:p>
                       <a:r>
-                        <a:rPr lang="en-US" sz="1800" dirty="0">
-                          <a:solidFill>
-                            <a:srgbClr val="000000"/>
-                          </a:solidFill>
-                        </a:rPr>
+                        <a:rPr lang="en-US" sz="1800" dirty="0"/>
                         <a:t>204</a:t>
                       </a:r>
+                      <a:endParaRPr lang="en-US" sz="1800" dirty="0">
+                        <a:solidFill>
+                          <a:schemeClr val="tx1"/>
+                        </a:solidFill>
+                      </a:endParaRPr>
                     </a:p>
                   </a:txBody>
                   <a:tcPr marL="93260" marR="93260" marT="46630" marB="46630"/>
@@ -6695,13 +6062,14 @@
                     <a:lstStyle/>
                     <a:p>
                       <a:r>
-                        <a:rPr lang="en-US" sz="1800" dirty="0">
-                          <a:solidFill>
-                            <a:srgbClr val="000000"/>
-                          </a:solidFill>
-                        </a:rPr>
+                        <a:rPr lang="en-US" sz="1800" dirty="0"/>
                         <a:t>No content</a:t>
                       </a:r>
+                      <a:endParaRPr lang="en-US" sz="1800" dirty="0">
+                        <a:solidFill>
+                          <a:schemeClr val="tx1"/>
+                        </a:solidFill>
+                      </a:endParaRPr>
                     </a:p>
                   </a:txBody>
                   <a:tcPr marL="93260" marR="93260" marT="46630" marB="46630"/>
@@ -6719,13 +6087,14 @@
                     <a:lstStyle/>
                     <a:p>
                       <a:r>
-                        <a:rPr lang="en-US" sz="1800" dirty="0">
-                          <a:solidFill>
-                            <a:srgbClr val="000000"/>
-                          </a:solidFill>
-                        </a:rPr>
+                        <a:rPr lang="en-US" sz="1800" dirty="0"/>
                         <a:t>301</a:t>
                       </a:r>
+                      <a:endParaRPr lang="en-US" sz="1800" dirty="0">
+                        <a:solidFill>
+                          <a:schemeClr val="tx1"/>
+                        </a:solidFill>
+                      </a:endParaRPr>
                     </a:p>
                   </a:txBody>
                   <a:tcPr marL="93260" marR="93260" marT="46630" marB="46630"/>
@@ -6736,13 +6105,14 @@
                     <a:lstStyle/>
                     <a:p>
                       <a:r>
-                        <a:rPr lang="en-US" sz="1800" dirty="0">
-                          <a:solidFill>
-                            <a:srgbClr val="000000"/>
-                          </a:solidFill>
-                        </a:rPr>
+                        <a:rPr lang="en-US" sz="1800" dirty="0"/>
                         <a:t>Moved permanently</a:t>
                       </a:r>
+                      <a:endParaRPr lang="en-US" sz="1800" dirty="0">
+                        <a:solidFill>
+                          <a:schemeClr val="tx1"/>
+                        </a:solidFill>
+                      </a:endParaRPr>
                     </a:p>
                   </a:txBody>
                   <a:tcPr marL="93260" marR="93260" marT="46630" marB="46630"/>
@@ -6760,13 +6130,14 @@
                     <a:lstStyle/>
                     <a:p>
                       <a:r>
-                        <a:rPr lang="en-US" sz="1800" dirty="0">
-                          <a:solidFill>
-                            <a:srgbClr val="000000"/>
-                          </a:solidFill>
-                        </a:rPr>
+                        <a:rPr lang="en-US" sz="1800" dirty="0"/>
                         <a:t>302</a:t>
                       </a:r>
+                      <a:endParaRPr lang="en-US" sz="1800" dirty="0">
+                        <a:solidFill>
+                          <a:schemeClr val="tx1"/>
+                        </a:solidFill>
+                      </a:endParaRPr>
                     </a:p>
                   </a:txBody>
                   <a:tcPr marL="93260" marR="93260" marT="46630" marB="46630"/>
@@ -6777,24 +6148,16 @@
                     <a:lstStyle/>
                     <a:p>
                       <a:r>
-                        <a:rPr lang="en-US" sz="1800" dirty="0">
-                          <a:solidFill>
-                            <a:srgbClr val="000000"/>
-                          </a:solidFill>
-                        </a:rPr>
+                        <a:rPr lang="en-US" sz="1800" dirty="0"/>
                         <a:t>Moved</a:t>
                       </a:r>
                       <a:r>
-                        <a:rPr lang="en-US" sz="1800" baseline="0" dirty="0">
-                          <a:solidFill>
-                            <a:srgbClr val="000000"/>
-                          </a:solidFill>
-                        </a:rPr>
+                        <a:rPr lang="en-US" sz="1800" baseline="0" dirty="0"/>
                         <a:t> temporarily </a:t>
                       </a:r>
                       <a:endParaRPr lang="en-US" sz="1800" dirty="0">
                         <a:solidFill>
-                          <a:srgbClr val="000000"/>
+                          <a:schemeClr val="tx1"/>
                         </a:solidFill>
                       </a:endParaRPr>
                     </a:p>
@@ -6814,13 +6177,14 @@
                     <a:lstStyle/>
                     <a:p>
                       <a:r>
-                        <a:rPr lang="en-US" sz="1800" dirty="0">
-                          <a:solidFill>
-                            <a:srgbClr val="000000"/>
-                          </a:solidFill>
-                        </a:rPr>
+                        <a:rPr lang="en-US" sz="1800" dirty="0"/>
                         <a:t>400</a:t>
                       </a:r>
+                      <a:endParaRPr lang="en-US" sz="1800" dirty="0">
+                        <a:solidFill>
+                          <a:schemeClr val="tx1"/>
+                        </a:solidFill>
+                      </a:endParaRPr>
                     </a:p>
                   </a:txBody>
                   <a:tcPr marL="93260" marR="93260" marT="46630" marB="46630"/>
@@ -6848,24 +6212,16 @@
                         <a:defRPr/>
                       </a:pPr>
                       <a:r>
-                        <a:rPr lang="en-US" sz="1800" dirty="0">
-                          <a:solidFill>
-                            <a:srgbClr val="000000"/>
-                          </a:solidFill>
-                        </a:rPr>
+                        <a:rPr lang="en-US" sz="1800" dirty="0"/>
                         <a:t>Bad</a:t>
                       </a:r>
                       <a:r>
-                        <a:rPr lang="en-US" sz="1800" baseline="0" dirty="0">
-                          <a:solidFill>
-                            <a:srgbClr val="000000"/>
-                          </a:solidFill>
-                        </a:rPr>
+                        <a:rPr lang="en-US" sz="1800" baseline="0" dirty="0"/>
                         <a:t> request</a:t>
                       </a:r>
                       <a:endParaRPr lang="en-US" sz="1800" dirty="0">
                         <a:solidFill>
-                          <a:srgbClr val="000000"/>
+                          <a:schemeClr val="tx1"/>
                         </a:solidFill>
                       </a:endParaRPr>
                     </a:p>
@@ -6885,13 +6241,14 @@
                     <a:lstStyle/>
                     <a:p>
                       <a:r>
-                        <a:rPr lang="en-US" sz="1800" dirty="0">
-                          <a:solidFill>
-                            <a:srgbClr val="000000"/>
-                          </a:solidFill>
-                        </a:rPr>
+                        <a:rPr lang="en-US" sz="1800" dirty="0"/>
                         <a:t>401</a:t>
                       </a:r>
+                      <a:endParaRPr lang="en-US" sz="1800" dirty="0">
+                        <a:solidFill>
+                          <a:schemeClr val="tx1"/>
+                        </a:solidFill>
+                      </a:endParaRPr>
                     </a:p>
                   </a:txBody>
                   <a:tcPr marL="93260" marR="93260" marT="46630" marB="46630"/>
@@ -6902,13 +6259,14 @@
                     <a:lstStyle/>
                     <a:p>
                       <a:r>
-                        <a:rPr lang="en-US" sz="1800" dirty="0">
-                          <a:solidFill>
-                            <a:srgbClr val="000000"/>
-                          </a:solidFill>
-                        </a:rPr>
+                        <a:rPr lang="en-US" sz="1800" dirty="0"/>
                         <a:t>Unauthorized</a:t>
                       </a:r>
+                      <a:endParaRPr lang="en-US" sz="1800" dirty="0">
+                        <a:solidFill>
+                          <a:schemeClr val="tx1"/>
+                        </a:solidFill>
+                      </a:endParaRPr>
                     </a:p>
                   </a:txBody>
                   <a:tcPr marL="93260" marR="93260" marT="46630" marB="46630"/>
@@ -6926,13 +6284,14 @@
                     <a:lstStyle/>
                     <a:p>
                       <a:r>
-                        <a:rPr lang="en-US" sz="1800" dirty="0">
-                          <a:solidFill>
-                            <a:srgbClr val="000000"/>
-                          </a:solidFill>
-                        </a:rPr>
+                        <a:rPr lang="en-US" sz="1800" dirty="0"/>
                         <a:t>403</a:t>
                       </a:r>
+                      <a:endParaRPr lang="en-US" sz="1800" dirty="0">
+                        <a:solidFill>
+                          <a:schemeClr val="tx1"/>
+                        </a:solidFill>
+                      </a:endParaRPr>
                     </a:p>
                   </a:txBody>
                   <a:tcPr marL="93260" marR="93260" marT="46630" marB="46630"/>
@@ -6943,13 +6302,14 @@
                     <a:lstStyle/>
                     <a:p>
                       <a:r>
-                        <a:rPr lang="en-US" sz="1800" dirty="0">
-                          <a:solidFill>
-                            <a:srgbClr val="000000"/>
-                          </a:solidFill>
-                        </a:rPr>
+                        <a:rPr lang="en-US" sz="1800" dirty="0"/>
                         <a:t>Forbidden </a:t>
                       </a:r>
+                      <a:endParaRPr lang="en-US" sz="1800" dirty="0">
+                        <a:solidFill>
+                          <a:schemeClr val="tx1"/>
+                        </a:solidFill>
+                      </a:endParaRPr>
                     </a:p>
                   </a:txBody>
                   <a:tcPr marL="93260" marR="93260" marT="46630" marB="46630"/>
@@ -6967,13 +6327,14 @@
                     <a:lstStyle/>
                     <a:p>
                       <a:r>
-                        <a:rPr lang="en-US" sz="1800" dirty="0">
-                          <a:solidFill>
-                            <a:srgbClr val="000000"/>
-                          </a:solidFill>
-                        </a:rPr>
+                        <a:rPr lang="en-US" sz="1800" dirty="0"/>
                         <a:t>404</a:t>
                       </a:r>
+                      <a:endParaRPr lang="en-US" sz="1800" dirty="0">
+                        <a:solidFill>
+                          <a:schemeClr val="tx1"/>
+                        </a:solidFill>
+                      </a:endParaRPr>
                     </a:p>
                   </a:txBody>
                   <a:tcPr marL="93260" marR="93260" marT="46630" marB="46630"/>
@@ -6984,13 +6345,14 @@
                     <a:lstStyle/>
                     <a:p>
                       <a:r>
-                        <a:rPr lang="en-US" sz="1800" dirty="0">
-                          <a:solidFill>
-                            <a:srgbClr val="000000"/>
-                          </a:solidFill>
-                        </a:rPr>
+                        <a:rPr lang="en-US" sz="1800" dirty="0"/>
                         <a:t>Not found</a:t>
                       </a:r>
+                      <a:endParaRPr lang="en-US" sz="1800" dirty="0">
+                        <a:solidFill>
+                          <a:schemeClr val="tx1"/>
+                        </a:solidFill>
+                      </a:endParaRPr>
                     </a:p>
                   </a:txBody>
                   <a:tcPr marL="93260" marR="93260" marT="46630" marB="46630"/>
@@ -7008,16 +6370,12 @@
                     <a:lstStyle/>
                     <a:p>
                       <a:r>
-                        <a:rPr lang="da-DK" sz="1800" dirty="0">
-                          <a:solidFill>
-                            <a:srgbClr val="000000"/>
-                          </a:solidFill>
-                        </a:rPr>
+                        <a:rPr lang="da-DK" sz="1800" dirty="0"/>
                         <a:t>409</a:t>
                       </a:r>
                       <a:endParaRPr lang="en-US" sz="1800" dirty="0">
                         <a:solidFill>
-                          <a:srgbClr val="000000"/>
+                          <a:schemeClr val="tx1"/>
                         </a:solidFill>
                       </a:endParaRPr>
                     </a:p>
@@ -7030,16 +6388,12 @@
                     <a:lstStyle/>
                     <a:p>
                       <a:r>
-                        <a:rPr lang="da-DK" sz="1800" dirty="0" err="1">
-                          <a:solidFill>
-                            <a:srgbClr val="000000"/>
-                          </a:solidFill>
-                        </a:rPr>
+                        <a:rPr lang="da-DK" sz="1800" dirty="0" err="1"/>
                         <a:t>Conflict</a:t>
                       </a:r>
                       <a:endParaRPr lang="en-US" sz="1800" dirty="0">
                         <a:solidFill>
-                          <a:srgbClr val="000000"/>
+                          <a:schemeClr val="tx1"/>
                         </a:solidFill>
                       </a:endParaRPr>
                     </a:p>
@@ -7059,13 +6413,14 @@
                     <a:lstStyle/>
                     <a:p>
                       <a:r>
-                        <a:rPr lang="en-US" sz="1800" dirty="0">
-                          <a:solidFill>
-                            <a:srgbClr val="000000"/>
-                          </a:solidFill>
-                        </a:rPr>
+                        <a:rPr lang="en-US" sz="1800" dirty="0"/>
                         <a:t>500</a:t>
                       </a:r>
+                      <a:endParaRPr lang="en-US" sz="1800" dirty="0">
+                        <a:solidFill>
+                          <a:schemeClr val="tx1"/>
+                        </a:solidFill>
+                      </a:endParaRPr>
                     </a:p>
                   </a:txBody>
                   <a:tcPr marL="93260" marR="93260" marT="46630" marB="46630"/>
@@ -7076,13 +6431,14 @@
                     <a:lstStyle/>
                     <a:p>
                       <a:r>
-                        <a:rPr lang="en-US" sz="1800" dirty="0">
-                          <a:solidFill>
-                            <a:srgbClr val="000000"/>
-                          </a:solidFill>
-                        </a:rPr>
+                        <a:rPr lang="en-US" sz="1800" dirty="0"/>
                         <a:t>Internal server error </a:t>
                       </a:r>
+                      <a:endParaRPr lang="en-US" sz="1800" dirty="0">
+                        <a:solidFill>
+                          <a:schemeClr val="tx1"/>
+                        </a:solidFill>
+                      </a:endParaRPr>
                     </a:p>
                   </a:txBody>
                   <a:tcPr marL="93260" marR="93260" marT="46630" marB="46630"/>
@@ -7100,13 +6456,14 @@
                     <a:lstStyle/>
                     <a:p>
                       <a:r>
-                        <a:rPr lang="en-US" sz="1800" dirty="0">
-                          <a:solidFill>
-                            <a:srgbClr val="000000"/>
-                          </a:solidFill>
-                        </a:rPr>
+                        <a:rPr lang="en-US" sz="1800" dirty="0"/>
                         <a:t>501</a:t>
                       </a:r>
+                      <a:endParaRPr lang="en-US" sz="1800" dirty="0">
+                        <a:solidFill>
+                          <a:schemeClr val="tx1"/>
+                        </a:solidFill>
+                      </a:endParaRPr>
                     </a:p>
                   </a:txBody>
                   <a:tcPr marL="93260" marR="93260" marT="46630" marB="46630"/>
@@ -7117,13 +6474,14 @@
                     <a:lstStyle/>
                     <a:p>
                       <a:r>
-                        <a:rPr lang="en-US" sz="1800" dirty="0">
-                          <a:solidFill>
-                            <a:srgbClr val="000000"/>
-                          </a:solidFill>
-                        </a:rPr>
+                        <a:rPr lang="en-US" sz="1800" dirty="0"/>
                         <a:t>Not implemented</a:t>
                       </a:r>
+                      <a:endParaRPr lang="en-US" sz="1800" dirty="0">
+                        <a:solidFill>
+                          <a:schemeClr val="tx1"/>
+                        </a:solidFill>
+                      </a:endParaRPr>
                     </a:p>
                   </a:txBody>
                   <a:tcPr marL="93260" marR="93260" marT="46630" marB="46630"/>
@@ -7141,13 +6499,14 @@
                     <a:lstStyle/>
                     <a:p>
                       <a:r>
-                        <a:rPr lang="en-US" sz="1800" dirty="0">
-                          <a:solidFill>
-                            <a:srgbClr val="000000"/>
-                          </a:solidFill>
-                        </a:rPr>
+                        <a:rPr lang="en-US" sz="1800" dirty="0"/>
                         <a:t>503</a:t>
                       </a:r>
+                      <a:endParaRPr lang="en-US" sz="1800" dirty="0">
+                        <a:solidFill>
+                          <a:schemeClr val="tx1"/>
+                        </a:solidFill>
+                      </a:endParaRPr>
                     </a:p>
                   </a:txBody>
                   <a:tcPr marL="93260" marR="93260" marT="46630" marB="46630"/>
@@ -7158,24 +6517,16 @@
                     <a:lstStyle/>
                     <a:p>
                       <a:r>
-                        <a:rPr lang="en-US" sz="1800" dirty="0">
-                          <a:solidFill>
-                            <a:srgbClr val="000000"/>
-                          </a:solidFill>
-                        </a:rPr>
+                        <a:rPr lang="en-US" sz="1800" dirty="0"/>
                         <a:t>Service</a:t>
                       </a:r>
                       <a:r>
-                        <a:rPr lang="en-US" sz="1800" baseline="0" dirty="0">
-                          <a:solidFill>
-                            <a:srgbClr val="000000"/>
-                          </a:solidFill>
-                        </a:rPr>
+                        <a:rPr lang="en-US" sz="1800" baseline="0" dirty="0"/>
                         <a:t> unavailable</a:t>
                       </a:r>
                       <a:endParaRPr lang="en-US" sz="1800" dirty="0">
                         <a:solidFill>
-                          <a:srgbClr val="000000"/>
+                          <a:schemeClr val="tx1"/>
                         </a:solidFill>
                       </a:endParaRPr>
                     </a:p>
@@ -7208,7 +6559,7 @@
 </p:sld>
 </file>
 
-<file path=ppt/slides/slide16.xml><?xml version="1.0" encoding="utf-8"?>
+<file path=ppt/slides/slide14.xml><?xml version="1.0" encoding="utf-8"?>
 <p:sld xmlns:a="http://schemas.openxmlformats.org/drawingml/2006/main" xmlns:r="http://schemas.openxmlformats.org/officeDocument/2006/relationships" xmlns:p="http://schemas.openxmlformats.org/presentationml/2006/main">
   <p:cSld>
     <p:spTree>
@@ -7299,30 +6650,30 @@
           <p:nvPr>
             <p:extLst>
               <p:ext uri="{D42A27DB-BD31-4B8C-83A1-F6EECF244321}">
-                <p14:modId xmlns:p14="http://schemas.microsoft.com/office/powerpoint/2010/main" val="2472876208"/>
+                <p14:modId xmlns:p14="http://schemas.microsoft.com/office/powerpoint/2010/main" val="3761525086"/>
               </p:ext>
             </p:extLst>
           </p:nvPr>
         </p:nvGraphicFramePr>
         <p:xfrm>
           <a:off x="411185" y="1302726"/>
-          <a:ext cx="8504193" cy="5289192"/>
+          <a:ext cx="8504193" cy="4754829"/>
         </p:xfrm>
         <a:graphic>
           <a:graphicData uri="http://schemas.openxmlformats.org/drawingml/2006/table">
             <a:tbl>
               <a:tblPr firstRow="1">
-                <a:tableStyleId>{284E427A-3D55-4303-BF80-6455036E1DE7}</a:tableStyleId>
+                <a:tableStyleId>{073A0DAA-6AF3-43AB-8588-CEC1D06C72B9}</a:tableStyleId>
               </a:tblPr>
               <a:tblGrid>
-                <a:gridCol w="2231295">
+                <a:gridCol w="1691804">
                   <a:extLst>
                     <a:ext uri="{9D8B030D-6E8A-4147-A177-3AD203B41FA5}">
                       <a16:colId xmlns:a16="http://schemas.microsoft.com/office/drawing/2014/main" val="3829694350"/>
                     </a:ext>
                   </a:extLst>
                 </a:gridCol>
-                <a:gridCol w="2477996">
+                <a:gridCol w="3017487">
                   <a:extLst>
                     <a:ext uri="{9D8B030D-6E8A-4147-A177-3AD203B41FA5}">
                       <a16:colId xmlns:a16="http://schemas.microsoft.com/office/drawing/2014/main" val="2362995855"/>
@@ -7385,10 +6736,10 @@
                     <a:p>
                       <a:pPr algn="l" fontAlgn="base"/>
                       <a:r>
-                        <a:rPr lang="da-DK" sz="1600" cap="none" baseline="0" dirty="0" err="1">
+                        <a:rPr lang="da-DK" sz="1600" cap="none" baseline="0" dirty="0">
                           <a:effectLst/>
                         </a:rPr>
-                        <a:t>Example</a:t>
+                        <a:t>Examples</a:t>
                       </a:r>
                       <a:endParaRPr lang="da-DK" sz="1600" b="1" cap="none" baseline="0" dirty="0">
                         <a:effectLst/>
@@ -7404,7 +6755,7 @@
                   </a:ext>
                 </a:extLst>
               </a:tr>
-              <a:tr h="875520">
+              <a:tr h="1455663">
                 <a:tc>
                   <a:txBody>
                     <a:bodyPr/>
@@ -7413,9 +6764,6 @@
                       <a:pPr algn="l" fontAlgn="base"/>
                       <a:r>
                         <a:rPr lang="da-DK" sz="1600" dirty="0">
-                          <a:solidFill>
-                            <a:srgbClr val="000000"/>
-                          </a:solidFill>
                           <a:effectLst/>
                         </a:rPr>
                         <a:t>Accept</a:t>
@@ -7439,9 +6787,6 @@
                       <a:pPr algn="l" fontAlgn="base"/>
                       <a:r>
                         <a:rPr lang="en-US" sz="1600" dirty="0">
-                          <a:solidFill>
-                            <a:srgbClr val="000000"/>
-                          </a:solidFill>
                           <a:effectLst/>
                         </a:rPr>
                         <a:t>Content-Types that are acceptable for the response</a:t>
@@ -7464,103 +6809,28 @@
                     <a:p>
                       <a:pPr algn="l" fontAlgn="base"/>
                       <a:r>
-                        <a:rPr lang="da-DK" sz="1600" dirty="0" err="1">
-                          <a:solidFill>
-                            <a:srgbClr val="000000"/>
-                          </a:solidFill>
+                        <a:rPr lang="da-DK" sz="1600" dirty="0">
                           <a:effectLst/>
                         </a:rPr>
-                        <a:t>text</a:t>
+                        <a:t>text/plain</a:t>
                       </a:r>
+                    </a:p>
+                    <a:p>
+                      <a:pPr algn="l" fontAlgn="base"/>
                       <a:r>
                         <a:rPr lang="da-DK" sz="1600" dirty="0">
-                          <a:solidFill>
-                            <a:srgbClr val="000000"/>
-                          </a:solidFill>
                           <a:effectLst/>
                         </a:rPr>
-                        <a:t>/</a:t>
+                        <a:t>application/json</a:t>
                       </a:r>
+                    </a:p>
+                    <a:p>
+                      <a:pPr algn="l" fontAlgn="base"/>
                       <a:r>
-                        <a:rPr lang="da-DK" sz="1600" dirty="0" err="1">
-                          <a:solidFill>
-                            <a:srgbClr val="000000"/>
-                          </a:solidFill>
+                        <a:rPr lang="da-DK" sz="1600" baseline="0" dirty="0">
                           <a:effectLst/>
                         </a:rPr>
-                        <a:t>plain</a:t>
-                      </a:r>
-                      <a:r>
-                        <a:rPr lang="da-DK" sz="1600" dirty="0">
-                          <a:solidFill>
-                            <a:srgbClr val="000000"/>
-                          </a:solidFill>
-                          <a:effectLst/>
-                        </a:rPr>
-                        <a:t>, </a:t>
-                      </a:r>
-                      <a:r>
-                        <a:rPr lang="da-DK" sz="1600" dirty="0" err="1">
-                          <a:solidFill>
-                            <a:srgbClr val="000000"/>
-                          </a:solidFill>
-                          <a:effectLst/>
-                        </a:rPr>
-                        <a:t>application</a:t>
-                      </a:r>
-                      <a:r>
-                        <a:rPr lang="da-DK" sz="1600" dirty="0">
-                          <a:solidFill>
-                            <a:srgbClr val="000000"/>
-                          </a:solidFill>
-                          <a:effectLst/>
-                        </a:rPr>
-                        <a:t>/</a:t>
-                      </a:r>
-                      <a:r>
-                        <a:rPr lang="da-DK" sz="1600" dirty="0" err="1">
-                          <a:solidFill>
-                            <a:srgbClr val="000000"/>
-                          </a:solidFill>
-                          <a:effectLst/>
-                        </a:rPr>
-                        <a:t>json</a:t>
-                      </a:r>
-                      <a:r>
-                        <a:rPr lang="da-DK" sz="1600" dirty="0">
-                          <a:solidFill>
-                            <a:srgbClr val="000000"/>
-                          </a:solidFill>
-                          <a:effectLst/>
-                        </a:rPr>
-                        <a:t>,</a:t>
-                      </a:r>
-                      <a:r>
-                        <a:rPr lang="da-DK" sz="1600" baseline="0" dirty="0">
-                          <a:solidFill>
-                            <a:srgbClr val="000000"/>
-                          </a:solidFill>
-                          <a:effectLst/>
-                        </a:rPr>
-                        <a:t> </a:t>
-                      </a:r>
-                      <a:r>
-                        <a:rPr lang="da-DK" sz="1600" baseline="0" dirty="0" err="1">
-                          <a:solidFill>
-                            <a:srgbClr val="000000"/>
-                          </a:solidFill>
-                          <a:effectLst/>
-                        </a:rPr>
-                        <a:t>application</a:t>
-                      </a:r>
-                      <a:r>
-                        <a:rPr lang="da-DK" sz="1600" baseline="0" dirty="0">
-                          <a:solidFill>
-                            <a:srgbClr val="000000"/>
-                          </a:solidFill>
-                          <a:effectLst/>
-                        </a:rPr>
-                        <a:t>/xml</a:t>
+                        <a:t>application/xml</a:t>
                       </a:r>
                       <a:endParaRPr lang="da-DK" sz="1600" b="0" dirty="0">
                         <a:solidFill>
@@ -7579,7 +6849,7 @@
                   </a:ext>
                 </a:extLst>
               </a:tr>
-              <a:tr h="875520">
+              <a:tr h="1455663">
                 <a:tc>
                   <a:txBody>
                     <a:bodyPr/>
@@ -7588,9 +6858,6 @@
                       <a:pPr algn="l" fontAlgn="base"/>
                       <a:r>
                         <a:rPr lang="da-DK" sz="1600" dirty="0">
-                          <a:solidFill>
-                            <a:srgbClr val="000000"/>
-                          </a:solidFill>
                           <a:effectLst/>
                         </a:rPr>
                         <a:t>Content-Type</a:t>
@@ -7614,12 +6881,9 @@
                       <a:pPr algn="l" fontAlgn="base"/>
                       <a:r>
                         <a:rPr lang="en-US" sz="1600" dirty="0">
-                          <a:solidFill>
-                            <a:srgbClr val="000000"/>
-                          </a:solidFill>
                           <a:effectLst/>
                         </a:rPr>
-                        <a:t>The MIME type of the body of the request (POST and PUT)</a:t>
+                        <a:t>The MIME type of the body of the request (POST, PUT, and PATCH)</a:t>
                       </a:r>
                       <a:endParaRPr lang="en-US" sz="1600" b="0" dirty="0">
                         <a:solidFill>
@@ -7640,66 +6904,45 @@
                       <a:pPr algn="l" fontAlgn="base"/>
                       <a:r>
                         <a:rPr lang="da-DK" sz="1600" dirty="0" err="1">
-                          <a:solidFill>
-                            <a:srgbClr val="000000"/>
-                          </a:solidFill>
                           <a:effectLst/>
                         </a:rPr>
                         <a:t>application</a:t>
                       </a:r>
                       <a:r>
                         <a:rPr lang="da-DK" sz="1600" dirty="0">
-                          <a:solidFill>
-                            <a:srgbClr val="000000"/>
-                          </a:solidFill>
                           <a:effectLst/>
                         </a:rPr>
                         <a:t>/x-www-form-</a:t>
                       </a:r>
                       <a:r>
                         <a:rPr lang="da-DK" sz="1600" dirty="0" err="1">
-                          <a:solidFill>
-                            <a:srgbClr val="000000"/>
-                          </a:solidFill>
                           <a:effectLst/>
                         </a:rPr>
                         <a:t>urlencoded</a:t>
                       </a:r>
                       <a:endParaRPr lang="da-DK" sz="1600" dirty="0">
-                        <a:solidFill>
-                          <a:srgbClr val="000000"/>
-                        </a:solidFill>
                         <a:effectLst/>
                       </a:endParaRPr>
                     </a:p>
                     <a:p>
                       <a:pPr algn="l" fontAlgn="base"/>
                       <a:r>
-                        <a:rPr lang="da-DK" sz="1600" dirty="0" err="1">
+                        <a:rPr lang="da-DK" sz="1600" dirty="0">
+                          <a:effectLst/>
+                        </a:rPr>
+                        <a:t>application/json</a:t>
+                      </a:r>
+                      <a:r>
+                        <a:rPr lang="da-DK" sz="1800" b="0" i="0" kern="1200" dirty="0">
                           <a:solidFill>
-                            <a:srgbClr val="000000"/>
+                            <a:schemeClr val="dk1"/>
                           </a:solidFill>
                           <a:effectLst/>
+                          <a:latin typeface="+mn-lt"/>
+                          <a:ea typeface="+mn-ea"/>
+                          <a:cs typeface="+mn-cs"/>
                         </a:rPr>
-                        <a:t>application</a:t>
-                      </a:r>
-                      <a:r>
-                        <a:rPr lang="da-DK" sz="1600" dirty="0">
-                          <a:solidFill>
-                            <a:srgbClr val="000000"/>
-                          </a:solidFill>
-                          <a:effectLst/>
-                        </a:rPr>
-                        <a:t>/</a:t>
-                      </a:r>
-                      <a:r>
-                        <a:rPr lang="da-DK" sz="1600" dirty="0" err="1">
-                          <a:solidFill>
-                            <a:srgbClr val="000000"/>
-                          </a:solidFill>
-                          <a:effectLst/>
-                        </a:rPr>
-                        <a:t>json</a:t>
+                        <a:t>; charset=utf-8</a:t>
                       </a:r>
                       <a:endParaRPr lang="da-DK" sz="1600" b="0" dirty="0">
                         <a:solidFill>
@@ -7718,7 +6961,7 @@
                   </a:ext>
                 </a:extLst>
               </a:tr>
-              <a:tr h="2518632">
+              <a:tr h="1455663">
                 <a:tc>
                   <a:txBody>
                     <a:bodyPr/>
@@ -7727,9 +6970,6 @@
                       <a:pPr algn="l" fontAlgn="base"/>
                       <a:r>
                         <a:rPr lang="da-DK" sz="1600" dirty="0" err="1">
-                          <a:solidFill>
-                            <a:srgbClr val="000000"/>
-                          </a:solidFill>
                           <a:effectLst/>
                         </a:rPr>
                         <a:t>Authorization</a:t>
@@ -7753,9 +6993,6 @@
                       <a:pPr algn="l" fontAlgn="base"/>
                       <a:r>
                         <a:rPr lang="en-US" sz="1600" dirty="0">
-                          <a:solidFill>
-                            <a:srgbClr val="000000"/>
-                          </a:solidFill>
                           <a:effectLst/>
                         </a:rPr>
                         <a:t>Authentication credentials for HTTP authentication</a:t>
@@ -7778,161 +7015,22 @@
                     <a:p>
                       <a:pPr algn="l" fontAlgn="base"/>
                       <a:r>
-                        <a:rPr lang="en-US" sz="1600" dirty="0" err="1">
-                          <a:solidFill>
-                            <a:srgbClr val="000000"/>
-                          </a:solidFill>
+                        <a:rPr lang="en-US" sz="1600" dirty="0">
                           <a:effectLst/>
                         </a:rPr>
-                        <a:t>OAuth</a:t>
+                        <a:t>Bearer </a:t>
+                      </a:r>
+                      <a:r>
+                        <a:rPr lang="en-US" sz="1600" dirty="0" err="1">
+                          <a:effectLst/>
+                        </a:rPr>
+                        <a:t>ey</a:t>
                       </a:r>
                       <a:r>
                         <a:rPr lang="en-US" sz="1600" dirty="0">
-                          <a:solidFill>
-                            <a:srgbClr val="000000"/>
-                          </a:solidFill>
                           <a:effectLst/>
                         </a:rPr>
-                        <a:t> realm="http://sp.example.test/",</a:t>
-                      </a:r>
-                      <a:br>
-                        <a:rPr lang="en-US" sz="1600" dirty="0">
-                          <a:solidFill>
-                            <a:srgbClr val="000000"/>
-                          </a:solidFill>
-                          <a:effectLst/>
-                        </a:rPr>
-                      </a:br>
-                      <a:r>
-                        <a:rPr lang="en-US" sz="1600" dirty="0" err="1">
-                          <a:solidFill>
-                            <a:srgbClr val="000000"/>
-                          </a:solidFill>
-                          <a:effectLst/>
-                        </a:rPr>
-                        <a:t>oauth_consumer_key</a:t>
-                      </a:r>
-                      <a:r>
-                        <a:rPr lang="en-US" sz="1600" dirty="0">
-                          <a:solidFill>
-                            <a:srgbClr val="000000"/>
-                          </a:solidFill>
-                          <a:effectLst/>
-                        </a:rPr>
-                        <a:t>="0685bd9184jfhq22",</a:t>
-                      </a:r>
-                      <a:br>
-                        <a:rPr lang="en-US" sz="1600" dirty="0">
-                          <a:solidFill>
-                            <a:srgbClr val="000000"/>
-                          </a:solidFill>
-                          <a:effectLst/>
-                        </a:rPr>
-                      </a:br>
-                      <a:r>
-                        <a:rPr lang="en-US" sz="1600" dirty="0">
-                          <a:solidFill>
-                            <a:srgbClr val="000000"/>
-                          </a:solidFill>
-                          <a:effectLst/>
-                        </a:rPr>
-                        <a:t>  </a:t>
-                      </a:r>
-                      <a:r>
-                        <a:rPr lang="en-US" sz="1600" dirty="0" err="1">
-                          <a:solidFill>
-                            <a:srgbClr val="000000"/>
-                          </a:solidFill>
-                          <a:effectLst/>
-                        </a:rPr>
-                        <a:t>oauth_token</a:t>
-                      </a:r>
-                      <a:r>
-                        <a:rPr lang="en-US" sz="1600" dirty="0">
-                          <a:solidFill>
-                            <a:srgbClr val="000000"/>
-                          </a:solidFill>
-                          <a:effectLst/>
-                        </a:rPr>
-                        <a:t>="ad180jjd733klru7",</a:t>
-                      </a:r>
-                      <a:br>
-                        <a:rPr lang="en-US" sz="1600" dirty="0">
-                          <a:solidFill>
-                            <a:srgbClr val="000000"/>
-                          </a:solidFill>
-                          <a:effectLst/>
-                        </a:rPr>
-                      </a:br>
-                      <a:r>
-                        <a:rPr lang="en-US" sz="1600" dirty="0">
-                          <a:solidFill>
-                            <a:srgbClr val="000000"/>
-                          </a:solidFill>
-                          <a:effectLst/>
-                        </a:rPr>
-                        <a:t>  </a:t>
-                      </a:r>
-                      <a:r>
-                        <a:rPr lang="en-US" sz="1600" dirty="0" err="1">
-                          <a:solidFill>
-                            <a:srgbClr val="000000"/>
-                          </a:solidFill>
-                          <a:effectLst/>
-                        </a:rPr>
-                        <a:t>oauth_signature_method</a:t>
-                      </a:r>
-                      <a:r>
-                        <a:rPr lang="en-US" sz="1600" dirty="0">
-                          <a:solidFill>
-                            <a:srgbClr val="000000"/>
-                          </a:solidFill>
-                          <a:effectLst/>
-                        </a:rPr>
-                        <a:t>=</a:t>
-                      </a:r>
-                      <a:br>
-                        <a:rPr lang="en-US" sz="1600" dirty="0">
-                          <a:solidFill>
-                            <a:srgbClr val="000000"/>
-                          </a:solidFill>
-                          <a:effectLst/>
-                        </a:rPr>
-                      </a:br>
-                      <a:r>
-                        <a:rPr lang="en-US" sz="1600" dirty="0">
-                          <a:solidFill>
-                            <a:srgbClr val="000000"/>
-                          </a:solidFill>
-                          <a:effectLst/>
-                        </a:rPr>
-                        <a:t>"HMAC-SHA1",</a:t>
-                      </a:r>
-                      <a:br>
-                        <a:rPr lang="en-US" sz="1600" dirty="0">
-                          <a:solidFill>
-                            <a:srgbClr val="000000"/>
-                          </a:solidFill>
-                          <a:effectLst/>
-                        </a:rPr>
-                      </a:br>
-                      <a:r>
-                        <a:rPr lang="en-US" sz="1600" dirty="0" err="1">
-                          <a:solidFill>
-                            <a:srgbClr val="000000"/>
-                          </a:solidFill>
-                          <a:effectLst/>
-                        </a:rPr>
-                        <a:t>oauth_signature</a:t>
-                      </a:r>
-                      <a:r>
-                        <a:rPr lang="en-US" sz="1600" dirty="0">
-                          <a:solidFill>
-                            <a:srgbClr val="000000"/>
-                          </a:solidFill>
-                          <a:effectLst/>
-                        </a:rPr>
-                        <a:t>="wOJIO9A2W5mFwDgiDvZb…</a:t>
+                        <a:t>…</a:t>
                       </a:r>
                       <a:endParaRPr lang="en-US" sz="1600" b="0" dirty="0">
                         <a:solidFill>
@@ -7948,118 +7046,6 @@
                 <a:extLst>
                   <a:ext uri="{0D108BD9-81ED-4DB2-BD59-A6C34878D82A}">
                     <a16:rowId xmlns:a16="http://schemas.microsoft.com/office/drawing/2014/main" val="645420641"/>
-                  </a:ext>
-                </a:extLst>
-              </a:tr>
-              <a:tr h="631680">
-                <a:tc>
-                  <a:txBody>
-                    <a:bodyPr/>
-                    <a:lstStyle/>
-                    <a:p>
-                      <a:pPr algn="l" fontAlgn="base"/>
-                      <a:r>
-                        <a:rPr lang="da-DK" sz="1600" dirty="0">
-                          <a:solidFill>
-                            <a:srgbClr val="000000"/>
-                          </a:solidFill>
-                          <a:effectLst/>
-                        </a:rPr>
-                        <a:t>WWW-</a:t>
-                      </a:r>
-                      <a:r>
-                        <a:rPr lang="da-DK" sz="1600" dirty="0" err="1">
-                          <a:solidFill>
-                            <a:srgbClr val="000000"/>
-                          </a:solidFill>
-                          <a:effectLst/>
-                        </a:rPr>
-                        <a:t>Authenticate</a:t>
-                      </a:r>
-                      <a:endParaRPr lang="da-DK" sz="1600" b="0" dirty="0">
-                        <a:solidFill>
-                          <a:srgbClr val="000000"/>
-                        </a:solidFill>
-                        <a:effectLst/>
-                        <a:latin typeface="+mn-lt"/>
-                      </a:endParaRPr>
-                    </a:p>
-                  </a:txBody>
-                  <a:tcPr marL="72000" marR="72000" marT="72000" marB="72000" anchor="ctr"/>
-                </a:tc>
-                <a:tc>
-                  <a:txBody>
-                    <a:bodyPr/>
-                    <a:lstStyle/>
-                    <a:p>
-                      <a:pPr algn="l" fontAlgn="base"/>
-                      <a:r>
-                        <a:rPr lang="en-US" sz="1600" dirty="0">
-                          <a:solidFill>
-                            <a:srgbClr val="000000"/>
-                          </a:solidFill>
-                          <a:effectLst/>
-                        </a:rPr>
-                        <a:t>Authentication scheme</a:t>
-                      </a:r>
-                      <a:endParaRPr lang="en-US" sz="1600" b="0" dirty="0">
-                        <a:solidFill>
-                          <a:srgbClr val="000000"/>
-                        </a:solidFill>
-                        <a:effectLst/>
-                        <a:latin typeface="+mn-lt"/>
-                      </a:endParaRPr>
-                    </a:p>
-                  </a:txBody>
-                  <a:tcPr marL="72000" marR="72000" marT="72000" marB="72000" anchor="ctr"/>
-                </a:tc>
-                <a:tc>
-                  <a:txBody>
-                    <a:bodyPr/>
-                    <a:lstStyle/>
-                    <a:p>
-                      <a:pPr algn="l" fontAlgn="base"/>
-                      <a:r>
-                        <a:rPr lang="en-US" sz="1600" dirty="0">
-                          <a:solidFill>
-                            <a:srgbClr val="000000"/>
-                          </a:solidFill>
-                          <a:effectLst/>
-                        </a:rPr>
-                        <a:t>WWW-Authenticate: </a:t>
-                      </a:r>
-                      <a:r>
-                        <a:rPr lang="en-US" sz="1600" dirty="0" err="1">
-                          <a:solidFill>
-                            <a:srgbClr val="000000"/>
-                          </a:solidFill>
-                          <a:effectLst/>
-                        </a:rPr>
-                        <a:t>OAuth</a:t>
-                      </a:r>
-                      <a:r>
-                        <a:rPr lang="en-US" sz="1600" dirty="0">
-                          <a:solidFill>
-                            <a:srgbClr val="000000"/>
-                          </a:solidFill>
-                          <a:effectLst/>
-                        </a:rPr>
-                        <a:t> realm="http://sp.example.test/"</a:t>
-                      </a:r>
-                      <a:endParaRPr lang="en-US" sz="1600" b="0" dirty="0">
-                        <a:solidFill>
-                          <a:srgbClr val="000000"/>
-                        </a:solidFill>
-                        <a:effectLst/>
-                        <a:latin typeface="+mn-lt"/>
-                      </a:endParaRPr>
-                    </a:p>
-                  </a:txBody>
-                  <a:tcPr marL="72000" marR="72000" marT="72000" marB="72000" anchor="ctr"/>
-                </a:tc>
-                <a:extLst>
-                  <a:ext uri="{0D108BD9-81ED-4DB2-BD59-A6C34878D82A}">
-                    <a16:rowId xmlns:a16="http://schemas.microsoft.com/office/drawing/2014/main" val="2974516469"/>
                   </a:ext>
                 </a:extLst>
               </a:tr>
@@ -8083,7 +7069,7 @@
 </p:sld>
 </file>
 
-<file path=ppt/slides/slide17.xml><?xml version="1.0" encoding="utf-8"?>
+<file path=ppt/slides/slide15.xml><?xml version="1.0" encoding="utf-8"?>
 <p:sld xmlns:a="http://schemas.openxmlformats.org/drawingml/2006/main" xmlns:r="http://schemas.openxmlformats.org/officeDocument/2006/relationships" xmlns:p="http://schemas.openxmlformats.org/presentationml/2006/main">
   <p:cSld>
     <p:spTree>
@@ -8191,6 +7177,378 @@
     <p:extLst>
       <p:ext uri="{BB962C8B-B14F-4D97-AF65-F5344CB8AC3E}">
         <p14:creationId xmlns:p14="http://schemas.microsoft.com/office/powerpoint/2010/main" val="3349887935"/>
+      </p:ext>
+    </p:extLst>
+  </p:cSld>
+  <p:clrMapOvr>
+    <a:masterClrMapping/>
+  </p:clrMapOvr>
+  <p:transition>
+    <p:fade/>
+  </p:transition>
+</p:sld>
+</file>
+
+<file path=ppt/slides/slide16.xml><?xml version="1.0" encoding="utf-8"?>
+<p:sld xmlns:a="http://schemas.openxmlformats.org/drawingml/2006/main" xmlns:r="http://schemas.openxmlformats.org/officeDocument/2006/relationships" xmlns:p="http://schemas.openxmlformats.org/presentationml/2006/main">
+  <p:cSld>
+    <p:bg>
+      <p:bgPr>
+        <a:solidFill>
+          <a:srgbClr val="92D050"/>
+        </a:solidFill>
+        <a:effectLst/>
+      </p:bgPr>
+    </p:bg>
+    <p:spTree>
+      <p:nvGrpSpPr>
+        <p:cNvPr id="1" name=""/>
+        <p:cNvGrpSpPr/>
+        <p:nvPr/>
+      </p:nvGrpSpPr>
+      <p:grpSpPr>
+        <a:xfrm>
+          <a:off x="0" y="0"/>
+          <a:ext cx="0" cy="0"/>
+          <a:chOff x="0" y="0"/>
+          <a:chExt cx="0" cy="0"/>
+        </a:xfrm>
+      </p:grpSpPr>
+      <p:sp>
+        <p:nvSpPr>
+          <p:cNvPr id="4" name="Title 3">
+            <a:extLst>
+              <a:ext uri="{FF2B5EF4-FFF2-40B4-BE49-F238E27FC236}">
+                <a16:creationId xmlns:a16="http://schemas.microsoft.com/office/drawing/2014/main" id="{02B24E04-9911-45C9-B881-E091D28DA4D2}"/>
+              </a:ext>
+            </a:extLst>
+          </p:cNvPr>
+          <p:cNvSpPr>
+            <a:spLocks noGrp="1"/>
+          </p:cNvSpPr>
+          <p:nvPr>
+            <p:ph type="title"/>
+          </p:nvPr>
+        </p:nvSpPr>
+        <p:spPr/>
+        <p:txBody>
+          <a:bodyPr/>
+          <a:lstStyle/>
+          <a:p>
+            <a:r>
+              <a:rPr lang="da-DK" dirty="0"/>
+              <a:t>HTTP Request</a:t>
+            </a:r>
+            <a:endParaRPr lang="en-DK" dirty="0"/>
+          </a:p>
+        </p:txBody>
+      </p:sp>
+      <p:sp>
+        <p:nvSpPr>
+          <p:cNvPr id="5" name="Text Placeholder 4">
+            <a:extLst>
+              <a:ext uri="{FF2B5EF4-FFF2-40B4-BE49-F238E27FC236}">
+                <a16:creationId xmlns:a16="http://schemas.microsoft.com/office/drawing/2014/main" id="{441F480F-D968-4FD2-8E55-CF3CBE2586C7}"/>
+              </a:ext>
+            </a:extLst>
+          </p:cNvPr>
+          <p:cNvSpPr>
+            <a:spLocks noGrp="1"/>
+          </p:cNvSpPr>
+          <p:nvPr>
+            <p:ph type="body" sz="quarter" idx="10"/>
+          </p:nvPr>
+        </p:nvSpPr>
+        <p:spPr>
+          <a:xfrm>
+            <a:off x="274209" y="1212850"/>
+            <a:ext cx="8778240" cy="5678478"/>
+          </a:xfrm>
+        </p:spPr>
+        <p:txBody>
+          <a:bodyPr/>
+          <a:lstStyle/>
+          <a:p>
+            <a:r>
+              <a:rPr lang="da-DK" sz="3000" b="1" dirty="0"/>
+              <a:t>URI</a:t>
+            </a:r>
+            <a:r>
+              <a:rPr lang="da-DK" sz="3000" dirty="0"/>
+              <a:t>: </a:t>
+            </a:r>
+            <a:r>
+              <a:rPr lang="da-DK" sz="3000" dirty="0">
+                <a:hlinkClick r:id="rId2"/>
+              </a:rPr>
+              <a:t>https://futurama.com/api/characters</a:t>
+            </a:r>
+            <a:r>
+              <a:rPr lang="da-DK" sz="3000" dirty="0"/>
+              <a:t>  </a:t>
+            </a:r>
+          </a:p>
+          <a:p>
+            <a:r>
+              <a:rPr lang="da-DK" sz="3000" b="1" dirty="0"/>
+              <a:t>Method</a:t>
+            </a:r>
+            <a:r>
+              <a:rPr lang="da-DK" sz="3000" dirty="0"/>
+              <a:t>: POST</a:t>
+            </a:r>
+          </a:p>
+          <a:p>
+            <a:r>
+              <a:rPr lang="da-DK" sz="3000" b="1" dirty="0"/>
+              <a:t>Header</a:t>
+            </a:r>
+            <a:r>
+              <a:rPr lang="da-DK" sz="3000" dirty="0"/>
+              <a:t>:</a:t>
+            </a:r>
+          </a:p>
+          <a:p>
+            <a:r>
+              <a:rPr lang="da-DK" sz="3000" dirty="0"/>
+              <a:t>    Content-Type: application/json; charset=utf-8</a:t>
+            </a:r>
+          </a:p>
+          <a:p>
+            <a:r>
+              <a:rPr lang="da-DK" sz="3000" dirty="0"/>
+              <a:t>    Authorization: Bearer ey...</a:t>
+            </a:r>
+          </a:p>
+          <a:p>
+            <a:r>
+              <a:rPr lang="da-DK" sz="3000" b="1" dirty="0"/>
+              <a:t>Body</a:t>
+            </a:r>
+            <a:r>
+              <a:rPr lang="da-DK" sz="3000" dirty="0"/>
+              <a:t>:</a:t>
+            </a:r>
+          </a:p>
+          <a:p>
+            <a:r>
+              <a:rPr lang="da-DK" sz="3000" dirty="0"/>
+              <a:t>    { </a:t>
+            </a:r>
+          </a:p>
+          <a:p>
+            <a:r>
+              <a:rPr lang="da-DK" sz="3000" dirty="0"/>
+              <a:t>        "name": "Bender", </a:t>
+            </a:r>
+          </a:p>
+          <a:p>
+            <a:r>
+              <a:rPr lang="da-DK" sz="3000" dirty="0"/>
+              <a:t>        "species": "Robot", </a:t>
+            </a:r>
+          </a:p>
+          <a:p>
+            <a:r>
+              <a:rPr lang="da-DK" sz="3000" dirty="0"/>
+              <a:t>        "planet": "Earth" </a:t>
+            </a:r>
+          </a:p>
+          <a:p>
+            <a:r>
+              <a:rPr lang="da-DK" sz="3000" dirty="0"/>
+              <a:t>    }</a:t>
+            </a:r>
+          </a:p>
+        </p:txBody>
+      </p:sp>
+    </p:spTree>
+    <p:extLst>
+      <p:ext uri="{BB962C8B-B14F-4D97-AF65-F5344CB8AC3E}">
+        <p14:creationId xmlns:p14="http://schemas.microsoft.com/office/powerpoint/2010/main" val="2406671186"/>
+      </p:ext>
+    </p:extLst>
+  </p:cSld>
+  <p:clrMapOvr>
+    <a:masterClrMapping/>
+  </p:clrMapOvr>
+  <p:transition>
+    <p:fade/>
+  </p:transition>
+</p:sld>
+</file>
+
+<file path=ppt/slides/slide17.xml><?xml version="1.0" encoding="utf-8"?>
+<p:sld xmlns:a="http://schemas.openxmlformats.org/drawingml/2006/main" xmlns:r="http://schemas.openxmlformats.org/officeDocument/2006/relationships" xmlns:p="http://schemas.openxmlformats.org/presentationml/2006/main">
+  <p:cSld>
+    <p:bg>
+      <p:bgPr>
+        <a:solidFill>
+          <a:srgbClr val="FFC000"/>
+        </a:solidFill>
+        <a:effectLst/>
+      </p:bgPr>
+    </p:bg>
+    <p:spTree>
+      <p:nvGrpSpPr>
+        <p:cNvPr id="1" name=""/>
+        <p:cNvGrpSpPr/>
+        <p:nvPr/>
+      </p:nvGrpSpPr>
+      <p:grpSpPr>
+        <a:xfrm>
+          <a:off x="0" y="0"/>
+          <a:ext cx="0" cy="0"/>
+          <a:chOff x="0" y="0"/>
+          <a:chExt cx="0" cy="0"/>
+        </a:xfrm>
+      </p:grpSpPr>
+      <p:sp>
+        <p:nvSpPr>
+          <p:cNvPr id="2" name="Title 1">
+            <a:extLst>
+              <a:ext uri="{FF2B5EF4-FFF2-40B4-BE49-F238E27FC236}">
+                <a16:creationId xmlns:a16="http://schemas.microsoft.com/office/drawing/2014/main" id="{3BD70115-F264-447A-A65C-92FDCB80FA90}"/>
+              </a:ext>
+            </a:extLst>
+          </p:cNvPr>
+          <p:cNvSpPr>
+            <a:spLocks noGrp="1"/>
+          </p:cNvSpPr>
+          <p:nvPr>
+            <p:ph type="title"/>
+          </p:nvPr>
+        </p:nvSpPr>
+        <p:spPr/>
+        <p:txBody>
+          <a:bodyPr/>
+          <a:lstStyle/>
+          <a:p>
+            <a:r>
+              <a:rPr lang="da-DK" dirty="0"/>
+              <a:t>HTTP Response</a:t>
+            </a:r>
+            <a:endParaRPr lang="en-DK" dirty="0"/>
+          </a:p>
+        </p:txBody>
+      </p:sp>
+      <p:sp>
+        <p:nvSpPr>
+          <p:cNvPr id="3" name="Text Placeholder 2">
+            <a:extLst>
+              <a:ext uri="{FF2B5EF4-FFF2-40B4-BE49-F238E27FC236}">
+                <a16:creationId xmlns:a16="http://schemas.microsoft.com/office/drawing/2014/main" id="{BDB807B1-2D1E-4A38-B814-BED6BD888051}"/>
+              </a:ext>
+            </a:extLst>
+          </p:cNvPr>
+          <p:cNvSpPr>
+            <a:spLocks noGrp="1"/>
+          </p:cNvSpPr>
+          <p:nvPr>
+            <p:ph type="body" sz="quarter" idx="10"/>
+          </p:nvPr>
+        </p:nvSpPr>
+        <p:spPr>
+          <a:xfrm>
+            <a:off x="274209" y="1212850"/>
+            <a:ext cx="8778240" cy="5678478"/>
+          </a:xfrm>
+        </p:spPr>
+        <p:txBody>
+          <a:bodyPr/>
+          <a:lstStyle/>
+          <a:p>
+            <a:r>
+              <a:rPr lang="da-DK" sz="3000" b="1" dirty="0"/>
+              <a:t>Status-Code</a:t>
+            </a:r>
+            <a:r>
+              <a:rPr lang="da-DK" sz="3000" dirty="0"/>
+              <a:t>: 201</a:t>
+            </a:r>
+          </a:p>
+          <a:p>
+            <a:r>
+              <a:rPr lang="da-DK" sz="3000" b="1" dirty="0"/>
+              <a:t>Header</a:t>
+            </a:r>
+            <a:r>
+              <a:rPr lang="da-DK" sz="3000" dirty="0"/>
+              <a:t>:</a:t>
+            </a:r>
+          </a:p>
+          <a:p>
+            <a:r>
+              <a:rPr lang="da-DK" sz="3000" dirty="0"/>
+              <a:t>     Content-Type: application/json; charset=utf-8</a:t>
+            </a:r>
+          </a:p>
+          <a:p>
+            <a:r>
+              <a:rPr lang="da-DK" sz="3000" dirty="0"/>
+              <a:t>     Location: </a:t>
+            </a:r>
+            <a:r>
+              <a:rPr lang="da-DK" sz="3000" dirty="0">
+                <a:hlinkClick r:id="rId2"/>
+              </a:rPr>
+              <a:t>https://futurama.com/api/characters/42</a:t>
+            </a:r>
+            <a:endParaRPr lang="da-DK" sz="3000" dirty="0"/>
+          </a:p>
+          <a:p>
+            <a:r>
+              <a:rPr lang="da-DK" sz="3000" b="1" dirty="0"/>
+              <a:t>Body</a:t>
+            </a:r>
+            <a:r>
+              <a:rPr lang="da-DK" sz="3000" dirty="0"/>
+              <a:t>:</a:t>
+            </a:r>
+          </a:p>
+          <a:p>
+            <a:r>
+              <a:rPr lang="da-DK" sz="3000" dirty="0"/>
+              <a:t>    { </a:t>
+            </a:r>
+          </a:p>
+          <a:p>
+            <a:r>
+              <a:rPr lang="da-DK" sz="3000" dirty="0"/>
+              <a:t>        "id": 42,</a:t>
+            </a:r>
+          </a:p>
+          <a:p>
+            <a:r>
+              <a:rPr lang="da-DK" sz="3000" dirty="0"/>
+              <a:t>        "name": "Bender", </a:t>
+            </a:r>
+          </a:p>
+          <a:p>
+            <a:r>
+              <a:rPr lang="da-DK" sz="3000" dirty="0"/>
+              <a:t>        "species": "Robot", </a:t>
+            </a:r>
+          </a:p>
+          <a:p>
+            <a:r>
+              <a:rPr lang="da-DK" sz="3000" dirty="0"/>
+              <a:t>        "planet": "Earth" </a:t>
+            </a:r>
+          </a:p>
+          <a:p>
+            <a:r>
+              <a:rPr lang="da-DK" sz="3000" dirty="0"/>
+              <a:t>    }</a:t>
+            </a:r>
+            <a:endParaRPr lang="en-DK" sz="3000" dirty="0"/>
+          </a:p>
+        </p:txBody>
+      </p:sp>
+    </p:spTree>
+    <p:extLst>
+      <p:ext uri="{BB962C8B-B14F-4D97-AF65-F5344CB8AC3E}">
+        <p14:creationId xmlns:p14="http://schemas.microsoft.com/office/powerpoint/2010/main" val="2493225683"/>
       </p:ext>
     </p:extLst>
   </p:cSld>
@@ -8263,7 +7621,7 @@
         <p:spPr>
           <a:xfrm>
             <a:off x="485407" y="2835543"/>
-            <a:ext cx="8124853" cy="1200329"/>
+            <a:ext cx="6720109" cy="1200329"/>
           </a:xfrm>
           <a:prstGeom prst="rect">
             <a:avLst/>
@@ -8279,7 +7637,7 @@
               <a:rPr lang="da-DK" sz="7200" dirty="0">
                 <a:hlinkClick r:id="rId2"/>
               </a:rPr>
-              <a:t>http://www.asp.net</a:t>
+              <a:t>https://asp.net/</a:t>
             </a:r>
             <a:r>
               <a:rPr lang="da-DK" sz="7200" dirty="0"/>
@@ -8402,64 +7760,40 @@
         </p:nvSpPr>
         <p:spPr>
           <a:xfrm>
-            <a:off x="274209" y="3393895"/>
+            <a:off x="274209" y="1394165"/>
             <a:ext cx="8778240" cy="3120854"/>
           </a:xfrm>
         </p:spPr>
         <p:txBody>
-          <a:bodyPr/>
+          <a:bodyPr vert="horz" wrap="square" lIns="146304" tIns="91440" rIns="146304" bIns="91440" rtlCol="0">
+            <a:spAutoFit/>
+          </a:bodyPr>
           <a:lstStyle/>
           <a:p>
             <a:pPr marL="0" indent="0">
+              <a:lnSpc>
+                <a:spcPct val="150000"/>
+              </a:lnSpc>
               <a:buNone/>
             </a:pPr>
             <a:r>
-              <a:rPr lang="da-DK" dirty="0">
+              <a:rPr lang="da-DK" sz="3200" dirty="0">
                 <a:solidFill>
                   <a:schemeClr val="bg1"/>
                 </a:solidFill>
               </a:rPr>
-              <a:t>XML (</a:t>
-            </a:r>
-            <a:r>
-              <a:rPr lang="da-DK" dirty="0" err="1">
-                <a:solidFill>
-                  <a:schemeClr val="bg1"/>
-                </a:solidFill>
-              </a:rPr>
-              <a:t>History</a:t>
-            </a:r>
-            <a:r>
-              <a:rPr lang="da-DK" dirty="0">
-                <a:solidFill>
-                  <a:schemeClr val="bg1"/>
-                </a:solidFill>
-              </a:rPr>
-              <a:t> </a:t>
-            </a:r>
-            <a:r>
-              <a:rPr lang="da-DK" dirty="0" err="1">
-                <a:solidFill>
-                  <a:schemeClr val="bg1"/>
-                </a:solidFill>
-              </a:rPr>
-              <a:t>lesson</a:t>
-            </a:r>
-            <a:r>
-              <a:rPr lang="da-DK" dirty="0">
-                <a:solidFill>
-                  <a:schemeClr val="bg1"/>
-                </a:solidFill>
-              </a:rPr>
-              <a:t>)</a:t>
+              <a:t>XML (History lesson)</a:t>
             </a:r>
           </a:p>
           <a:p>
             <a:pPr marL="0" indent="0">
+              <a:lnSpc>
+                <a:spcPct val="150000"/>
+              </a:lnSpc>
               <a:buNone/>
             </a:pPr>
             <a:r>
-              <a:rPr lang="da-DK" dirty="0">
+              <a:rPr lang="da-DK" sz="3200" dirty="0">
                 <a:solidFill>
                   <a:schemeClr val="bg1"/>
                 </a:solidFill>
@@ -8469,10 +7803,13 @@
           </a:p>
           <a:p>
             <a:pPr marL="0" indent="0">
+              <a:lnSpc>
+                <a:spcPct val="150000"/>
+              </a:lnSpc>
               <a:buNone/>
             </a:pPr>
             <a:r>
-              <a:rPr lang="da-DK" dirty="0">
+              <a:rPr lang="da-DK" sz="3200" dirty="0">
                 <a:solidFill>
                   <a:schemeClr val="bg1"/>
                 </a:solidFill>
@@ -8482,10 +7819,13 @@
           </a:p>
           <a:p>
             <a:pPr marL="0" indent="0">
+              <a:lnSpc>
+                <a:spcPct val="150000"/>
+              </a:lnSpc>
               <a:buNone/>
             </a:pPr>
             <a:r>
-              <a:rPr lang="da-DK" dirty="0">
+              <a:rPr lang="da-DK" sz="3200" dirty="0">
                 <a:solidFill>
                   <a:schemeClr val="bg1"/>
                 </a:solidFill>
@@ -8495,10 +7835,13 @@
           </a:p>
           <a:p>
             <a:pPr marL="0" indent="0">
+              <a:lnSpc>
+                <a:spcPct val="150000"/>
+              </a:lnSpc>
               <a:buNone/>
             </a:pPr>
             <a:r>
-              <a:rPr lang="da-DK" dirty="0">
+              <a:rPr lang="da-DK" sz="3200" dirty="0">
                 <a:solidFill>
                   <a:schemeClr val="bg1"/>
                 </a:solidFill>
@@ -8530,91 +7873,6 @@
                 </a:solidFill>
               </a:rPr>
               <a:t>Agenda</a:t>
-            </a:r>
-          </a:p>
-        </p:txBody>
-      </p:sp>
-      <p:sp>
-        <p:nvSpPr>
-          <p:cNvPr id="2" name="Rectangle 1">
-            <a:extLst>
-              <a:ext uri="{FF2B5EF4-FFF2-40B4-BE49-F238E27FC236}">
-                <a16:creationId xmlns:a16="http://schemas.microsoft.com/office/drawing/2014/main" id="{9FB68FC6-7B05-40EA-8F18-EA7E7487A787}"/>
-              </a:ext>
-            </a:extLst>
-          </p:cNvPr>
-          <p:cNvSpPr/>
-          <p:nvPr/>
-        </p:nvSpPr>
-        <p:spPr bwMode="auto">
-          <a:xfrm>
-            <a:off x="371083" y="1495820"/>
-            <a:ext cx="8582807" cy="1452808"/>
-          </a:xfrm>
-          <a:prstGeom prst="rect">
-            <a:avLst/>
-          </a:prstGeom>
-          <a:solidFill>
-            <a:srgbClr val="68217A"/>
-          </a:solidFill>
-          <a:ln>
-            <a:noFill/>
-            <a:headEnd type="none" w="med" len="med"/>
-            <a:tailEnd type="none" w="med" len="med"/>
-          </a:ln>
-          <a:effectLst/>
-        </p:spPr>
-        <p:style>
-          <a:lnRef idx="1">
-            <a:schemeClr val="accent2"/>
-          </a:lnRef>
-          <a:fillRef idx="3">
-            <a:schemeClr val="accent2"/>
-          </a:fillRef>
-          <a:effectRef idx="2">
-            <a:schemeClr val="accent2"/>
-          </a:effectRef>
-          <a:fontRef idx="minor">
-            <a:schemeClr val="lt1"/>
-          </a:fontRef>
-        </p:style>
-        <p:txBody>
-          <a:bodyPr rot="0" spcFirstLastPara="0" vertOverflow="overflow" horzOverflow="overflow" vert="horz" wrap="square" lIns="182880" tIns="146304" rIns="182880" bIns="146304" numCol="1" spcCol="0" rtlCol="0" fromWordArt="0" anchor="t" anchorCtr="0" forceAA="0" compatLnSpc="1">
-            <a:prstTxWarp prst="textNoShape">
-              <a:avLst/>
-            </a:prstTxWarp>
-            <a:noAutofit/>
-          </a:bodyPr>
-          <a:lstStyle/>
-          <a:p>
-            <a:pPr algn="ctr" defTabSz="932472" fontAlgn="base">
-              <a:lnSpc>
-                <a:spcPct val="90000"/>
-              </a:lnSpc>
-              <a:spcBef>
-                <a:spcPct val="0"/>
-              </a:spcBef>
-              <a:spcAft>
-                <a:spcPct val="0"/>
-              </a:spcAft>
-            </a:pPr>
-            <a:r>
-              <a:rPr lang="en-US" sz="4400" dirty="0">
-                <a:gradFill>
-                  <a:gsLst>
-                    <a:gs pos="0">
-                      <a:srgbClr val="FFFFFF"/>
-                    </a:gs>
-                    <a:gs pos="100000">
-                      <a:srgbClr val="FFFFFF"/>
-                    </a:gs>
-                  </a:gsLst>
-                  <a:lin ang="5400000" scaled="0"/>
-                </a:gradFill>
-                <a:ea typeface="Segoe UI" pitchFamily="34" charset="0"/>
-                <a:cs typeface="Segoe UI" pitchFamily="34" charset="0"/>
-              </a:rPr>
-              <a:t>Interlude: Solution best practices and exercises for this week</a:t>
             </a:r>
           </a:p>
         </p:txBody>
@@ -8638,14 +7896,6 @@
 <file path=ppt/slides/slide3.xml><?xml version="1.0" encoding="utf-8"?>
 <p:sld xmlns:a="http://schemas.openxmlformats.org/drawingml/2006/main" xmlns:r="http://schemas.openxmlformats.org/officeDocument/2006/relationships" xmlns:p="http://schemas.openxmlformats.org/presentationml/2006/main">
   <p:cSld>
-    <p:bg>
-      <p:bgPr>
-        <a:solidFill>
-          <a:srgbClr val="000000"/>
-        </a:solidFill>
-        <a:effectLst/>
-      </p:bgPr>
-    </p:bg>
     <p:spTree>
       <p:nvGrpSpPr>
         <p:cNvPr id="1" name=""/>
@@ -8662,24 +7912,47 @@
       </p:grpSpPr>
       <p:sp>
         <p:nvSpPr>
-          <p:cNvPr id="2" name="Text Placeholder 1">
-            <a:extLst>
-              <a:ext uri="{FF2B5EF4-FFF2-40B4-BE49-F238E27FC236}">
-                <a16:creationId xmlns:a16="http://schemas.microsoft.com/office/drawing/2014/main" id="{CE7D49DF-CDA4-462D-B73B-F8EAF6F399A5}"/>
-              </a:ext>
-            </a:extLst>
-          </p:cNvPr>
+          <p:cNvPr id="2" name="Title 1"/>
           <p:cNvSpPr>
             <a:spLocks noGrp="1"/>
           </p:cNvSpPr>
           <p:nvPr>
-            <p:ph type="body" sz="quarter" idx="10"/>
+            <p:ph type="title" idx="4294967295"/>
           </p:nvPr>
         </p:nvSpPr>
         <p:spPr>
           <a:xfrm>
-            <a:off x="274209" y="1291972"/>
-            <a:ext cx="8778240" cy="5131338"/>
+            <a:off x="273844" y="295275"/>
+            <a:ext cx="8778875" cy="917575"/>
+          </a:xfrm>
+        </p:spPr>
+        <p:txBody>
+          <a:bodyPr>
+            <a:normAutofit/>
+          </a:bodyPr>
+          <a:lstStyle/>
+          <a:p>
+            <a:r>
+              <a:rPr lang="en-US" dirty="0"/>
+              <a:t>What is XML?</a:t>
+            </a:r>
+          </a:p>
+        </p:txBody>
+      </p:sp>
+      <p:sp>
+        <p:nvSpPr>
+          <p:cNvPr id="3" name="Content Placeholder 2"/>
+          <p:cNvSpPr>
+            <a:spLocks noGrp="1"/>
+          </p:cNvSpPr>
+          <p:nvPr>
+            <p:ph idx="4294967295"/>
+          </p:nvPr>
+        </p:nvSpPr>
+        <p:spPr>
+          <a:xfrm>
+            <a:off x="273844" y="1212850"/>
+            <a:ext cx="8778875" cy="5010602"/>
           </a:xfrm>
         </p:spPr>
         <p:txBody>
@@ -8687,297 +7960,74 @@
           <a:lstStyle/>
           <a:p>
             <a:pPr marL="0" indent="0">
+              <a:lnSpc>
+                <a:spcPct val="150000"/>
+              </a:lnSpc>
               <a:buNone/>
             </a:pPr>
             <a:r>
-              <a:rPr lang="da-DK" dirty="0">
-                <a:solidFill>
-                  <a:schemeClr val="bg1"/>
-                </a:solidFill>
-              </a:rPr>
-              <a:t>&lt;</a:t>
-            </a:r>
-            <a:r>
-              <a:rPr lang="en-US" dirty="0">
-                <a:solidFill>
-                  <a:schemeClr val="bg1"/>
-                </a:solidFill>
-              </a:rPr>
-              <a:t>company&gt;.&lt;product&gt;.Entities</a:t>
+              <a:rPr lang="en-US" sz="3200" dirty="0" err="1"/>
+              <a:t>eXtensible</a:t>
+            </a:r>
+            <a:r>
+              <a:rPr lang="en-US" sz="3200" dirty="0"/>
+              <a:t> Markup Language</a:t>
             </a:r>
           </a:p>
           <a:p>
             <a:pPr marL="0" indent="0">
+              <a:lnSpc>
+                <a:spcPct val="150000"/>
+              </a:lnSpc>
               <a:buNone/>
             </a:pPr>
             <a:r>
-              <a:rPr lang="da-DK" dirty="0">
-                <a:solidFill>
-                  <a:schemeClr val="bg1"/>
-                </a:solidFill>
-              </a:rPr>
-              <a:t>&lt;</a:t>
-            </a:r>
-            <a:r>
-              <a:rPr lang="en-US" dirty="0">
-                <a:solidFill>
-                  <a:schemeClr val="bg1"/>
-                </a:solidFill>
-              </a:rPr>
-              <a:t>company&gt;.&lt;product&gt;.</a:t>
-            </a:r>
-            <a:r>
-              <a:rPr lang="en-US" dirty="0" err="1">
-                <a:solidFill>
-                  <a:schemeClr val="bg1"/>
-                </a:solidFill>
-              </a:rPr>
-              <a:t>Entities.Tests</a:t>
-            </a:r>
-            <a:endParaRPr lang="en-US" dirty="0">
-              <a:solidFill>
-                <a:schemeClr val="bg1"/>
-              </a:solidFill>
-            </a:endParaRPr>
+              <a:rPr lang="en-US" sz="3200" dirty="0"/>
+              <a:t>Markup language like HTML</a:t>
+            </a:r>
           </a:p>
           <a:p>
             <a:pPr marL="0" indent="0">
+              <a:lnSpc>
+                <a:spcPct val="150000"/>
+              </a:lnSpc>
               <a:buNone/>
             </a:pPr>
             <a:r>
-              <a:rPr lang="da-DK" dirty="0">
-                <a:solidFill>
-                  <a:schemeClr val="bg1"/>
-                </a:solidFill>
-              </a:rPr>
-              <a:t>&lt;</a:t>
-            </a:r>
-            <a:r>
-              <a:rPr lang="en-US" dirty="0">
-                <a:solidFill>
-                  <a:schemeClr val="bg1"/>
-                </a:solidFill>
-              </a:rPr>
-              <a:t>company&gt;.&lt;product&gt;.Models</a:t>
+              <a:rPr lang="en-US" sz="3200" dirty="0"/>
+              <a:t>Designed to carry data, not to display data</a:t>
             </a:r>
           </a:p>
           <a:p>
             <a:pPr marL="0" indent="0">
+              <a:lnSpc>
+                <a:spcPct val="150000"/>
+              </a:lnSpc>
               <a:buNone/>
             </a:pPr>
             <a:r>
-              <a:rPr lang="da-DK" dirty="0">
-                <a:solidFill>
-                  <a:schemeClr val="bg1"/>
-                </a:solidFill>
-              </a:rPr>
-              <a:t>&lt;</a:t>
-            </a:r>
-            <a:r>
-              <a:rPr lang="en-US" dirty="0">
-                <a:solidFill>
-                  <a:schemeClr val="bg1"/>
-                </a:solidFill>
-              </a:rPr>
-              <a:t>company&gt;.&lt;product&gt;.</a:t>
-            </a:r>
-            <a:r>
-              <a:rPr lang="en-US" dirty="0" err="1">
-                <a:solidFill>
-                  <a:schemeClr val="bg1"/>
-                </a:solidFill>
-              </a:rPr>
-              <a:t>Models.Tests</a:t>
-            </a:r>
-            <a:endParaRPr lang="en-US" dirty="0">
-              <a:solidFill>
-                <a:schemeClr val="bg1"/>
-              </a:solidFill>
-            </a:endParaRPr>
+              <a:rPr lang="en-US" sz="3200" dirty="0"/>
+              <a:t>Tags are not predefined – You must define your own tags</a:t>
+            </a:r>
           </a:p>
           <a:p>
             <a:pPr marL="0" indent="0">
+              <a:lnSpc>
+                <a:spcPct val="150000"/>
+              </a:lnSpc>
               <a:buNone/>
             </a:pPr>
             <a:r>
-              <a:rPr lang="da-DK" dirty="0">
-                <a:solidFill>
-                  <a:schemeClr val="bg1"/>
-                </a:solidFill>
-              </a:rPr>
-              <a:t>&lt;</a:t>
-            </a:r>
-            <a:r>
-              <a:rPr lang="en-US" dirty="0">
-                <a:solidFill>
-                  <a:schemeClr val="bg1"/>
-                </a:solidFill>
-              </a:rPr>
-              <a:t>company&gt;.&lt;product&gt;.Web</a:t>
-            </a:r>
-          </a:p>
-          <a:p>
-            <a:pPr marL="0" indent="0">
-              <a:buNone/>
-            </a:pPr>
-            <a:r>
-              <a:rPr lang="da-DK" dirty="0">
-                <a:solidFill>
-                  <a:schemeClr val="bg1"/>
-                </a:solidFill>
-              </a:rPr>
-              <a:t>&lt;</a:t>
-            </a:r>
-            <a:r>
-              <a:rPr lang="en-US" dirty="0">
-                <a:solidFill>
-                  <a:schemeClr val="bg1"/>
-                </a:solidFill>
-              </a:rPr>
-              <a:t>company&gt;.&lt;product&gt;.</a:t>
-            </a:r>
-            <a:r>
-              <a:rPr lang="en-US" dirty="0" err="1">
-                <a:solidFill>
-                  <a:schemeClr val="bg1"/>
-                </a:solidFill>
-              </a:rPr>
-              <a:t>Web.Tests</a:t>
-            </a:r>
-            <a:endParaRPr lang="en-US" dirty="0">
-              <a:solidFill>
-                <a:schemeClr val="bg1"/>
-              </a:solidFill>
-            </a:endParaRPr>
-          </a:p>
-          <a:p>
-            <a:pPr marL="0" indent="0">
-              <a:buNone/>
-            </a:pPr>
-            <a:r>
-              <a:rPr lang="da-DK" dirty="0">
-                <a:solidFill>
-                  <a:schemeClr val="bg1"/>
-                </a:solidFill>
-              </a:rPr>
-              <a:t>&lt;</a:t>
-            </a:r>
-            <a:r>
-              <a:rPr lang="en-US" dirty="0">
-                <a:solidFill>
-                  <a:schemeClr val="bg1"/>
-                </a:solidFill>
-              </a:rPr>
-              <a:t>company&gt;.&lt;product&gt;.App</a:t>
-            </a:r>
-          </a:p>
-          <a:p>
-            <a:pPr marL="0" indent="0">
-              <a:buNone/>
-            </a:pPr>
-            <a:r>
-              <a:rPr lang="da-DK" dirty="0">
-                <a:solidFill>
-                  <a:schemeClr val="bg1"/>
-                </a:solidFill>
-              </a:rPr>
-              <a:t>&lt;</a:t>
-            </a:r>
-            <a:r>
-              <a:rPr lang="en-US" dirty="0">
-                <a:solidFill>
-                  <a:schemeClr val="bg1"/>
-                </a:solidFill>
-              </a:rPr>
-              <a:t>company&gt;.&lt;product&gt;.</a:t>
-            </a:r>
-            <a:r>
-              <a:rPr lang="en-US" dirty="0" err="1">
-                <a:solidFill>
-                  <a:schemeClr val="bg1"/>
-                </a:solidFill>
-              </a:rPr>
-              <a:t>App.Tests</a:t>
-            </a:r>
-            <a:endParaRPr lang="en-US" dirty="0">
-              <a:solidFill>
-                <a:schemeClr val="bg1"/>
-              </a:solidFill>
-            </a:endParaRPr>
-          </a:p>
-          <a:p>
-            <a:pPr marL="0" indent="0">
-              <a:buNone/>
-            </a:pPr>
-            <a:endParaRPr lang="en-US" dirty="0">
-              <a:solidFill>
-                <a:schemeClr val="bg1"/>
-              </a:solidFill>
-            </a:endParaRPr>
-          </a:p>
-          <a:p>
-            <a:pPr marL="0" indent="0">
-              <a:buNone/>
-            </a:pPr>
-            <a:endParaRPr lang="en-US" dirty="0">
-              <a:solidFill>
-                <a:schemeClr val="bg1"/>
-              </a:solidFill>
-            </a:endParaRPr>
-          </a:p>
-          <a:p>
-            <a:pPr marL="0" indent="0">
-              <a:buNone/>
-            </a:pPr>
-            <a:endParaRPr lang="en-US" dirty="0">
-              <a:solidFill>
-                <a:schemeClr val="bg1"/>
-              </a:solidFill>
-            </a:endParaRPr>
-          </a:p>
-        </p:txBody>
-      </p:sp>
-      <p:sp>
-        <p:nvSpPr>
-          <p:cNvPr id="3" name="Title 2">
-            <a:extLst>
-              <a:ext uri="{FF2B5EF4-FFF2-40B4-BE49-F238E27FC236}">
-                <a16:creationId xmlns:a16="http://schemas.microsoft.com/office/drawing/2014/main" id="{B5FC4B26-EF10-4BA5-8B10-72DFBD955FAA}"/>
-              </a:ext>
-            </a:extLst>
-          </p:cNvPr>
-          <p:cNvSpPr>
-            <a:spLocks noGrp="1"/>
-          </p:cNvSpPr>
-          <p:nvPr>
-            <p:ph type="title"/>
-          </p:nvPr>
-        </p:nvSpPr>
-        <p:spPr/>
-        <p:txBody>
-          <a:bodyPr/>
-          <a:lstStyle/>
-          <a:p>
-            <a:r>
-              <a:rPr lang="da-DK" dirty="0">
-                <a:solidFill>
-                  <a:schemeClr val="bg1"/>
-                </a:solidFill>
-              </a:rPr>
-              <a:t>Solution Best Practices</a:t>
-            </a:r>
-            <a:endParaRPr lang="en-US" dirty="0">
-              <a:solidFill>
-                <a:schemeClr val="bg1"/>
-              </a:solidFill>
-            </a:endParaRPr>
+              <a:rPr lang="en-US" sz="3200" dirty="0"/>
+              <a:t>Designed to be self-descriptive</a:t>
+            </a:r>
           </a:p>
         </p:txBody>
       </p:sp>
     </p:spTree>
     <p:extLst>
       <p:ext uri="{BB962C8B-B14F-4D97-AF65-F5344CB8AC3E}">
-        <p14:creationId xmlns:p14="http://schemas.microsoft.com/office/powerpoint/2010/main" val="3911020636"/>
+        <p14:creationId xmlns:p14="http://schemas.microsoft.com/office/powerpoint/2010/main" val="3731617600"/>
       </p:ext>
     </p:extLst>
   </p:cSld>
@@ -8993,14 +8043,6 @@
 <file path=ppt/slides/slide4.xml><?xml version="1.0" encoding="utf-8"?>
 <p:sld xmlns:a="http://schemas.openxmlformats.org/drawingml/2006/main" xmlns:r="http://schemas.openxmlformats.org/officeDocument/2006/relationships" xmlns:p="http://schemas.openxmlformats.org/presentationml/2006/main">
   <p:cSld>
-    <p:bg>
-      <p:bgPr>
-        <a:solidFill>
-          <a:srgbClr val="5C2D91"/>
-        </a:solidFill>
-        <a:effectLst/>
-      </p:bgPr>
-    </p:bg>
     <p:spTree>
       <p:nvGrpSpPr>
         <p:cNvPr id="1" name=""/>
@@ -9017,66 +8059,162 @@
       </p:grpSpPr>
       <p:sp>
         <p:nvSpPr>
-          <p:cNvPr id="2" name="Title 1">
-            <a:extLst>
-              <a:ext uri="{FF2B5EF4-FFF2-40B4-BE49-F238E27FC236}">
-                <a16:creationId xmlns:a16="http://schemas.microsoft.com/office/drawing/2014/main" id="{F74E9720-0193-471C-9AD9-93EAEBF7077E}"/>
-              </a:ext>
-            </a:extLst>
-          </p:cNvPr>
-          <p:cNvSpPr txBox="1">
-            <a:spLocks/>
+          <p:cNvPr id="2" name="Title 1"/>
+          <p:cNvSpPr>
+            <a:spLocks noGrp="1"/>
           </p:cNvSpPr>
-          <p:nvPr/>
+          <p:nvPr>
+            <p:ph type="title" idx="4294967295"/>
+          </p:nvPr>
         </p:nvSpPr>
         <p:spPr>
           <a:xfrm>
             <a:off x="273844" y="295275"/>
             <a:ext cx="8778875" cy="917575"/>
           </a:xfrm>
+        </p:spPr>
+        <p:txBody>
+          <a:bodyPr/>
+          <a:lstStyle/>
+          <a:p>
+            <a:r>
+              <a:rPr lang="en-US" dirty="0"/>
+              <a:t>XML Does Not Do Anything</a:t>
+            </a:r>
+          </a:p>
+        </p:txBody>
+      </p:sp>
+      <p:sp>
+        <p:nvSpPr>
+          <p:cNvPr id="3" name="Content Placeholder 2"/>
+          <p:cNvSpPr>
+            <a:spLocks noGrp="1"/>
+          </p:cNvSpPr>
+          <p:nvPr>
+            <p:ph idx="4294967295"/>
+          </p:nvPr>
+        </p:nvSpPr>
+        <p:spPr>
+          <a:xfrm>
+            <a:off x="274637" y="1220788"/>
+            <a:ext cx="8777288" cy="1181862"/>
+          </a:xfrm>
+        </p:spPr>
+        <p:txBody>
+          <a:bodyPr/>
+          <a:lstStyle/>
+          <a:p>
+            <a:pPr marL="0" indent="0">
+              <a:buNone/>
+            </a:pPr>
+            <a:r>
+              <a:rPr lang="en-US" dirty="0"/>
+              <a:t>XML was created to structure, store, and transport information</a:t>
+            </a:r>
+          </a:p>
+        </p:txBody>
+      </p:sp>
+      <p:sp>
+        <p:nvSpPr>
+          <p:cNvPr id="4" name="Rectangle 3"/>
+          <p:cNvSpPr/>
+          <p:nvPr/>
+        </p:nvSpPr>
+        <p:spPr>
+          <a:xfrm>
+            <a:off x="274241" y="3350379"/>
+            <a:ext cx="8778081" cy="3108543"/>
+          </a:xfrm>
           <a:prstGeom prst="rect">
             <a:avLst/>
           </a:prstGeom>
         </p:spPr>
         <p:txBody>
-          <a:bodyPr vert="horz" wrap="square" lIns="146304" tIns="91440" rIns="146304" bIns="91440" rtlCol="0" anchor="t">
-            <a:normAutofit/>
+          <a:bodyPr wrap="square">
+            <a:spAutoFit/>
           </a:bodyPr>
-          <a:lstStyle>
-            <a:lvl1pPr algn="l" defTabSz="932742" rtl="0" eaLnBrk="1" latinLnBrk="0" hangingPunct="1">
-              <a:lnSpc>
-                <a:spcPct val="90000"/>
-              </a:lnSpc>
-              <a:spcBef>
-                <a:spcPct val="0"/>
-              </a:spcBef>
-              <a:buNone/>
-              <a:defRPr lang="en-US" sz="4800" b="0" kern="1200" cap="none" spc="-102" baseline="0" dirty="0" smtClean="0">
-                <a:ln w="3175">
-                  <a:noFill/>
-                </a:ln>
-                <a:gradFill>
-                  <a:gsLst>
-                    <a:gs pos="1250">
-                      <a:schemeClr val="tx1"/>
-                    </a:gs>
-                    <a:gs pos="100000">
-                      <a:schemeClr val="tx1"/>
-                    </a:gs>
-                  </a:gsLst>
-                  <a:lin ang="5400000" scaled="0"/>
-                </a:gradFill>
-                <a:effectLst/>
-                <a:latin typeface="+mj-lt"/>
-                <a:ea typeface="+mn-ea"/>
-                <a:cs typeface="Segoe UI" pitchFamily="34" charset="0"/>
-              </a:defRPr>
-            </a:lvl1pPr>
-          </a:lstStyle>
-          <a:p>
-            <a:r>
-              <a:rPr lang="en-US" dirty="0"/>
-              <a:t>This weeks exercises</a:t>
+          <a:lstStyle/>
+          <a:p>
+            <a:r>
+              <a:rPr lang="en-US" sz="2800" dirty="0">
+                <a:latin typeface="Consolas" panose="020B0609020204030204" pitchFamily="49" charset="0"/>
+                <a:cs typeface="Consolas" panose="020B0609020204030204" pitchFamily="49" charset="0"/>
+              </a:rPr>
+              <a:t>&lt;?xml version="1.0" encoding="UTF-8"?&gt; </a:t>
+            </a:r>
+          </a:p>
+          <a:p>
+            <a:r>
+              <a:rPr lang="en-US" sz="2800" dirty="0">
+                <a:latin typeface="Consolas" panose="020B0609020204030204" pitchFamily="49" charset="0"/>
+                <a:cs typeface="Consolas" panose="020B0609020204030204" pitchFamily="49" charset="0"/>
+              </a:rPr>
+              <a:t>&lt;note id="1"&gt;</a:t>
+            </a:r>
+            <a:br>
+              <a:rPr lang="en-US" sz="2800" dirty="0">
+                <a:latin typeface="Consolas" panose="020B0609020204030204" pitchFamily="49" charset="0"/>
+                <a:cs typeface="Consolas" panose="020B0609020204030204" pitchFamily="49" charset="0"/>
+              </a:rPr>
+            </a:br>
+            <a:r>
+              <a:rPr lang="en-US" sz="2800" dirty="0">
+                <a:latin typeface="Consolas" panose="020B0609020204030204" pitchFamily="49" charset="0"/>
+                <a:cs typeface="Consolas" panose="020B0609020204030204" pitchFamily="49" charset="0"/>
+              </a:rPr>
+              <a:t>  &lt;to&gt;Tom&lt;/to&gt;</a:t>
+            </a:r>
+            <a:br>
+              <a:rPr lang="en-US" sz="2800" dirty="0">
+                <a:latin typeface="Consolas" panose="020B0609020204030204" pitchFamily="49" charset="0"/>
+                <a:cs typeface="Consolas" panose="020B0609020204030204" pitchFamily="49" charset="0"/>
+              </a:rPr>
+            </a:br>
+            <a:r>
+              <a:rPr lang="en-US" sz="2800" dirty="0">
+                <a:latin typeface="Consolas" panose="020B0609020204030204" pitchFamily="49" charset="0"/>
+                <a:cs typeface="Consolas" panose="020B0609020204030204" pitchFamily="49" charset="0"/>
+              </a:rPr>
+              <a:t>  &lt;from&gt;Kathleen&lt;/from&gt;</a:t>
+            </a:r>
+            <a:br>
+              <a:rPr lang="en-US" sz="2800" dirty="0">
+                <a:latin typeface="Consolas" panose="020B0609020204030204" pitchFamily="49" charset="0"/>
+                <a:cs typeface="Consolas" panose="020B0609020204030204" pitchFamily="49" charset="0"/>
+              </a:rPr>
+            </a:br>
+            <a:r>
+              <a:rPr lang="en-US" sz="2800" dirty="0">
+                <a:latin typeface="Consolas" panose="020B0609020204030204" pitchFamily="49" charset="0"/>
+                <a:cs typeface="Consolas" panose="020B0609020204030204" pitchFamily="49" charset="0"/>
+              </a:rPr>
+              <a:t>  &lt;heading&gt;Reminder&lt;/heading&gt;</a:t>
+            </a:r>
+            <a:br>
+              <a:rPr lang="en-US" sz="2800" dirty="0">
+                <a:latin typeface="Consolas" panose="020B0609020204030204" pitchFamily="49" charset="0"/>
+                <a:cs typeface="Consolas" panose="020B0609020204030204" pitchFamily="49" charset="0"/>
+              </a:rPr>
+            </a:br>
+            <a:r>
+              <a:rPr lang="en-US" sz="2800" dirty="0">
+                <a:latin typeface="Consolas" panose="020B0609020204030204" pitchFamily="49" charset="0"/>
+                <a:cs typeface="Consolas" panose="020B0609020204030204" pitchFamily="49" charset="0"/>
+              </a:rPr>
+              <a:t>  &lt;body&gt;Don't forget small change!&lt;/body&gt;</a:t>
+            </a:r>
+            <a:br>
+              <a:rPr lang="en-US" sz="2800" dirty="0">
+                <a:latin typeface="Consolas" panose="020B0609020204030204" pitchFamily="49" charset="0"/>
+                <a:cs typeface="Consolas" panose="020B0609020204030204" pitchFamily="49" charset="0"/>
+              </a:rPr>
+            </a:br>
+            <a:r>
+              <a:rPr lang="en-US" sz="2800" dirty="0">
+                <a:latin typeface="Consolas" panose="020B0609020204030204" pitchFamily="49" charset="0"/>
+                <a:cs typeface="Consolas" panose="020B0609020204030204" pitchFamily="49" charset="0"/>
+              </a:rPr>
+              <a:t>&lt;/note&gt;</a:t>
             </a:r>
           </a:p>
         </p:txBody>
@@ -9084,7 +8222,7 @@
     </p:spTree>
     <p:extLst>
       <p:ext uri="{BB962C8B-B14F-4D97-AF65-F5344CB8AC3E}">
-        <p14:creationId xmlns:p14="http://schemas.microsoft.com/office/powerpoint/2010/main" val="3244810651"/>
+        <p14:creationId xmlns:p14="http://schemas.microsoft.com/office/powerpoint/2010/main" val="678423699"/>
       </p:ext>
     </p:extLst>
   </p:cSld>
@@ -9131,14 +8269,12 @@
           </a:xfrm>
         </p:spPr>
         <p:txBody>
-          <a:bodyPr>
-            <a:normAutofit/>
-          </a:bodyPr>
+          <a:bodyPr/>
           <a:lstStyle/>
           <a:p>
             <a:r>
               <a:rPr lang="en-US" dirty="0"/>
-              <a:t>What is XML?</a:t>
+              <a:t>How Can XML be Used?</a:t>
             </a:r>
           </a:p>
         </p:txBody>
@@ -9155,8 +8291,8 @@
         </p:nvSpPr>
         <p:spPr>
           <a:xfrm>
-            <a:off x="273844" y="1212850"/>
-            <a:ext cx="8778875" cy="5010602"/>
+            <a:off x="274637" y="1220788"/>
+            <a:ext cx="8777288" cy="5613845"/>
           </a:xfrm>
         </p:spPr>
         <p:txBody>
@@ -9165,73 +8301,169 @@
           <a:p>
             <a:pPr marL="0" indent="0">
               <a:lnSpc>
-                <a:spcPct val="150000"/>
+                <a:spcPct val="100000"/>
               </a:lnSpc>
               <a:buNone/>
             </a:pPr>
             <a:r>
-              <a:rPr lang="en-US" sz="3200" dirty="0" err="1"/>
-              <a:t>eXtensible</a:t>
-            </a:r>
-            <a:r>
-              <a:rPr lang="en-US" sz="3200" dirty="0"/>
-              <a:t> Markup Language</a:t>
+              <a:rPr lang="da-DK" dirty="0"/>
+              <a:t>Separates data from HTML</a:t>
             </a:r>
           </a:p>
           <a:p>
             <a:pPr marL="0" indent="0">
               <a:lnSpc>
-                <a:spcPct val="150000"/>
+                <a:spcPct val="100000"/>
               </a:lnSpc>
               <a:buNone/>
             </a:pPr>
             <a:r>
-              <a:rPr lang="en-US" sz="3200" dirty="0"/>
-              <a:t>Markup language like HTML</a:t>
-            </a:r>
+              <a:rPr lang="da-DK" dirty="0" err="1"/>
+              <a:t>Simplifies</a:t>
+            </a:r>
+            <a:r>
+              <a:rPr lang="da-DK" dirty="0"/>
+              <a:t> data </a:t>
+            </a:r>
+            <a:r>
+              <a:rPr lang="da-DK" dirty="0" err="1"/>
+              <a:t>sharing</a:t>
+            </a:r>
+            <a:endParaRPr lang="da-DK" dirty="0"/>
           </a:p>
           <a:p>
             <a:pPr marL="0" indent="0">
               <a:lnSpc>
-                <a:spcPct val="150000"/>
+                <a:spcPct val="100000"/>
               </a:lnSpc>
               <a:buNone/>
             </a:pPr>
             <a:r>
-              <a:rPr lang="en-US" sz="3200" dirty="0"/>
-              <a:t>Designed to carry data, not to display data</a:t>
+              <a:rPr lang="da-DK" dirty="0" err="1"/>
+              <a:t>Simplifies</a:t>
+            </a:r>
+            <a:r>
+              <a:rPr lang="da-DK" dirty="0"/>
+              <a:t> data transport</a:t>
             </a:r>
           </a:p>
           <a:p>
             <a:pPr marL="0" indent="0">
               <a:lnSpc>
-                <a:spcPct val="150000"/>
+                <a:spcPct val="100000"/>
               </a:lnSpc>
               <a:buNone/>
             </a:pPr>
             <a:r>
-              <a:rPr lang="en-US" sz="3200" dirty="0"/>
-              <a:t>Tags are not predefined – You must define your own tags</a:t>
-            </a:r>
+              <a:rPr lang="da-DK" dirty="0" err="1"/>
+              <a:t>Simplifies</a:t>
+            </a:r>
+            <a:r>
+              <a:rPr lang="da-DK" dirty="0"/>
+              <a:t> platform </a:t>
+            </a:r>
+            <a:r>
+              <a:rPr lang="da-DK" dirty="0" err="1"/>
+              <a:t>changes</a:t>
+            </a:r>
+            <a:endParaRPr lang="da-DK" dirty="0"/>
           </a:p>
           <a:p>
             <a:pPr marL="0" indent="0">
               <a:lnSpc>
-                <a:spcPct val="150000"/>
+                <a:spcPct val="100000"/>
               </a:lnSpc>
               <a:buNone/>
             </a:pPr>
             <a:r>
-              <a:rPr lang="en-US" sz="3200" dirty="0"/>
-              <a:t>Designed to be self-descriptive</a:t>
-            </a:r>
+              <a:rPr lang="en-US" dirty="0"/>
+              <a:t>Used to create new (Internet) languages</a:t>
+            </a:r>
+          </a:p>
+          <a:p>
+            <a:pPr lvl="1">
+              <a:lnSpc>
+                <a:spcPct val="100000"/>
+              </a:lnSpc>
+            </a:pPr>
+            <a:r>
+              <a:rPr lang="da-DK" dirty="0"/>
+              <a:t>XHTML </a:t>
+            </a:r>
+          </a:p>
+          <a:p>
+            <a:pPr lvl="1">
+              <a:lnSpc>
+                <a:spcPct val="100000"/>
+              </a:lnSpc>
+            </a:pPr>
+            <a:r>
+              <a:rPr lang="da-DK" dirty="0"/>
+              <a:t>WSDL for </a:t>
+            </a:r>
+            <a:r>
+              <a:rPr lang="da-DK" dirty="0" err="1"/>
+              <a:t>describing</a:t>
+            </a:r>
+            <a:r>
+              <a:rPr lang="da-DK" dirty="0"/>
+              <a:t> web services</a:t>
+            </a:r>
+          </a:p>
+          <a:p>
+            <a:pPr lvl="1">
+              <a:lnSpc>
+                <a:spcPct val="100000"/>
+              </a:lnSpc>
+            </a:pPr>
+            <a:r>
+              <a:rPr lang="da-DK" dirty="0"/>
+              <a:t>RSS and ATOM for news feeds</a:t>
+            </a:r>
+          </a:p>
+          <a:p>
+            <a:pPr lvl="1">
+              <a:lnSpc>
+                <a:spcPct val="100000"/>
+              </a:lnSpc>
+            </a:pPr>
+            <a:r>
+              <a:rPr lang="da-DK" dirty="0"/>
+              <a:t>XAML</a:t>
+            </a:r>
+          </a:p>
+          <a:p>
+            <a:pPr lvl="1">
+              <a:lnSpc>
+                <a:spcPct val="100000"/>
+              </a:lnSpc>
+            </a:pPr>
+            <a:r>
+              <a:rPr lang="en-US" dirty="0" err="1"/>
+              <a:t>JSONx</a:t>
+            </a:r>
+            <a:r>
+              <a:rPr lang="en-US" dirty="0"/>
+              <a:t> </a:t>
+            </a:r>
+            <a:r>
+              <a:rPr lang="en-US" sz="1050" dirty="0">
+                <a:hlinkClick r:id="rId2"/>
+              </a:rPr>
+              <a:t>https://www.ibm.com/support/knowledgecenter/en/SS9H2Y_7.7.0/com.ibm.dp.doc/json_jsonxconversionexample.html</a:t>
+            </a:r>
+            <a:r>
+              <a:rPr lang="en-US" sz="1050" dirty="0"/>
+              <a:t> </a:t>
+            </a:r>
+            <a:endParaRPr lang="en-US" dirty="0"/>
           </a:p>
         </p:txBody>
       </p:sp>
     </p:spTree>
     <p:extLst>
       <p:ext uri="{BB962C8B-B14F-4D97-AF65-F5344CB8AC3E}">
-        <p14:creationId xmlns:p14="http://schemas.microsoft.com/office/powerpoint/2010/main" val="3731617600"/>
+        <p14:creationId xmlns:p14="http://schemas.microsoft.com/office/powerpoint/2010/main" val="2347746953"/>
       </p:ext>
     </p:extLst>
   </p:cSld>
@@ -9283,7 +8515,7 @@
           <a:p>
             <a:r>
               <a:rPr lang="en-US" dirty="0"/>
-              <a:t>XML Does Not Do Anything</a:t>
+              <a:t>What is JSON?</a:t>
             </a:r>
           </a:p>
         </p:txBody>
@@ -9301,7 +8533,7 @@
         <p:spPr>
           <a:xfrm>
             <a:off x="274637" y="1220788"/>
-            <a:ext cx="8777288" cy="1181862"/>
+            <a:ext cx="8777288" cy="4568815"/>
           </a:xfrm>
         </p:spPr>
         <p:txBody>
@@ -9309,116 +8541,50 @@
           <a:lstStyle/>
           <a:p>
             <a:pPr marL="0" indent="0">
+              <a:lnSpc>
+                <a:spcPct val="150000"/>
+              </a:lnSpc>
               <a:buNone/>
             </a:pPr>
             <a:r>
               <a:rPr lang="en-US" dirty="0"/>
-              <a:t>XML was created to structure, store, and transport information</a:t>
-            </a:r>
-          </a:p>
-        </p:txBody>
-      </p:sp>
-      <p:sp>
-        <p:nvSpPr>
-          <p:cNvPr id="4" name="Rectangle 3"/>
-          <p:cNvSpPr/>
-          <p:nvPr/>
-        </p:nvSpPr>
-        <p:spPr>
-          <a:xfrm>
-            <a:off x="274241" y="3350379"/>
-            <a:ext cx="8778081" cy="3108543"/>
-          </a:xfrm>
-          <a:prstGeom prst="rect">
-            <a:avLst/>
-          </a:prstGeom>
-        </p:spPr>
-        <p:txBody>
-          <a:bodyPr wrap="square">
-            <a:spAutoFit/>
-          </a:bodyPr>
-          <a:lstStyle/>
-          <a:p>
-            <a:r>
-              <a:rPr lang="en-US" sz="2800" dirty="0">
-                <a:latin typeface="Consolas" panose="020B0609020204030204" pitchFamily="49" charset="0"/>
-                <a:cs typeface="Consolas" panose="020B0609020204030204" pitchFamily="49" charset="0"/>
-              </a:rPr>
-              <a:t>&lt;?xml version="1.0" encoding="UTF-8"?&gt; </a:t>
-            </a:r>
-          </a:p>
-          <a:p>
-            <a:r>
-              <a:rPr lang="en-US" sz="2800" dirty="0">
-                <a:latin typeface="Consolas" panose="020B0609020204030204" pitchFamily="49" charset="0"/>
-                <a:cs typeface="Consolas" panose="020B0609020204030204" pitchFamily="49" charset="0"/>
-              </a:rPr>
-              <a:t>&lt;note id="1"&gt;</a:t>
-            </a:r>
-            <a:br>
-              <a:rPr lang="en-US" sz="2800" dirty="0">
-                <a:latin typeface="Consolas" panose="020B0609020204030204" pitchFamily="49" charset="0"/>
-                <a:cs typeface="Consolas" panose="020B0609020204030204" pitchFamily="49" charset="0"/>
-              </a:rPr>
-            </a:br>
-            <a:r>
-              <a:rPr lang="en-US" sz="2800" dirty="0">
-                <a:latin typeface="Consolas" panose="020B0609020204030204" pitchFamily="49" charset="0"/>
-                <a:cs typeface="Consolas" panose="020B0609020204030204" pitchFamily="49" charset="0"/>
-              </a:rPr>
-              <a:t>  &lt;to&gt;Tom&lt;/to&gt;</a:t>
-            </a:r>
-            <a:br>
-              <a:rPr lang="en-US" sz="2800" dirty="0">
-                <a:latin typeface="Consolas" panose="020B0609020204030204" pitchFamily="49" charset="0"/>
-                <a:cs typeface="Consolas" panose="020B0609020204030204" pitchFamily="49" charset="0"/>
-              </a:rPr>
-            </a:br>
-            <a:r>
-              <a:rPr lang="en-US" sz="2800" dirty="0">
-                <a:latin typeface="Consolas" panose="020B0609020204030204" pitchFamily="49" charset="0"/>
-                <a:cs typeface="Consolas" panose="020B0609020204030204" pitchFamily="49" charset="0"/>
-              </a:rPr>
-              <a:t>  &lt;from&gt;Kathleen&lt;/from&gt;</a:t>
-            </a:r>
-            <a:br>
-              <a:rPr lang="en-US" sz="2800" dirty="0">
-                <a:latin typeface="Consolas" panose="020B0609020204030204" pitchFamily="49" charset="0"/>
-                <a:cs typeface="Consolas" panose="020B0609020204030204" pitchFamily="49" charset="0"/>
-              </a:rPr>
-            </a:br>
-            <a:r>
-              <a:rPr lang="en-US" sz="2800" dirty="0">
-                <a:latin typeface="Consolas" panose="020B0609020204030204" pitchFamily="49" charset="0"/>
-                <a:cs typeface="Consolas" panose="020B0609020204030204" pitchFamily="49" charset="0"/>
-              </a:rPr>
-              <a:t>  &lt;heading&gt;Reminder&lt;/heading&gt;</a:t>
-            </a:r>
-            <a:br>
-              <a:rPr lang="en-US" sz="2800" dirty="0">
-                <a:latin typeface="Consolas" panose="020B0609020204030204" pitchFamily="49" charset="0"/>
-                <a:cs typeface="Consolas" panose="020B0609020204030204" pitchFamily="49" charset="0"/>
-              </a:rPr>
-            </a:br>
-            <a:r>
-              <a:rPr lang="en-US" sz="2800" dirty="0">
-                <a:latin typeface="Consolas" panose="020B0609020204030204" pitchFamily="49" charset="0"/>
-                <a:cs typeface="Consolas" panose="020B0609020204030204" pitchFamily="49" charset="0"/>
-              </a:rPr>
-              <a:t>  &lt;body&gt;Don't forget small change!&lt;/body&gt;</a:t>
-            </a:r>
-            <a:br>
-              <a:rPr lang="en-US" sz="2800" dirty="0">
-                <a:latin typeface="Consolas" panose="020B0609020204030204" pitchFamily="49" charset="0"/>
-                <a:cs typeface="Consolas" panose="020B0609020204030204" pitchFamily="49" charset="0"/>
-              </a:rPr>
-            </a:br>
-            <a:r>
-              <a:rPr lang="en-US" sz="2800" dirty="0">
-                <a:latin typeface="Consolas" panose="020B0609020204030204" pitchFamily="49" charset="0"/>
-                <a:cs typeface="Consolas" panose="020B0609020204030204" pitchFamily="49" charset="0"/>
-              </a:rPr>
-              <a:t>&lt;/note&gt;</a:t>
+              <a:t>JavaScript Object Notation</a:t>
+            </a:r>
+          </a:p>
+          <a:p>
+            <a:pPr marL="0" indent="0">
+              <a:lnSpc>
+                <a:spcPct val="150000"/>
+              </a:lnSpc>
+              <a:buNone/>
+            </a:pPr>
+            <a:r>
+              <a:rPr lang="en-US" dirty="0"/>
+              <a:t>Lightweight text-data interchange format</a:t>
+            </a:r>
+          </a:p>
+          <a:p>
+            <a:pPr marL="0" indent="0">
+              <a:lnSpc>
+                <a:spcPct val="150000"/>
+              </a:lnSpc>
+              <a:buNone/>
+            </a:pPr>
+            <a:r>
+              <a:rPr lang="en-US" dirty="0"/>
+              <a:t>Language independent (uses JavaScript syntax)</a:t>
+            </a:r>
+          </a:p>
+          <a:p>
+            <a:pPr marL="0" indent="0">
+              <a:lnSpc>
+                <a:spcPct val="150000"/>
+              </a:lnSpc>
+              <a:buNone/>
+            </a:pPr>
+            <a:r>
+              <a:rPr lang="en-US" dirty="0"/>
+              <a:t>"Self-describing" and easy to understand</a:t>
             </a:r>
           </a:p>
         </p:txBody>
@@ -9426,7 +8592,7 @@
     </p:spTree>
     <p:extLst>
       <p:ext uri="{BB962C8B-B14F-4D97-AF65-F5344CB8AC3E}">
-        <p14:creationId xmlns:p14="http://schemas.microsoft.com/office/powerpoint/2010/main" val="678423699"/>
+        <p14:creationId xmlns:p14="http://schemas.microsoft.com/office/powerpoint/2010/main" val="2378429583"/>
       </p:ext>
     </p:extLst>
   </p:cSld>
@@ -9477,9 +8643,14 @@
           <a:lstStyle/>
           <a:p>
             <a:r>
-              <a:rPr lang="en-US" dirty="0"/>
-              <a:t>How Can XML be Used?</a:t>
-            </a:r>
+              <a:rPr lang="da-DK" dirty="0"/>
+              <a:t>JSON </a:t>
+            </a:r>
+            <a:r>
+              <a:rPr lang="da-DK" dirty="0" err="1"/>
+              <a:t>Syntax</a:t>
+            </a:r>
+            <a:endParaRPr lang="da-DK" dirty="0"/>
           </a:p>
         </p:txBody>
       </p:sp>
@@ -9495,8 +8666,8 @@
         </p:nvSpPr>
         <p:spPr>
           <a:xfrm>
-            <a:off x="274637" y="1220788"/>
-            <a:ext cx="8777288" cy="5613845"/>
+            <a:off x="273844" y="1212850"/>
+            <a:ext cx="8778875" cy="4284250"/>
           </a:xfrm>
         </p:spPr>
         <p:txBody>
@@ -9504,162 +8675,56 @@
           <a:lstStyle/>
           <a:p>
             <a:pPr marL="0" indent="0">
-              <a:lnSpc>
-                <a:spcPct val="100000"/>
-              </a:lnSpc>
               <a:buNone/>
             </a:pPr>
             <a:r>
-              <a:rPr lang="da-DK" dirty="0"/>
-              <a:t>Separates data from HTML</a:t>
+              <a:rPr lang="en-US" sz="3200" dirty="0"/>
+              <a:t>(subset of the JavaScript object notation syntax)</a:t>
             </a:r>
           </a:p>
           <a:p>
             <a:pPr marL="0" indent="0">
-              <a:lnSpc>
-                <a:spcPct val="100000"/>
-              </a:lnSpc>
               <a:buNone/>
             </a:pPr>
-            <a:r>
-              <a:rPr lang="da-DK" dirty="0" err="1"/>
-              <a:t>Simplifies</a:t>
-            </a:r>
-            <a:r>
-              <a:rPr lang="da-DK" dirty="0"/>
-              <a:t> data </a:t>
-            </a:r>
-            <a:r>
-              <a:rPr lang="da-DK" dirty="0" err="1"/>
-              <a:t>sharing</a:t>
-            </a:r>
-            <a:endParaRPr lang="da-DK" dirty="0"/>
+            <a:endParaRPr lang="en-US" dirty="0"/>
           </a:p>
           <a:p>
             <a:pPr marL="0" indent="0">
-              <a:lnSpc>
-                <a:spcPct val="100000"/>
-              </a:lnSpc>
               <a:buNone/>
             </a:pPr>
             <a:r>
-              <a:rPr lang="da-DK" dirty="0" err="1"/>
-              <a:t>Simplifies</a:t>
-            </a:r>
-            <a:r>
-              <a:rPr lang="da-DK" dirty="0"/>
-              <a:t> data transport</a:t>
+              <a:rPr lang="en-US" dirty="0"/>
+              <a:t>Data is in name/value pairs</a:t>
             </a:r>
           </a:p>
           <a:p>
             <a:pPr marL="0" indent="0">
-              <a:lnSpc>
-                <a:spcPct val="100000"/>
-              </a:lnSpc>
               <a:buNone/>
             </a:pPr>
             <a:r>
-              <a:rPr lang="da-DK" dirty="0" err="1"/>
-              <a:t>Simplifies</a:t>
-            </a:r>
-            <a:r>
-              <a:rPr lang="da-DK" dirty="0"/>
-              <a:t> platform </a:t>
-            </a:r>
-            <a:r>
-              <a:rPr lang="da-DK" dirty="0" err="1"/>
-              <a:t>changes</a:t>
-            </a:r>
-            <a:endParaRPr lang="da-DK" dirty="0"/>
+              <a:rPr lang="en-US" dirty="0"/>
+              <a:t>Data is separated by commas</a:t>
+            </a:r>
           </a:p>
           <a:p>
             <a:pPr marL="0" indent="0">
-              <a:lnSpc>
-                <a:spcPct val="100000"/>
-              </a:lnSpc>
               <a:buNone/>
             </a:pPr>
             <a:r>
               <a:rPr lang="en-US" dirty="0"/>
-              <a:t>Used to create new (Internet) languages</a:t>
-            </a:r>
-          </a:p>
-          <a:p>
-            <a:pPr lvl="1">
-              <a:lnSpc>
-                <a:spcPct val="100000"/>
-              </a:lnSpc>
+              <a:t>Curly braces hold objects</a:t>
+            </a:r>
+          </a:p>
+          <a:p>
+            <a:pPr marL="0" indent="0">
+              <a:buNone/>
             </a:pPr>
             <a:r>
-              <a:rPr lang="da-DK" dirty="0"/>
-              <a:t>XHTML </a:t>
-            </a:r>
-          </a:p>
-          <a:p>
-            <a:pPr lvl="1">
-              <a:lnSpc>
-                <a:spcPct val="100000"/>
-              </a:lnSpc>
-            </a:pPr>
-            <a:r>
-              <a:rPr lang="da-DK" dirty="0"/>
-              <a:t>WSDL for </a:t>
-            </a:r>
-            <a:r>
-              <a:rPr lang="da-DK" dirty="0" err="1"/>
-              <a:t>describing</a:t>
-            </a:r>
-            <a:r>
-              <a:rPr lang="da-DK" dirty="0"/>
-              <a:t> web services</a:t>
-            </a:r>
-          </a:p>
-          <a:p>
-            <a:pPr lvl="1">
-              <a:lnSpc>
-                <a:spcPct val="100000"/>
-              </a:lnSpc>
-            </a:pPr>
-            <a:r>
-              <a:rPr lang="da-DK" dirty="0"/>
-              <a:t>RSS and ATOM for news feeds</a:t>
-            </a:r>
-          </a:p>
-          <a:p>
-            <a:pPr lvl="1">
-              <a:lnSpc>
-                <a:spcPct val="100000"/>
-              </a:lnSpc>
-            </a:pPr>
-            <a:r>
-              <a:rPr lang="da-DK" dirty="0"/>
-              <a:t>XAML</a:t>
-            </a:r>
-          </a:p>
-          <a:p>
-            <a:pPr lvl="1">
-              <a:lnSpc>
-                <a:spcPct val="100000"/>
-              </a:lnSpc>
-            </a:pPr>
-            <a:r>
-              <a:rPr lang="en-US" dirty="0" err="1"/>
-              <a:t>JSONx</a:t>
-            </a:r>
-            <a:r>
-              <a:rPr lang="en-US" dirty="0"/>
-              <a:t> </a:t>
-            </a:r>
-            <a:r>
-              <a:rPr lang="en-US" sz="1050" dirty="0">
-                <a:hlinkClick r:id="rId2"/>
-              </a:rPr>
-              <a:t>https://www.ibm.com/support/knowledgecenter/en/SS9H2Y_7.2.0/com.ibm.dp.doc/json_jsonxconversionexample.html</a:t>
-            </a:r>
-            <a:r>
-              <a:rPr lang="en-US" sz="1050" dirty="0"/>
-              <a:t> </a:t>
-            </a:r>
+              <a:rPr lang="en-US" dirty="0"/>
+              <a:t>Square brackets hold arrays</a:t>
+            </a:r>
+          </a:p>
+          <a:p>
             <a:endParaRPr lang="en-US" dirty="0"/>
           </a:p>
         </p:txBody>
@@ -9667,7 +8732,7 @@
     </p:spTree>
     <p:extLst>
       <p:ext uri="{BB962C8B-B14F-4D97-AF65-F5344CB8AC3E}">
-        <p14:creationId xmlns:p14="http://schemas.microsoft.com/office/powerpoint/2010/main" val="2347746953"/>
+        <p14:creationId xmlns:p14="http://schemas.microsoft.com/office/powerpoint/2010/main" val="1643499024"/>
       </p:ext>
     </p:extLst>
   </p:cSld>
@@ -9718,8 +8783,14 @@
           <a:lstStyle/>
           <a:p>
             <a:r>
-              <a:rPr lang="en-US" dirty="0"/>
-              <a:t>What is JSON?</a:t>
+              <a:rPr lang="en-US" dirty="0">
+                <a:solidFill>
+                  <a:schemeClr val="tx1">
+                    <a:lumMod val="95000"/>
+                  </a:schemeClr>
+                </a:solidFill>
+              </a:rPr>
+              <a:t>JSON Name/Value Pairs</a:t>
             </a:r>
           </a:p>
         </p:txBody>
@@ -9737,7 +8808,7 @@
         <p:spPr>
           <a:xfrm>
             <a:off x="274637" y="1220788"/>
-            <a:ext cx="8777288" cy="4568815"/>
+            <a:ext cx="8777288" cy="4616648"/>
           </a:xfrm>
         </p:spPr>
         <p:txBody>
@@ -9745,58 +8816,151 @@
           <a:lstStyle/>
           <a:p>
             <a:pPr marL="0" indent="0">
-              <a:lnSpc>
-                <a:spcPct val="150000"/>
-              </a:lnSpc>
               <a:buNone/>
             </a:pPr>
             <a:r>
-              <a:rPr lang="en-US" dirty="0"/>
-              <a:t>JavaScript Object Notation</a:t>
-            </a:r>
+              <a:rPr lang="en-US" dirty="0">
+                <a:solidFill>
+                  <a:schemeClr val="tx1">
+                    <a:lumMod val="95000"/>
+                  </a:schemeClr>
+                </a:solidFill>
+              </a:rPr>
+              <a:t>A name/value pair consists of a field name (in double quotes), followed by a colon, followed by a value:</a:t>
+            </a:r>
+          </a:p>
+          <a:p>
+            <a:endParaRPr lang="en-US" dirty="0">
+              <a:solidFill>
+                <a:schemeClr val="tx1">
+                  <a:lumMod val="95000"/>
+                </a:schemeClr>
+              </a:solidFill>
+            </a:endParaRPr>
+          </a:p>
+          <a:p>
+            <a:endParaRPr lang="en-US" dirty="0">
+              <a:solidFill>
+                <a:schemeClr val="tx1">
+                  <a:lumMod val="95000"/>
+                </a:schemeClr>
+              </a:solidFill>
+            </a:endParaRPr>
           </a:p>
           <a:p>
             <a:pPr marL="0" indent="0">
-              <a:lnSpc>
-                <a:spcPct val="150000"/>
-              </a:lnSpc>
               <a:buNone/>
             </a:pPr>
             <a:r>
-              <a:rPr lang="en-US" dirty="0"/>
-              <a:t>Lightweight text-data interchange format</a:t>
-            </a:r>
-          </a:p>
-          <a:p>
-            <a:pPr marL="0" indent="0">
-              <a:lnSpc>
-                <a:spcPct val="150000"/>
-              </a:lnSpc>
-              <a:buNone/>
-            </a:pPr>
-            <a:r>
-              <a:rPr lang="en-US" dirty="0"/>
-              <a:t>Language independent (uses JavaScript syntax)</a:t>
-            </a:r>
-          </a:p>
-          <a:p>
-            <a:pPr marL="0" indent="0">
-              <a:lnSpc>
-                <a:spcPct val="150000"/>
-              </a:lnSpc>
-              <a:buNone/>
-            </a:pPr>
-            <a:r>
-              <a:rPr lang="en-US" dirty="0"/>
-              <a:t>“Self-describing” and easy to understand</a:t>
-            </a:r>
+              <a:rPr lang="en-US" dirty="0">
+                <a:solidFill>
+                  <a:schemeClr val="tx1">
+                    <a:lumMod val="95000"/>
+                  </a:schemeClr>
+                </a:solidFill>
+              </a:rPr>
+              <a:t>This is simple to understand, and equals to the JavaScript statement:</a:t>
+            </a:r>
+          </a:p>
+          <a:p>
+            <a:endParaRPr lang="en-US" dirty="0">
+              <a:solidFill>
+                <a:schemeClr val="tx1">
+                  <a:lumMod val="95000"/>
+                </a:schemeClr>
+              </a:solidFill>
+            </a:endParaRPr>
+          </a:p>
+        </p:txBody>
+      </p:sp>
+      <p:sp>
+        <p:nvSpPr>
+          <p:cNvPr id="4" name="Rectangle 3"/>
+          <p:cNvSpPr/>
+          <p:nvPr/>
+        </p:nvSpPr>
+        <p:spPr>
+          <a:xfrm>
+            <a:off x="2639911" y="3201764"/>
+            <a:ext cx="3778599" cy="469039"/>
+          </a:xfrm>
+          <a:prstGeom prst="rect">
+            <a:avLst/>
+          </a:prstGeom>
+        </p:spPr>
+        <p:txBody>
+          <a:bodyPr wrap="none">
+            <a:spAutoFit/>
+          </a:bodyPr>
+          <a:lstStyle/>
+          <a:p>
+            <a:r>
+              <a:rPr lang="da-DK" sz="2448" b="1" dirty="0">
+                <a:solidFill>
+                  <a:schemeClr val="tx1">
+                    <a:lumMod val="95000"/>
+                  </a:schemeClr>
+                </a:solidFill>
+                <a:latin typeface="courier new"/>
+              </a:rPr>
+              <a:t>"firstName": "John"</a:t>
+            </a:r>
+            <a:endParaRPr lang="en-US" sz="2448" b="1" dirty="0">
+              <a:solidFill>
+                <a:schemeClr val="tx1">
+                  <a:lumMod val="95000"/>
+                </a:schemeClr>
+              </a:solidFill>
+            </a:endParaRPr>
+          </a:p>
+        </p:txBody>
+      </p:sp>
+      <p:sp>
+        <p:nvSpPr>
+          <p:cNvPr id="5" name="Rectangle 4"/>
+          <p:cNvSpPr/>
+          <p:nvPr/>
+        </p:nvSpPr>
+        <p:spPr>
+          <a:xfrm>
+            <a:off x="2832831" y="5762056"/>
+            <a:ext cx="3660901" cy="478376"/>
+          </a:xfrm>
+          <a:prstGeom prst="rect">
+            <a:avLst/>
+          </a:prstGeom>
+        </p:spPr>
+        <p:txBody>
+          <a:bodyPr wrap="none">
+            <a:spAutoFit/>
+          </a:bodyPr>
+          <a:lstStyle/>
+          <a:p>
+            <a:r>
+              <a:rPr lang="da-DK" sz="2448" b="1" dirty="0">
+                <a:solidFill>
+                  <a:schemeClr val="tx1">
+                    <a:lumMod val="95000"/>
+                  </a:schemeClr>
+                </a:solidFill>
+                <a:latin typeface="courier new"/>
+              </a:rPr>
+              <a:t>firstName = "John"</a:t>
+            </a:r>
+            <a:endParaRPr lang="en-US" sz="2448" b="1" dirty="0">
+              <a:solidFill>
+                <a:schemeClr val="tx1">
+                  <a:lumMod val="95000"/>
+                </a:schemeClr>
+              </a:solidFill>
+            </a:endParaRPr>
           </a:p>
         </p:txBody>
       </p:sp>
     </p:spTree>
     <p:extLst>
       <p:ext uri="{BB962C8B-B14F-4D97-AF65-F5344CB8AC3E}">
-        <p14:creationId xmlns:p14="http://schemas.microsoft.com/office/powerpoint/2010/main" val="2378429583"/>
+        <p14:creationId xmlns:p14="http://schemas.microsoft.com/office/powerpoint/2010/main" val="3092393676"/>
       </p:ext>
     </p:extLst>
   </p:cSld>
@@ -9847,96 +9011,177 @@
           <a:lstStyle/>
           <a:p>
             <a:r>
-              <a:rPr lang="da-DK" dirty="0"/>
-              <a:t>JSON </a:t>
-            </a:r>
-            <a:r>
-              <a:rPr lang="da-DK" dirty="0" err="1"/>
-              <a:t>Syntax</a:t>
-            </a:r>
-            <a:endParaRPr lang="da-DK" dirty="0"/>
+              <a:rPr lang="en-US" dirty="0"/>
+              <a:t>JSON Data Types</a:t>
+            </a:r>
           </a:p>
         </p:txBody>
       </p:sp>
       <p:sp>
         <p:nvSpPr>
-          <p:cNvPr id="3" name="Content Placeholder 2"/>
-          <p:cNvSpPr>
-            <a:spLocks noGrp="1"/>
-          </p:cNvSpPr>
-          <p:nvPr>
-            <p:ph idx="4294967295"/>
-          </p:nvPr>
+          <p:cNvPr id="5" name="TextBox 4"/>
+          <p:cNvSpPr txBox="1"/>
+          <p:nvPr/>
         </p:nvSpPr>
         <p:spPr>
           <a:xfrm>
-            <a:off x="273844" y="1212850"/>
-            <a:ext cx="8778875" cy="4284250"/>
+            <a:off x="273844" y="1759921"/>
+            <a:ext cx="8778875" cy="4635693"/>
           </a:xfrm>
+          <a:prstGeom prst="rect">
+            <a:avLst/>
+          </a:prstGeom>
+          <a:noFill/>
         </p:spPr>
         <p:txBody>
-          <a:bodyPr/>
+          <a:bodyPr wrap="square" lIns="182880" tIns="146304" rIns="182880" bIns="146304" rtlCol="0">
+            <a:spAutoFit/>
+          </a:bodyPr>
           <a:lstStyle/>
           <a:p>
-            <a:pPr marL="0" indent="0">
-              <a:buNone/>
+            <a:pPr>
+              <a:lnSpc>
+                <a:spcPct val="150000"/>
+              </a:lnSpc>
             </a:pPr>
             <a:r>
-              <a:rPr lang="en-US" sz="3200" dirty="0"/>
-              <a:t>(subset of the JavaScript object notation syntax)</a:t>
-            </a:r>
-          </a:p>
-          <a:p>
-            <a:pPr marL="0" indent="0">
-              <a:buNone/>
+              <a:rPr lang="en-US" sz="3200" dirty="0">
+                <a:gradFill>
+                  <a:gsLst>
+                    <a:gs pos="2917">
+                      <a:schemeClr val="tx1"/>
+                    </a:gs>
+                    <a:gs pos="30000">
+                      <a:schemeClr val="tx1"/>
+                    </a:gs>
+                  </a:gsLst>
+                  <a:lin ang="5400000" scaled="0"/>
+                </a:gradFill>
+              </a:rPr>
+              <a:t>Number (integer or floating point)</a:t>
+            </a:r>
+          </a:p>
+          <a:p>
+            <a:pPr>
+              <a:lnSpc>
+                <a:spcPct val="150000"/>
+              </a:lnSpc>
             </a:pPr>
-            <a:endParaRPr lang="en-US" dirty="0"/>
-          </a:p>
-          <a:p>
-            <a:pPr marL="0" indent="0">
-              <a:buNone/>
+            <a:r>
+              <a:rPr lang="en-US" sz="3200" dirty="0">
+                <a:gradFill>
+                  <a:gsLst>
+                    <a:gs pos="2917">
+                      <a:schemeClr val="tx1"/>
+                    </a:gs>
+                    <a:gs pos="30000">
+                      <a:schemeClr val="tx1"/>
+                    </a:gs>
+                  </a:gsLst>
+                  <a:lin ang="5400000" scaled="0"/>
+                </a:gradFill>
+              </a:rPr>
+              <a:t>String (in double quotes)</a:t>
+            </a:r>
+          </a:p>
+          <a:p>
+            <a:pPr>
+              <a:lnSpc>
+                <a:spcPct val="150000"/>
+              </a:lnSpc>
             </a:pPr>
             <a:r>
-              <a:rPr lang="en-US" dirty="0"/>
-              <a:t>Data is in name/value pairs</a:t>
-            </a:r>
-          </a:p>
-          <a:p>
-            <a:pPr marL="0" indent="0">
-              <a:buNone/>
+              <a:rPr lang="en-US" sz="3200" dirty="0">
+                <a:gradFill>
+                  <a:gsLst>
+                    <a:gs pos="2917">
+                      <a:schemeClr val="tx1"/>
+                    </a:gs>
+                    <a:gs pos="30000">
+                      <a:schemeClr val="tx1"/>
+                    </a:gs>
+                  </a:gsLst>
+                  <a:lin ang="5400000" scaled="0"/>
+                </a:gradFill>
+              </a:rPr>
+              <a:t>Boolean (true or false)</a:t>
+            </a:r>
+          </a:p>
+          <a:p>
+            <a:pPr>
+              <a:lnSpc>
+                <a:spcPct val="150000"/>
+              </a:lnSpc>
             </a:pPr>
             <a:r>
-              <a:rPr lang="en-US" dirty="0"/>
-              <a:t>Data is separated by commas</a:t>
-            </a:r>
-          </a:p>
-          <a:p>
-            <a:pPr marL="0" indent="0">
-              <a:buNone/>
+              <a:rPr lang="en-US" sz="3200" dirty="0">
+                <a:gradFill>
+                  <a:gsLst>
+                    <a:gs pos="2917">
+                      <a:schemeClr val="tx1"/>
+                    </a:gs>
+                    <a:gs pos="30000">
+                      <a:schemeClr val="tx1"/>
+                    </a:gs>
+                  </a:gsLst>
+                  <a:lin ang="5400000" scaled="0"/>
+                </a:gradFill>
+              </a:rPr>
+              <a:t>Array (in square brackets)</a:t>
+            </a:r>
+          </a:p>
+          <a:p>
+            <a:pPr>
+              <a:lnSpc>
+                <a:spcPct val="150000"/>
+              </a:lnSpc>
             </a:pPr>
             <a:r>
-              <a:rPr lang="en-US" dirty="0"/>
-              <a:t>Curly braces hold objects</a:t>
-            </a:r>
-          </a:p>
-          <a:p>
-            <a:pPr marL="0" indent="0">
-              <a:buNone/>
+              <a:rPr lang="en-US" sz="3200" dirty="0">
+                <a:gradFill>
+                  <a:gsLst>
+                    <a:gs pos="2917">
+                      <a:schemeClr val="tx1"/>
+                    </a:gs>
+                    <a:gs pos="30000">
+                      <a:schemeClr val="tx1"/>
+                    </a:gs>
+                  </a:gsLst>
+                  <a:lin ang="5400000" scaled="0"/>
+                </a:gradFill>
+              </a:rPr>
+              <a:t>Object (in curly brackets)</a:t>
+            </a:r>
+          </a:p>
+          <a:p>
+            <a:pPr>
+              <a:lnSpc>
+                <a:spcPct val="150000"/>
+              </a:lnSpc>
             </a:pPr>
             <a:r>
-              <a:rPr lang="en-US" dirty="0"/>
-              <a:t>Square brackets hold arrays</a:t>
-            </a:r>
-          </a:p>
-          <a:p>
-            <a:endParaRPr lang="en-US" dirty="0"/>
+              <a:rPr lang="en-US" sz="3200" dirty="0">
+                <a:gradFill>
+                  <a:gsLst>
+                    <a:gs pos="2917">
+                      <a:schemeClr val="tx1"/>
+                    </a:gs>
+                    <a:gs pos="30000">
+                      <a:schemeClr val="tx1"/>
+                    </a:gs>
+                  </a:gsLst>
+                  <a:lin ang="5400000" scaled="0"/>
+                </a:gradFill>
+              </a:rPr>
+              <a:t>null</a:t>
+            </a:r>
           </a:p>
         </p:txBody>
       </p:sp>
     </p:spTree>
     <p:extLst>
       <p:ext uri="{BB962C8B-B14F-4D97-AF65-F5344CB8AC3E}">
-        <p14:creationId xmlns:p14="http://schemas.microsoft.com/office/powerpoint/2010/main" val="1643499024"/>
+        <p14:creationId xmlns:p14="http://schemas.microsoft.com/office/powerpoint/2010/main" val="759007305"/>
       </p:ext>
     </p:extLst>
   </p:cSld>
@@ -10810,15 +10055,6 @@
 </file>
 
 <file path=customXml/item1.xml><?xml version="1.0" encoding="utf-8"?>
-<?mso-contentType ?>
-<FormTemplates xmlns="http://schemas.microsoft.com/sharepoint/v3/contenttype/forms">
-  <Display>DocumentLibraryForm</Display>
-  <Edit>DocumentLibraryForm</Edit>
-  <New>DocumentLibraryForm</New>
-</FormTemplates>
-</file>
-
-<file path=customXml/item2.xml><?xml version="1.0" encoding="utf-8"?>
 <ct:contentTypeSchema xmlns:ct="http://schemas.microsoft.com/office/2006/metadata/contentType" xmlns:ma="http://schemas.microsoft.com/office/2006/metadata/properties/metaAttributes" ct:_="" ma:_="" ma:contentTypeName="PresentationsDoc" ma:contentTypeID="0x010100B88FC3ECA26D1C46B3C4C83281D2EB9C003BBE479AF4108146A616B6B5E7069DBC" ma:contentTypeVersion="61" ma:contentTypeDescription="" ma:contentTypeScope="" ma:versionID="72533711bacf991a4680f48ae6b725f9">
   <xsd:schema xmlns:xsd="http://www.w3.org/2001/XMLSchema" xmlns:xs="http://www.w3.org/2001/XMLSchema" xmlns:p="http://schemas.microsoft.com/office/2006/metadata/properties" xmlns:ns2="2295e2e7-0eeb-498e-8716-217bb2ee6ee3" xmlns:ns3="8b529f77-48ab-4581-b468-93f09345b8aa" targetNamespace="http://schemas.microsoft.com/office/2006/metadata/properties" ma:root="true" ma:fieldsID="dde17010d50e6e632f300eac8dfd378e" ns2:_="" ns3:_="">
     <xsd:import namespace="2295e2e7-0eeb-498e-8716-217bb2ee6ee3"/>
@@ -11097,6 +10333,15 @@
 </ct:contentTypeSchema>
 </file>
 
+<file path=customXml/item2.xml><?xml version="1.0" encoding="utf-8"?>
+<?mso-contentType ?>
+<FormTemplates xmlns="http://schemas.microsoft.com/sharepoint/v3/contenttype/forms">
+  <Display>DocumentLibraryForm</Display>
+  <Edit>DocumentLibraryForm</Edit>
+  <New>DocumentLibraryForm</New>
+</FormTemplates>
+</file>
+
 <file path=customXml/item3.xml><?xml version="1.0" encoding="utf-8"?>
 <p:properties xmlns:p="http://schemas.microsoft.com/office/2006/metadata/properties" xmlns:xsi="http://www.w3.org/2001/XMLSchema-instance" xmlns:pc="http://schemas.microsoft.com/office/infopath/2007/PartnerControls">
   <documentManagement>
@@ -11153,14 +10398,6 @@
 </file>
 
 <file path=customXml/itemProps1.xml><?xml version="1.0" encoding="utf-8"?>
-<ds:datastoreItem xmlns:ds="http://schemas.openxmlformats.org/officeDocument/2006/customXml" ds:itemID="{758FDAC0-319D-4A54-8D8E-1D42CB1F8004}">
-  <ds:schemaRefs>
-    <ds:schemaRef ds:uri="http://schemas.microsoft.com/sharepoint/v3/contenttype/forms"/>
-  </ds:schemaRefs>
-</ds:datastoreItem>
-</file>
-
-<file path=customXml/itemProps2.xml><?xml version="1.0" encoding="utf-8"?>
 <ds:datastoreItem xmlns:ds="http://schemas.openxmlformats.org/officeDocument/2006/customXml" ds:itemID="{A4A71FB1-3FB8-468F-9C64-2246CB74C7D9}">
   <ds:schemaRefs>
     <ds:schemaRef ds:uri="http://schemas.microsoft.com/office/2006/metadata/contentType"/>
@@ -11175,6 +10412,14 @@
     <ds:schemaRef ds:uri="http://purl.org/dc/elements/1.1/"/>
     <ds:schemaRef ds:uri="http://purl.org/dc/terms/"/>
     <ds:schemaRef ds:uri="http://schemas.microsoft.com/internal/obd"/>
+  </ds:schemaRefs>
+</ds:datastoreItem>
+</file>
+
+<file path=customXml/itemProps2.xml><?xml version="1.0" encoding="utf-8"?>
+<ds:datastoreItem xmlns:ds="http://schemas.openxmlformats.org/officeDocument/2006/customXml" ds:itemID="{758FDAC0-319D-4A54-8D8E-1D42CB1F8004}">
+  <ds:schemaRefs>
+    <ds:schemaRef ds:uri="http://schemas.microsoft.com/sharepoint/v3/contenttype/forms"/>
   </ds:schemaRefs>
 </ds:datastoreItem>
 </file>

--- a/Slides/Lecture07 - JSON and the REST, ASP.NET Core.pptx
+++ b/Slides/Lecture07 - JSON and the REST, ASP.NET Core.pptx
@@ -5834,7 +5834,7 @@
           <p:nvPr>
             <p:extLst>
               <p:ext uri="{D42A27DB-BD31-4B8C-83A1-F6EECF244321}">
-                <p14:modId xmlns:p14="http://schemas.microsoft.com/office/powerpoint/2010/main" val="185615885"/>
+                <p14:modId xmlns:p14="http://schemas.microsoft.com/office/powerpoint/2010/main" val="2564218958"/>
               </p:ext>
             </p:extLst>
           </p:nvPr>
@@ -6063,7 +6063,7 @@
                     <a:p>
                       <a:r>
                         <a:rPr lang="en-US" sz="1800" dirty="0"/>
-                        <a:t>No content</a:t>
+                        <a:t>No Content</a:t>
                       </a:r>
                       <a:endParaRPr lang="en-US" sz="1800" dirty="0">
                         <a:solidFill>
@@ -6106,7 +6106,7 @@
                     <a:p>
                       <a:r>
                         <a:rPr lang="en-US" sz="1800" dirty="0"/>
-                        <a:t>Moved permanently</a:t>
+                        <a:t>Moved Permanently</a:t>
                       </a:r>
                       <a:endParaRPr lang="en-US" sz="1800" dirty="0">
                         <a:solidFill>
@@ -6149,11 +6149,11 @@
                     <a:p>
                       <a:r>
                         <a:rPr lang="en-US" sz="1800" dirty="0"/>
-                        <a:t>Moved</a:t>
+                        <a:t>Found (aka Moved</a:t>
                       </a:r>
                       <a:r>
                         <a:rPr lang="en-US" sz="1800" baseline="0" dirty="0"/>
-                        <a:t> temporarily </a:t>
+                        <a:t> Temporarily)</a:t>
                       </a:r>
                       <a:endParaRPr lang="en-US" sz="1800" dirty="0">
                         <a:solidFill>
@@ -6217,7 +6217,7 @@
                       </a:r>
                       <a:r>
                         <a:rPr lang="en-US" sz="1800" baseline="0" dirty="0"/>
-                        <a:t> request</a:t>
+                        <a:t> Request</a:t>
                       </a:r>
                       <a:endParaRPr lang="en-US" sz="1800" dirty="0">
                         <a:solidFill>
@@ -6346,7 +6346,7 @@
                     <a:p>
                       <a:r>
                         <a:rPr lang="en-US" sz="1800" dirty="0"/>
-                        <a:t>Not found</a:t>
+                        <a:t>Not Found</a:t>
                       </a:r>
                       <a:endParaRPr lang="en-US" sz="1800" dirty="0">
                         <a:solidFill>
@@ -6432,7 +6432,7 @@
                     <a:p>
                       <a:r>
                         <a:rPr lang="en-US" sz="1800" dirty="0"/>
-                        <a:t>Internal server error </a:t>
+                        <a:t>Internal Server Error </a:t>
                       </a:r>
                       <a:endParaRPr lang="en-US" sz="1800" dirty="0">
                         <a:solidFill>
@@ -6475,7 +6475,7 @@
                     <a:p>
                       <a:r>
                         <a:rPr lang="en-US" sz="1800" dirty="0"/>
-                        <a:t>Not implemented</a:t>
+                        <a:t>Not Implemented</a:t>
                       </a:r>
                       <a:endParaRPr lang="en-US" sz="1800" dirty="0">
                         <a:solidFill>
@@ -6517,12 +6517,12 @@
                     <a:lstStyle/>
                     <a:p>
                       <a:r>
-                        <a:rPr lang="en-US" sz="1800" dirty="0"/>
+                        <a:rPr lang="en-US" sz="1800"/>
                         <a:t>Service</a:t>
                       </a:r>
                       <a:r>
-                        <a:rPr lang="en-US" sz="1800" baseline="0" dirty="0"/>
-                        <a:t> unavailable</a:t>
+                        <a:rPr lang="en-US" sz="1800" baseline="0"/>
+                        <a:t> Unavailable</a:t>
                       </a:r>
                       <a:endParaRPr lang="en-US" sz="1800" dirty="0">
                         <a:solidFill>
@@ -10055,6 +10055,15 @@
 </file>
 
 <file path=customXml/item1.xml><?xml version="1.0" encoding="utf-8"?>
+<?mso-contentType ?>
+<FormTemplates xmlns="http://schemas.microsoft.com/sharepoint/v3/contenttype/forms">
+  <Display>DocumentLibraryForm</Display>
+  <Edit>DocumentLibraryForm</Edit>
+  <New>DocumentLibraryForm</New>
+</FormTemplates>
+</file>
+
+<file path=customXml/item2.xml><?xml version="1.0" encoding="utf-8"?>
 <ct:contentTypeSchema xmlns:ct="http://schemas.microsoft.com/office/2006/metadata/contentType" xmlns:ma="http://schemas.microsoft.com/office/2006/metadata/properties/metaAttributes" ct:_="" ma:_="" ma:contentTypeName="PresentationsDoc" ma:contentTypeID="0x010100B88FC3ECA26D1C46B3C4C83281D2EB9C003BBE479AF4108146A616B6B5E7069DBC" ma:contentTypeVersion="61" ma:contentTypeDescription="" ma:contentTypeScope="" ma:versionID="72533711bacf991a4680f48ae6b725f9">
   <xsd:schema xmlns:xsd="http://www.w3.org/2001/XMLSchema" xmlns:xs="http://www.w3.org/2001/XMLSchema" xmlns:p="http://schemas.microsoft.com/office/2006/metadata/properties" xmlns:ns2="2295e2e7-0eeb-498e-8716-217bb2ee6ee3" xmlns:ns3="8b529f77-48ab-4581-b468-93f09345b8aa" targetNamespace="http://schemas.microsoft.com/office/2006/metadata/properties" ma:root="true" ma:fieldsID="dde17010d50e6e632f300eac8dfd378e" ns2:_="" ns3:_="">
     <xsd:import namespace="2295e2e7-0eeb-498e-8716-217bb2ee6ee3"/>
@@ -10333,15 +10342,6 @@
 </ct:contentTypeSchema>
 </file>
 
-<file path=customXml/item2.xml><?xml version="1.0" encoding="utf-8"?>
-<?mso-contentType ?>
-<FormTemplates xmlns="http://schemas.microsoft.com/sharepoint/v3/contenttype/forms">
-  <Display>DocumentLibraryForm</Display>
-  <Edit>DocumentLibraryForm</Edit>
-  <New>DocumentLibraryForm</New>
-</FormTemplates>
-</file>
-
 <file path=customXml/item3.xml><?xml version="1.0" encoding="utf-8"?>
 <p:properties xmlns:p="http://schemas.microsoft.com/office/2006/metadata/properties" xmlns:xsi="http://www.w3.org/2001/XMLSchema-instance" xmlns:pc="http://schemas.microsoft.com/office/infopath/2007/PartnerControls">
   <documentManagement>
@@ -10398,6 +10398,14 @@
 </file>
 
 <file path=customXml/itemProps1.xml><?xml version="1.0" encoding="utf-8"?>
+<ds:datastoreItem xmlns:ds="http://schemas.openxmlformats.org/officeDocument/2006/customXml" ds:itemID="{758FDAC0-319D-4A54-8D8E-1D42CB1F8004}">
+  <ds:schemaRefs>
+    <ds:schemaRef ds:uri="http://schemas.microsoft.com/sharepoint/v3/contenttype/forms"/>
+  </ds:schemaRefs>
+</ds:datastoreItem>
+</file>
+
+<file path=customXml/itemProps2.xml><?xml version="1.0" encoding="utf-8"?>
 <ds:datastoreItem xmlns:ds="http://schemas.openxmlformats.org/officeDocument/2006/customXml" ds:itemID="{A4A71FB1-3FB8-468F-9C64-2246CB74C7D9}">
   <ds:schemaRefs>
     <ds:schemaRef ds:uri="http://schemas.microsoft.com/office/2006/metadata/contentType"/>
@@ -10412,14 +10420,6 @@
     <ds:schemaRef ds:uri="http://purl.org/dc/elements/1.1/"/>
     <ds:schemaRef ds:uri="http://purl.org/dc/terms/"/>
     <ds:schemaRef ds:uri="http://schemas.microsoft.com/internal/obd"/>
-  </ds:schemaRefs>
-</ds:datastoreItem>
-</file>
-
-<file path=customXml/itemProps2.xml><?xml version="1.0" encoding="utf-8"?>
-<ds:datastoreItem xmlns:ds="http://schemas.openxmlformats.org/officeDocument/2006/customXml" ds:itemID="{758FDAC0-319D-4A54-8D8E-1D42CB1F8004}">
-  <ds:schemaRefs>
-    <ds:schemaRef ds:uri="http://schemas.microsoft.com/sharepoint/v3/contenttype/forms"/>
   </ds:schemaRefs>
 </ds:datastoreItem>
 </file>

--- a/Slides/Lecture07 - JSON and the REST, ASP.NET Core.pptx
+++ b/Slides/Lecture07 - JSON and the REST, ASP.NET Core.pptx
@@ -5,10 +5,10 @@
     <p:sldMasterId id="2147484082" r:id="rId4"/>
   </p:sldMasterIdLst>
   <p:notesMasterIdLst>
-    <p:notesMasterId r:id="rId24"/>
+    <p:notesMasterId r:id="rId27"/>
   </p:notesMasterIdLst>
   <p:handoutMasterIdLst>
-    <p:handoutMasterId r:id="rId25"/>
+    <p:handoutMasterId r:id="rId28"/>
   </p:handoutMasterIdLst>
   <p:sldIdLst>
     <p:sldId id="880" r:id="rId5"/>
@@ -21,15 +21,18 @@
     <p:sldId id="887" r:id="rId12"/>
     <p:sldId id="888" r:id="rId13"/>
     <p:sldId id="889" r:id="rId14"/>
-    <p:sldId id="890" r:id="rId15"/>
-    <p:sldId id="891" r:id="rId16"/>
-    <p:sldId id="892" r:id="rId17"/>
-    <p:sldId id="893" r:id="rId18"/>
-    <p:sldId id="894" r:id="rId19"/>
-    <p:sldId id="900" r:id="rId20"/>
-    <p:sldId id="901" r:id="rId21"/>
-    <p:sldId id="896" r:id="rId22"/>
-    <p:sldId id="899" r:id="rId23"/>
+    <p:sldId id="902" r:id="rId15"/>
+    <p:sldId id="890" r:id="rId16"/>
+    <p:sldId id="903" r:id="rId17"/>
+    <p:sldId id="904" r:id="rId18"/>
+    <p:sldId id="891" r:id="rId19"/>
+    <p:sldId id="892" r:id="rId20"/>
+    <p:sldId id="893" r:id="rId21"/>
+    <p:sldId id="894" r:id="rId22"/>
+    <p:sldId id="900" r:id="rId23"/>
+    <p:sldId id="901" r:id="rId24"/>
+    <p:sldId id="896" r:id="rId25"/>
+    <p:sldId id="899" r:id="rId26"/>
   </p:sldIdLst>
   <p:sldSz cx="9326563" cy="6994525"/>
   <p:notesSz cx="6858000" cy="9144000"/>
@@ -143,7 +146,10 @@
             <p14:sldId id="887"/>
             <p14:sldId id="888"/>
             <p14:sldId id="889"/>
+            <p14:sldId id="902"/>
             <p14:sldId id="890"/>
+            <p14:sldId id="903"/>
+            <p14:sldId id="904"/>
             <p14:sldId id="891"/>
             <p14:sldId id="892"/>
             <p14:sldId id="893"/>
@@ -366,7 +372,7 @@
               <a:rPr lang="en-US" smtClean="0">
                 <a:latin typeface="Segoe UI" pitchFamily="34" charset="0"/>
               </a:rPr>
-              <a:t>10/9/2018</a:t>
+              <a:t>10/12/2018</a:t>
             </a:fld>
             <a:endParaRPr lang="en-US" dirty="0">
               <a:latin typeface="Segoe UI" pitchFamily="34" charset="0"/>
@@ -689,7 +695,7 @@
             <a:fld id="{D51B1278-D92B-4AF3-A9C1-71DD298190CE}" type="datetimeFigureOut">
               <a:rPr lang="en-US" smtClean="0"/>
               <a:pPr/>
-              <a:t>10/9/2018</a:t>
+              <a:t>10/12/2018</a:t>
             </a:fld>
             <a:endParaRPr lang="en-US" dirty="0"/>
           </a:p>
@@ -1191,7 +1197,7 @@
                   <a:spcPct val="0"/>
                 </a:spcAft>
               </a:pPr>
-              <a:t>15</a:t>
+              <a:t>18</a:t>
             </a:fld>
             <a:endParaRPr lang="en-US" altLang="da-DK">
               <a:latin typeface="Calibri" pitchFamily="34" charset="0"/>
@@ -5228,6 +5234,134 @@
       </p:grpSpPr>
       <p:sp>
         <p:nvSpPr>
+          <p:cNvPr id="2" name="Rectangle 1">
+            <a:extLst>
+              <a:ext uri="{FF2B5EF4-FFF2-40B4-BE49-F238E27FC236}">
+                <a16:creationId xmlns:a16="http://schemas.microsoft.com/office/drawing/2014/main" id="{87B4178E-4A54-4412-9E6F-9C18C8309BD5}"/>
+              </a:ext>
+            </a:extLst>
+          </p:cNvPr>
+          <p:cNvSpPr/>
+          <p:nvPr/>
+        </p:nvSpPr>
+        <p:spPr>
+          <a:xfrm>
+            <a:off x="914282" y="4228774"/>
+            <a:ext cx="7496412" cy="646331"/>
+          </a:xfrm>
+          <a:prstGeom prst="rect">
+            <a:avLst/>
+          </a:prstGeom>
+        </p:spPr>
+        <p:txBody>
+          <a:bodyPr wrap="square">
+            <a:spAutoFit/>
+          </a:bodyPr>
+          <a:lstStyle/>
+          <a:p>
+            <a:r>
+              <a:rPr lang="en-US" dirty="0">
+                <a:solidFill>
+                  <a:srgbClr val="00188F"/>
+                </a:solidFill>
+                <a:hlinkClick r:id="rId2">
+                  <a:extLst>
+                    <a:ext uri="{A12FA001-AC4F-418D-AE19-62706E023703}">
+                      <ahyp:hlinkClr xmlns:ahyp="http://schemas.microsoft.com/office/drawing/2018/hyperlinkcolor" val="tx"/>
+                    </a:ext>
+                  </a:extLst>
+                </a:hlinkClick>
+              </a:rPr>
+              <a:t>https://www.ibm.com/support/knowledgecenter/en/SS9H2Y_7.7.0/com.ibm.dp.doc/json_jsonxconversionexample.html</a:t>
+            </a:r>
+            <a:r>
+              <a:rPr lang="en-US" dirty="0">
+                <a:solidFill>
+                  <a:srgbClr val="00188F"/>
+                </a:solidFill>
+              </a:rPr>
+              <a:t> </a:t>
+            </a:r>
+            <a:endParaRPr lang="en-DK" dirty="0">
+              <a:solidFill>
+                <a:srgbClr val="00188F"/>
+              </a:solidFill>
+            </a:endParaRPr>
+          </a:p>
+        </p:txBody>
+      </p:sp>
+      <p:sp>
+        <p:nvSpPr>
+          <p:cNvPr id="4" name="Title 3">
+            <a:extLst>
+              <a:ext uri="{FF2B5EF4-FFF2-40B4-BE49-F238E27FC236}">
+                <a16:creationId xmlns:a16="http://schemas.microsoft.com/office/drawing/2014/main" id="{682026E3-B234-4903-9533-1CB65620B313}"/>
+              </a:ext>
+            </a:extLst>
+          </p:cNvPr>
+          <p:cNvSpPr>
+            <a:spLocks noGrp="1"/>
+          </p:cNvSpPr>
+          <p:nvPr>
+            <p:ph type="title"/>
+          </p:nvPr>
+        </p:nvSpPr>
+        <p:spPr/>
+        <p:txBody>
+          <a:bodyPr/>
+          <a:lstStyle/>
+          <a:p>
+            <a:r>
+              <a:rPr lang="da-DK" dirty="0"/>
+              <a:t>Best of both worlds?</a:t>
+            </a:r>
+            <a:endParaRPr lang="en-DK" dirty="0"/>
+          </a:p>
+        </p:txBody>
+      </p:sp>
+    </p:spTree>
+    <p:extLst>
+      <p:ext uri="{BB962C8B-B14F-4D97-AF65-F5344CB8AC3E}">
+        <p14:creationId xmlns:p14="http://schemas.microsoft.com/office/powerpoint/2010/main" val="3759871167"/>
+      </p:ext>
+    </p:extLst>
+  </p:cSld>
+  <p:clrMapOvr>
+    <a:masterClrMapping/>
+  </p:clrMapOvr>
+  <p:transition>
+    <p:fade/>
+  </p:transition>
+</p:sld>
+</file>
+
+<file path=ppt/slides/slide12.xml><?xml version="1.0" encoding="utf-8"?>
+<p:sld xmlns:a="http://schemas.openxmlformats.org/drawingml/2006/main" xmlns:r="http://schemas.openxmlformats.org/officeDocument/2006/relationships" xmlns:p="http://schemas.openxmlformats.org/presentationml/2006/main">
+  <p:cSld>
+    <p:bg>
+      <p:bgPr>
+        <a:solidFill>
+          <a:srgbClr val="FFC000"/>
+        </a:solidFill>
+        <a:effectLst/>
+      </p:bgPr>
+    </p:bg>
+    <p:spTree>
+      <p:nvGrpSpPr>
+        <p:cNvPr id="1" name=""/>
+        <p:cNvGrpSpPr/>
+        <p:nvPr/>
+      </p:nvGrpSpPr>
+      <p:grpSpPr>
+        <a:xfrm>
+          <a:off x="0" y="0"/>
+          <a:ext cx="0" cy="0"/>
+          <a:chOff x="0" y="0"/>
+          <a:chExt cx="0" cy="0"/>
+        </a:xfrm>
+      </p:grpSpPr>
+      <p:sp>
+        <p:nvSpPr>
           <p:cNvPr id="6146" name="Title 1"/>
           <p:cNvSpPr>
             <a:spLocks noGrp="1"/>
@@ -5242,7 +5376,11 @@
           <a:lstStyle/>
           <a:p>
             <a:r>
-              <a:rPr lang="en-US" altLang="da-DK" dirty="0"/>
+              <a:rPr lang="en-US" altLang="da-DK" dirty="0">
+                <a:solidFill>
+                  <a:schemeClr val="bg1"/>
+                </a:solidFill>
+              </a:rPr>
               <a:t>REST</a:t>
             </a:r>
           </a:p>
@@ -5277,39 +5415,70 @@
             </a:pPr>
             <a:r>
               <a:rPr lang="en-US" sz="4800" dirty="0" err="1">
-                <a:gradFill>
-                  <a:gsLst>
-                    <a:gs pos="2917">
-                      <a:schemeClr val="tx1"/>
-                    </a:gs>
-                    <a:gs pos="30000">
-                      <a:schemeClr val="tx1"/>
-                    </a:gs>
-                  </a:gsLst>
-                  <a:lin ang="5400000" scaled="0"/>
-                </a:gradFill>
+                <a:solidFill>
+                  <a:schemeClr val="bg1"/>
+                </a:solidFill>
               </a:rPr>
               <a:t>REpresentational</a:t>
             </a:r>
             <a:r>
               <a:rPr lang="en-US" sz="4800" dirty="0">
-                <a:gradFill>
-                  <a:gsLst>
-                    <a:gs pos="2917">
-                      <a:schemeClr val="tx1"/>
-                    </a:gs>
-                    <a:gs pos="30000">
-                      <a:schemeClr val="tx1"/>
-                    </a:gs>
-                  </a:gsLst>
-                  <a:lin ang="5400000" scaled="0"/>
-                </a:gradFill>
+                <a:solidFill>
+                  <a:schemeClr val="bg1"/>
+                </a:solidFill>
               </a:rPr>
               <a:t> State Transfer</a:t>
             </a:r>
           </a:p>
         </p:txBody>
       </p:sp>
+      <p:pic>
+        <p:nvPicPr>
+          <p:cNvPr id="1026" name="Picture 2" descr="File:HTTP logo.svg">
+            <a:extLst>
+              <a:ext uri="{FF2B5EF4-FFF2-40B4-BE49-F238E27FC236}">
+                <a16:creationId xmlns:a16="http://schemas.microsoft.com/office/drawing/2014/main" id="{AE371154-2EBC-4120-88A1-BFA100460563}"/>
+              </a:ext>
+            </a:extLst>
+          </p:cNvPr>
+          <p:cNvPicPr>
+            <a:picLocks noChangeAspect="1" noChangeArrowheads="1"/>
+          </p:cNvPicPr>
+          <p:nvPr/>
+        </p:nvPicPr>
+        <p:blipFill>
+          <a:blip r:embed="rId2">
+            <a:extLst>
+              <a:ext uri="{28A0092B-C50C-407E-A947-70E740481C1C}">
+                <a14:useLocalDpi xmlns:a14="http://schemas.microsoft.com/office/drawing/2010/main" val="0"/>
+              </a:ext>
+            </a:extLst>
+          </a:blip>
+          <a:srcRect/>
+          <a:stretch>
+            <a:fillRect/>
+          </a:stretch>
+        </p:blipFill>
+        <p:spPr bwMode="auto">
+          <a:xfrm>
+            <a:off x="955054" y="1577044"/>
+            <a:ext cx="7414868" cy="3840438"/>
+          </a:xfrm>
+          <a:prstGeom prst="rect">
+            <a:avLst/>
+          </a:prstGeom>
+          <a:noFill/>
+          <a:extLst>
+            <a:ext uri="{909E8E84-426E-40DD-AFC4-6F175D3DCCD1}">
+              <a14:hiddenFill xmlns:a14="http://schemas.microsoft.com/office/drawing/2010/main">
+                <a:solidFill>
+                  <a:srgbClr val="FFFFFF"/>
+                </a:solidFill>
+              </a14:hiddenFill>
+            </a:ext>
+          </a:extLst>
+        </p:spPr>
+      </p:pic>
     </p:spTree>
     <p:extLst>
       <p:ext uri="{BB962C8B-B14F-4D97-AF65-F5344CB8AC3E}">
@@ -5323,10 +5492,409 @@
   <p:transition>
     <p:fade/>
   </p:transition>
+  <p:timing>
+    <p:tnLst>
+      <p:par>
+        <p:cTn id="1" dur="indefinite" restart="never" nodeType="tmRoot">
+          <p:childTnLst>
+            <p:seq concurrent="1" nextAc="seek">
+              <p:cTn id="2" dur="indefinite" nodeType="mainSeq">
+                <p:childTnLst>
+                  <p:par>
+                    <p:cTn id="3" fill="hold">
+                      <p:stCondLst>
+                        <p:cond delay="indefinite"/>
+                      </p:stCondLst>
+                      <p:childTnLst>
+                        <p:par>
+                          <p:cTn id="4" fill="hold">
+                            <p:stCondLst>
+                              <p:cond delay="0"/>
+                            </p:stCondLst>
+                            <p:childTnLst>
+                              <p:par>
+                                <p:cTn id="5" presetID="1" presetClass="entr" presetSubtype="0" fill="hold" nodeType="clickEffect">
+                                  <p:stCondLst>
+                                    <p:cond delay="0"/>
+                                  </p:stCondLst>
+                                  <p:childTnLst>
+                                    <p:set>
+                                      <p:cBhvr>
+                                        <p:cTn id="6" dur="1" fill="hold">
+                                          <p:stCondLst>
+                                            <p:cond delay="0"/>
+                                          </p:stCondLst>
+                                        </p:cTn>
+                                        <p:tgtEl>
+                                          <p:spTgt spid="1026"/>
+                                        </p:tgtEl>
+                                        <p:attrNameLst>
+                                          <p:attrName>style.visibility</p:attrName>
+                                        </p:attrNameLst>
+                                      </p:cBhvr>
+                                      <p:to>
+                                        <p:strVal val="visible"/>
+                                      </p:to>
+                                    </p:set>
+                                  </p:childTnLst>
+                                </p:cTn>
+                              </p:par>
+                            </p:childTnLst>
+                          </p:cTn>
+                        </p:par>
+                      </p:childTnLst>
+                    </p:cTn>
+                  </p:par>
+                </p:childTnLst>
+              </p:cTn>
+              <p:prevCondLst>
+                <p:cond evt="onPrev" delay="0">
+                  <p:tgtEl>
+                    <p:sldTgt/>
+                  </p:tgtEl>
+                </p:cond>
+              </p:prevCondLst>
+              <p:nextCondLst>
+                <p:cond evt="onNext" delay="0">
+                  <p:tgtEl>
+                    <p:sldTgt/>
+                  </p:tgtEl>
+                </p:cond>
+              </p:nextCondLst>
+            </p:seq>
+          </p:childTnLst>
+        </p:cTn>
+      </p:par>
+    </p:tnLst>
+  </p:timing>
 </p:sld>
 </file>
 
-<file path=ppt/slides/slide12.xml><?xml version="1.0" encoding="utf-8"?>
+<file path=ppt/slides/slide13.xml><?xml version="1.0" encoding="utf-8"?>
+<p:sld xmlns:a="http://schemas.openxmlformats.org/drawingml/2006/main" xmlns:r="http://schemas.openxmlformats.org/officeDocument/2006/relationships" xmlns:p="http://schemas.openxmlformats.org/presentationml/2006/main">
+  <p:cSld>
+    <p:bg>
+      <p:bgPr>
+        <a:solidFill>
+          <a:srgbClr val="00B0F0"/>
+        </a:solidFill>
+        <a:effectLst/>
+      </p:bgPr>
+    </p:bg>
+    <p:spTree>
+      <p:nvGrpSpPr>
+        <p:cNvPr id="1" name=""/>
+        <p:cNvGrpSpPr/>
+        <p:nvPr/>
+      </p:nvGrpSpPr>
+      <p:grpSpPr>
+        <a:xfrm>
+          <a:off x="0" y="0"/>
+          <a:ext cx="0" cy="0"/>
+          <a:chOff x="0" y="0"/>
+          <a:chExt cx="0" cy="0"/>
+        </a:xfrm>
+      </p:grpSpPr>
+      <p:sp>
+        <p:nvSpPr>
+          <p:cNvPr id="4" name="Title 3">
+            <a:extLst>
+              <a:ext uri="{FF2B5EF4-FFF2-40B4-BE49-F238E27FC236}">
+                <a16:creationId xmlns:a16="http://schemas.microsoft.com/office/drawing/2014/main" id="{02B24E04-9911-45C9-B881-E091D28DA4D2}"/>
+              </a:ext>
+            </a:extLst>
+          </p:cNvPr>
+          <p:cNvSpPr>
+            <a:spLocks noGrp="1"/>
+          </p:cNvSpPr>
+          <p:nvPr>
+            <p:ph type="title"/>
+          </p:nvPr>
+        </p:nvSpPr>
+        <p:spPr/>
+        <p:txBody>
+          <a:bodyPr/>
+          <a:lstStyle/>
+          <a:p>
+            <a:r>
+              <a:rPr lang="da-DK" dirty="0"/>
+              <a:t>HTTP Request</a:t>
+            </a:r>
+            <a:endParaRPr lang="en-DK" dirty="0"/>
+          </a:p>
+        </p:txBody>
+      </p:sp>
+      <p:sp>
+        <p:nvSpPr>
+          <p:cNvPr id="5" name="Text Placeholder 4">
+            <a:extLst>
+              <a:ext uri="{FF2B5EF4-FFF2-40B4-BE49-F238E27FC236}">
+                <a16:creationId xmlns:a16="http://schemas.microsoft.com/office/drawing/2014/main" id="{441F480F-D968-4FD2-8E55-CF3CBE2586C7}"/>
+              </a:ext>
+            </a:extLst>
+          </p:cNvPr>
+          <p:cNvSpPr>
+            <a:spLocks noGrp="1"/>
+          </p:cNvSpPr>
+          <p:nvPr>
+            <p:ph type="body" sz="quarter" idx="10"/>
+          </p:nvPr>
+        </p:nvSpPr>
+        <p:spPr>
+          <a:xfrm>
+            <a:off x="274209" y="1212850"/>
+            <a:ext cx="8778240" cy="3287054"/>
+          </a:xfrm>
+        </p:spPr>
+        <p:txBody>
+          <a:bodyPr/>
+          <a:lstStyle/>
+          <a:p>
+            <a:r>
+              <a:rPr lang="da-DK" sz="4800" b="1" dirty="0">
+                <a:latin typeface="+mn-lt"/>
+              </a:rPr>
+              <a:t>URI</a:t>
+            </a:r>
+            <a:r>
+              <a:rPr lang="da-DK" sz="4800" dirty="0">
+                <a:latin typeface="+mn-lt"/>
+              </a:rPr>
+              <a:t>: string</a:t>
+            </a:r>
+          </a:p>
+          <a:p>
+            <a:r>
+              <a:rPr lang="da-DK" sz="4800" b="1" dirty="0">
+                <a:latin typeface="+mn-lt"/>
+              </a:rPr>
+              <a:t>Method</a:t>
+            </a:r>
+            <a:r>
+              <a:rPr lang="da-DK" sz="4800" dirty="0">
+                <a:latin typeface="+mn-lt"/>
+              </a:rPr>
+              <a:t>: string</a:t>
+            </a:r>
+          </a:p>
+          <a:p>
+            <a:r>
+              <a:rPr lang="da-DK" sz="4800" b="1" dirty="0">
+                <a:latin typeface="+mn-lt"/>
+              </a:rPr>
+              <a:t>Header</a:t>
+            </a:r>
+            <a:r>
+              <a:rPr lang="da-DK" sz="4800" dirty="0">
+                <a:latin typeface="+mn-lt"/>
+              </a:rPr>
+              <a:t>: key/value pairs</a:t>
+            </a:r>
+          </a:p>
+          <a:p>
+            <a:r>
+              <a:rPr lang="da-DK" sz="4800" b="1" dirty="0">
+                <a:latin typeface="+mn-lt"/>
+              </a:rPr>
+              <a:t>Body</a:t>
+            </a:r>
+            <a:r>
+              <a:rPr lang="da-DK" sz="4800" dirty="0">
+                <a:latin typeface="+mn-lt"/>
+              </a:rPr>
+              <a:t>: string/binary</a:t>
+            </a:r>
+          </a:p>
+        </p:txBody>
+      </p:sp>
+    </p:spTree>
+    <p:extLst>
+      <p:ext uri="{BB962C8B-B14F-4D97-AF65-F5344CB8AC3E}">
+        <p14:creationId xmlns:p14="http://schemas.microsoft.com/office/powerpoint/2010/main" val="388280341"/>
+      </p:ext>
+    </p:extLst>
+  </p:cSld>
+  <p:clrMapOvr>
+    <a:masterClrMapping/>
+  </p:clrMapOvr>
+  <p:transition>
+    <p:fade/>
+  </p:transition>
+</p:sld>
+</file>
+
+<file path=ppt/slides/slide14.xml><?xml version="1.0" encoding="utf-8"?>
+<p:sld xmlns:a="http://schemas.openxmlformats.org/drawingml/2006/main" xmlns:r="http://schemas.openxmlformats.org/officeDocument/2006/relationships" xmlns:p="http://schemas.openxmlformats.org/presentationml/2006/main">
+  <p:cSld>
+    <p:bg>
+      <p:bgPr>
+        <a:solidFill>
+          <a:srgbClr val="442359"/>
+        </a:solidFill>
+        <a:effectLst/>
+      </p:bgPr>
+    </p:bg>
+    <p:spTree>
+      <p:nvGrpSpPr>
+        <p:cNvPr id="1" name=""/>
+        <p:cNvGrpSpPr/>
+        <p:nvPr/>
+      </p:nvGrpSpPr>
+      <p:grpSpPr>
+        <a:xfrm>
+          <a:off x="0" y="0"/>
+          <a:ext cx="0" cy="0"/>
+          <a:chOff x="0" y="0"/>
+          <a:chExt cx="0" cy="0"/>
+        </a:xfrm>
+      </p:grpSpPr>
+      <p:sp>
+        <p:nvSpPr>
+          <p:cNvPr id="2" name="Title 1">
+            <a:extLst>
+              <a:ext uri="{FF2B5EF4-FFF2-40B4-BE49-F238E27FC236}">
+                <a16:creationId xmlns:a16="http://schemas.microsoft.com/office/drawing/2014/main" id="{3BD70115-F264-447A-A65C-92FDCB80FA90}"/>
+              </a:ext>
+            </a:extLst>
+          </p:cNvPr>
+          <p:cNvSpPr>
+            <a:spLocks noGrp="1"/>
+          </p:cNvSpPr>
+          <p:nvPr>
+            <p:ph type="title"/>
+          </p:nvPr>
+        </p:nvSpPr>
+        <p:spPr/>
+        <p:txBody>
+          <a:bodyPr/>
+          <a:lstStyle/>
+          <a:p>
+            <a:r>
+              <a:rPr lang="da-DK" dirty="0">
+                <a:solidFill>
+                  <a:schemeClr val="bg1"/>
+                </a:solidFill>
+              </a:rPr>
+              <a:t>HTTP Response</a:t>
+            </a:r>
+            <a:endParaRPr lang="en-DK" dirty="0">
+              <a:solidFill>
+                <a:schemeClr val="bg1"/>
+              </a:solidFill>
+            </a:endParaRPr>
+          </a:p>
+        </p:txBody>
+      </p:sp>
+      <p:sp>
+        <p:nvSpPr>
+          <p:cNvPr id="3" name="Text Placeholder 2">
+            <a:extLst>
+              <a:ext uri="{FF2B5EF4-FFF2-40B4-BE49-F238E27FC236}">
+                <a16:creationId xmlns:a16="http://schemas.microsoft.com/office/drawing/2014/main" id="{BDB807B1-2D1E-4A38-B814-BED6BD888051}"/>
+              </a:ext>
+            </a:extLst>
+          </p:cNvPr>
+          <p:cNvSpPr>
+            <a:spLocks noGrp="1"/>
+          </p:cNvSpPr>
+          <p:nvPr>
+            <p:ph type="body" sz="quarter" idx="10"/>
+          </p:nvPr>
+        </p:nvSpPr>
+        <p:spPr>
+          <a:xfrm>
+            <a:off x="274209" y="1212850"/>
+            <a:ext cx="8778240" cy="2474524"/>
+          </a:xfrm>
+        </p:spPr>
+        <p:txBody>
+          <a:bodyPr/>
+          <a:lstStyle/>
+          <a:p>
+            <a:r>
+              <a:rPr lang="da-DK" sz="4800" b="1" dirty="0">
+                <a:solidFill>
+                  <a:schemeClr val="bg1"/>
+                </a:solidFill>
+                <a:latin typeface="+mn-lt"/>
+              </a:rPr>
+              <a:t>Status-Code</a:t>
+            </a:r>
+            <a:r>
+              <a:rPr lang="da-DK" sz="4800" dirty="0">
+                <a:solidFill>
+                  <a:schemeClr val="bg1"/>
+                </a:solidFill>
+                <a:latin typeface="+mn-lt"/>
+              </a:rPr>
+              <a:t>: number</a:t>
+            </a:r>
+          </a:p>
+          <a:p>
+            <a:r>
+              <a:rPr lang="da-DK" sz="4800" b="1" dirty="0">
+                <a:solidFill>
+                  <a:schemeClr val="bg1"/>
+                </a:solidFill>
+                <a:latin typeface="+mn-lt"/>
+              </a:rPr>
+              <a:t>Header</a:t>
+            </a:r>
+            <a:r>
+              <a:rPr lang="da-DK" sz="4800" dirty="0">
+                <a:solidFill>
+                  <a:schemeClr val="bg1"/>
+                </a:solidFill>
+                <a:latin typeface="+mn-lt"/>
+              </a:rPr>
+              <a:t>: key/value pairs</a:t>
+            </a:r>
+          </a:p>
+          <a:p>
+            <a:r>
+              <a:rPr lang="da-DK" sz="4800" b="1" dirty="0">
+                <a:solidFill>
+                  <a:schemeClr val="bg1"/>
+                </a:solidFill>
+                <a:latin typeface="+mn-lt"/>
+              </a:rPr>
+              <a:t>Body</a:t>
+            </a:r>
+            <a:r>
+              <a:rPr lang="da-DK" sz="4800" dirty="0">
+                <a:solidFill>
+                  <a:schemeClr val="bg1"/>
+                </a:solidFill>
+                <a:latin typeface="+mn-lt"/>
+              </a:rPr>
+              <a:t>: string/binary</a:t>
+            </a:r>
+            <a:endParaRPr lang="en-DK" sz="4800" dirty="0">
+              <a:solidFill>
+                <a:schemeClr val="bg1"/>
+              </a:solidFill>
+              <a:latin typeface="+mn-lt"/>
+            </a:endParaRPr>
+          </a:p>
+        </p:txBody>
+      </p:sp>
+    </p:spTree>
+    <p:extLst>
+      <p:ext uri="{BB962C8B-B14F-4D97-AF65-F5344CB8AC3E}">
+        <p14:creationId xmlns:p14="http://schemas.microsoft.com/office/powerpoint/2010/main" val="643765677"/>
+      </p:ext>
+    </p:extLst>
+  </p:cSld>
+  <p:clrMapOvr>
+    <a:masterClrMapping/>
+  </p:clrMapOvr>
+  <p:transition>
+    <p:fade/>
+  </p:transition>
+</p:sld>
+</file>
+
+<file path=ppt/slides/slide15.xml><?xml version="1.0" encoding="utf-8"?>
 <p:sld xmlns:a="http://schemas.openxmlformats.org/drawingml/2006/main" xmlns:r="http://schemas.openxmlformats.org/officeDocument/2006/relationships" xmlns:p="http://schemas.openxmlformats.org/presentationml/2006/main">
   <p:cSld>
     <p:bg>
@@ -5735,7 +6303,7 @@
 </p:sld>
 </file>
 
-<file path=ppt/slides/slide13.xml><?xml version="1.0" encoding="utf-8"?>
+<file path=ppt/slides/slide16.xml><?xml version="1.0" encoding="utf-8"?>
 <p:sld xmlns:a="http://schemas.openxmlformats.org/drawingml/2006/main" xmlns:r="http://schemas.openxmlformats.org/officeDocument/2006/relationships" xmlns:p="http://schemas.openxmlformats.org/presentationml/2006/main">
   <p:cSld>
     <p:bg>
@@ -6559,7 +7127,7 @@
 </p:sld>
 </file>
 
-<file path=ppt/slides/slide14.xml><?xml version="1.0" encoding="utf-8"?>
+<file path=ppt/slides/slide17.xml><?xml version="1.0" encoding="utf-8"?>
 <p:sld xmlns:a="http://schemas.openxmlformats.org/drawingml/2006/main" xmlns:r="http://schemas.openxmlformats.org/officeDocument/2006/relationships" xmlns:p="http://schemas.openxmlformats.org/presentationml/2006/main">
   <p:cSld>
     <p:spTree>
@@ -7069,7 +7637,7 @@
 </p:sld>
 </file>
 
-<file path=ppt/slides/slide15.xml><?xml version="1.0" encoding="utf-8"?>
+<file path=ppt/slides/slide18.xml><?xml version="1.0" encoding="utf-8"?>
 <p:sld xmlns:a="http://schemas.openxmlformats.org/drawingml/2006/main" xmlns:r="http://schemas.openxmlformats.org/officeDocument/2006/relationships" xmlns:p="http://schemas.openxmlformats.org/presentationml/2006/main">
   <p:cSld>
     <p:spTree>
@@ -7189,7 +7757,7 @@
 </p:sld>
 </file>
 
-<file path=ppt/slides/slide16.xml><?xml version="1.0" encoding="utf-8"?>
+<file path=ppt/slides/slide19.xml><?xml version="1.0" encoding="utf-8"?>
 <p:sld xmlns:a="http://schemas.openxmlformats.org/drawingml/2006/main" xmlns:r="http://schemas.openxmlformats.org/officeDocument/2006/relationships" xmlns:p="http://schemas.openxmlformats.org/presentationml/2006/main">
   <p:cSld>
     <p:bg>
@@ -7366,351 +7934,6 @@
     <p:extLst>
       <p:ext uri="{BB962C8B-B14F-4D97-AF65-F5344CB8AC3E}">
         <p14:creationId xmlns:p14="http://schemas.microsoft.com/office/powerpoint/2010/main" val="2406671186"/>
-      </p:ext>
-    </p:extLst>
-  </p:cSld>
-  <p:clrMapOvr>
-    <a:masterClrMapping/>
-  </p:clrMapOvr>
-  <p:transition>
-    <p:fade/>
-  </p:transition>
-</p:sld>
-</file>
-
-<file path=ppt/slides/slide17.xml><?xml version="1.0" encoding="utf-8"?>
-<p:sld xmlns:a="http://schemas.openxmlformats.org/drawingml/2006/main" xmlns:r="http://schemas.openxmlformats.org/officeDocument/2006/relationships" xmlns:p="http://schemas.openxmlformats.org/presentationml/2006/main">
-  <p:cSld>
-    <p:bg>
-      <p:bgPr>
-        <a:solidFill>
-          <a:srgbClr val="FFC000"/>
-        </a:solidFill>
-        <a:effectLst/>
-      </p:bgPr>
-    </p:bg>
-    <p:spTree>
-      <p:nvGrpSpPr>
-        <p:cNvPr id="1" name=""/>
-        <p:cNvGrpSpPr/>
-        <p:nvPr/>
-      </p:nvGrpSpPr>
-      <p:grpSpPr>
-        <a:xfrm>
-          <a:off x="0" y="0"/>
-          <a:ext cx="0" cy="0"/>
-          <a:chOff x="0" y="0"/>
-          <a:chExt cx="0" cy="0"/>
-        </a:xfrm>
-      </p:grpSpPr>
-      <p:sp>
-        <p:nvSpPr>
-          <p:cNvPr id="2" name="Title 1">
-            <a:extLst>
-              <a:ext uri="{FF2B5EF4-FFF2-40B4-BE49-F238E27FC236}">
-                <a16:creationId xmlns:a16="http://schemas.microsoft.com/office/drawing/2014/main" id="{3BD70115-F264-447A-A65C-92FDCB80FA90}"/>
-              </a:ext>
-            </a:extLst>
-          </p:cNvPr>
-          <p:cNvSpPr>
-            <a:spLocks noGrp="1"/>
-          </p:cNvSpPr>
-          <p:nvPr>
-            <p:ph type="title"/>
-          </p:nvPr>
-        </p:nvSpPr>
-        <p:spPr/>
-        <p:txBody>
-          <a:bodyPr/>
-          <a:lstStyle/>
-          <a:p>
-            <a:r>
-              <a:rPr lang="da-DK" dirty="0"/>
-              <a:t>HTTP Response</a:t>
-            </a:r>
-            <a:endParaRPr lang="en-DK" dirty="0"/>
-          </a:p>
-        </p:txBody>
-      </p:sp>
-      <p:sp>
-        <p:nvSpPr>
-          <p:cNvPr id="3" name="Text Placeholder 2">
-            <a:extLst>
-              <a:ext uri="{FF2B5EF4-FFF2-40B4-BE49-F238E27FC236}">
-                <a16:creationId xmlns:a16="http://schemas.microsoft.com/office/drawing/2014/main" id="{BDB807B1-2D1E-4A38-B814-BED6BD888051}"/>
-              </a:ext>
-            </a:extLst>
-          </p:cNvPr>
-          <p:cNvSpPr>
-            <a:spLocks noGrp="1"/>
-          </p:cNvSpPr>
-          <p:nvPr>
-            <p:ph type="body" sz="quarter" idx="10"/>
-          </p:nvPr>
-        </p:nvSpPr>
-        <p:spPr>
-          <a:xfrm>
-            <a:off x="274209" y="1212850"/>
-            <a:ext cx="8778240" cy="5678478"/>
-          </a:xfrm>
-        </p:spPr>
-        <p:txBody>
-          <a:bodyPr/>
-          <a:lstStyle/>
-          <a:p>
-            <a:r>
-              <a:rPr lang="da-DK" sz="3000" b="1" dirty="0"/>
-              <a:t>Status-Code</a:t>
-            </a:r>
-            <a:r>
-              <a:rPr lang="da-DK" sz="3000" dirty="0"/>
-              <a:t>: 201</a:t>
-            </a:r>
-          </a:p>
-          <a:p>
-            <a:r>
-              <a:rPr lang="da-DK" sz="3000" b="1" dirty="0"/>
-              <a:t>Header</a:t>
-            </a:r>
-            <a:r>
-              <a:rPr lang="da-DK" sz="3000" dirty="0"/>
-              <a:t>:</a:t>
-            </a:r>
-          </a:p>
-          <a:p>
-            <a:r>
-              <a:rPr lang="da-DK" sz="3000" dirty="0"/>
-              <a:t>     Content-Type: application/json; charset=utf-8</a:t>
-            </a:r>
-          </a:p>
-          <a:p>
-            <a:r>
-              <a:rPr lang="da-DK" sz="3000" dirty="0"/>
-              <a:t>     Location: </a:t>
-            </a:r>
-            <a:r>
-              <a:rPr lang="da-DK" sz="3000" dirty="0">
-                <a:hlinkClick r:id="rId2"/>
-              </a:rPr>
-              <a:t>https://futurama.com/api/characters/42</a:t>
-            </a:r>
-            <a:endParaRPr lang="da-DK" sz="3000" dirty="0"/>
-          </a:p>
-          <a:p>
-            <a:r>
-              <a:rPr lang="da-DK" sz="3000" b="1" dirty="0"/>
-              <a:t>Body</a:t>
-            </a:r>
-            <a:r>
-              <a:rPr lang="da-DK" sz="3000" dirty="0"/>
-              <a:t>:</a:t>
-            </a:r>
-          </a:p>
-          <a:p>
-            <a:r>
-              <a:rPr lang="da-DK" sz="3000" dirty="0"/>
-              <a:t>    { </a:t>
-            </a:r>
-          </a:p>
-          <a:p>
-            <a:r>
-              <a:rPr lang="da-DK" sz="3000" dirty="0"/>
-              <a:t>        "id": 42,</a:t>
-            </a:r>
-          </a:p>
-          <a:p>
-            <a:r>
-              <a:rPr lang="da-DK" sz="3000" dirty="0"/>
-              <a:t>        "name": "Bender", </a:t>
-            </a:r>
-          </a:p>
-          <a:p>
-            <a:r>
-              <a:rPr lang="da-DK" sz="3000" dirty="0"/>
-              <a:t>        "species": "Robot", </a:t>
-            </a:r>
-          </a:p>
-          <a:p>
-            <a:r>
-              <a:rPr lang="da-DK" sz="3000" dirty="0"/>
-              <a:t>        "planet": "Earth" </a:t>
-            </a:r>
-          </a:p>
-          <a:p>
-            <a:r>
-              <a:rPr lang="da-DK" sz="3000" dirty="0"/>
-              <a:t>    }</a:t>
-            </a:r>
-            <a:endParaRPr lang="en-DK" sz="3000" dirty="0"/>
-          </a:p>
-        </p:txBody>
-      </p:sp>
-    </p:spTree>
-    <p:extLst>
-      <p:ext uri="{BB962C8B-B14F-4D97-AF65-F5344CB8AC3E}">
-        <p14:creationId xmlns:p14="http://schemas.microsoft.com/office/powerpoint/2010/main" val="2493225683"/>
-      </p:ext>
-    </p:extLst>
-  </p:cSld>
-  <p:clrMapOvr>
-    <a:masterClrMapping/>
-  </p:clrMapOvr>
-  <p:transition>
-    <p:fade/>
-  </p:transition>
-</p:sld>
-</file>
-
-<file path=ppt/slides/slide18.xml><?xml version="1.0" encoding="utf-8"?>
-<p:sld xmlns:a="http://schemas.openxmlformats.org/drawingml/2006/main" xmlns:r="http://schemas.openxmlformats.org/officeDocument/2006/relationships" xmlns:p="http://schemas.openxmlformats.org/presentationml/2006/main">
-  <p:cSld>
-    <p:bg>
-      <p:bgPr>
-        <a:solidFill>
-          <a:srgbClr val="505050"/>
-        </a:solidFill>
-        <a:effectLst/>
-      </p:bgPr>
-    </p:bg>
-    <p:spTree>
-      <p:nvGrpSpPr>
-        <p:cNvPr id="1" name=""/>
-        <p:cNvGrpSpPr/>
-        <p:nvPr/>
-      </p:nvGrpSpPr>
-      <p:grpSpPr>
-        <a:xfrm>
-          <a:off x="0" y="0"/>
-          <a:ext cx="0" cy="0"/>
-          <a:chOff x="0" y="0"/>
-          <a:chExt cx="0" cy="0"/>
-        </a:xfrm>
-      </p:grpSpPr>
-      <p:sp>
-        <p:nvSpPr>
-          <p:cNvPr id="2" name="Title 1"/>
-          <p:cNvSpPr>
-            <a:spLocks noGrp="1"/>
-          </p:cNvSpPr>
-          <p:nvPr>
-            <p:ph type="title"/>
-          </p:nvPr>
-        </p:nvSpPr>
-        <p:spPr/>
-        <p:txBody>
-          <a:bodyPr/>
-          <a:lstStyle/>
-          <a:p>
-            <a:r>
-              <a:rPr lang="da-DK" dirty="0">
-                <a:solidFill>
-                  <a:schemeClr val="bg1"/>
-                </a:solidFill>
-              </a:rPr>
-              <a:t>ASP.NET Core</a:t>
-            </a:r>
-          </a:p>
-        </p:txBody>
-      </p:sp>
-      <p:sp>
-        <p:nvSpPr>
-          <p:cNvPr id="4" name="Rectangle 3"/>
-          <p:cNvSpPr/>
-          <p:nvPr/>
-        </p:nvSpPr>
-        <p:spPr>
-          <a:xfrm>
-            <a:off x="485407" y="2835543"/>
-            <a:ext cx="6720109" cy="1200329"/>
-          </a:xfrm>
-          <a:prstGeom prst="rect">
-            <a:avLst/>
-          </a:prstGeom>
-        </p:spPr>
-        <p:txBody>
-          <a:bodyPr wrap="none">
-            <a:spAutoFit/>
-          </a:bodyPr>
-          <a:lstStyle/>
-          <a:p>
-            <a:r>
-              <a:rPr lang="da-DK" sz="7200" dirty="0">
-                <a:hlinkClick r:id="rId2"/>
-              </a:rPr>
-              <a:t>https://asp.net/</a:t>
-            </a:r>
-            <a:r>
-              <a:rPr lang="da-DK" sz="7200" dirty="0"/>
-              <a:t> </a:t>
-            </a:r>
-          </a:p>
-        </p:txBody>
-      </p:sp>
-    </p:spTree>
-    <p:extLst>
-      <p:ext uri="{BB962C8B-B14F-4D97-AF65-F5344CB8AC3E}">
-        <p14:creationId xmlns:p14="http://schemas.microsoft.com/office/powerpoint/2010/main" val="2331886963"/>
-      </p:ext>
-    </p:extLst>
-  </p:cSld>
-  <p:clrMapOvr>
-    <a:masterClrMapping/>
-  </p:clrMapOvr>
-  <p:transition>
-    <p:fade/>
-  </p:transition>
-</p:sld>
-</file>
-
-<file path=ppt/slides/slide19.xml><?xml version="1.0" encoding="utf-8"?>
-<p:sld xmlns:a="http://schemas.openxmlformats.org/drawingml/2006/main" xmlns:r="http://schemas.openxmlformats.org/officeDocument/2006/relationships" xmlns:p="http://schemas.openxmlformats.org/presentationml/2006/main">
-  <p:cSld>
-    <p:spTree>
-      <p:nvGrpSpPr>
-        <p:cNvPr id="1" name=""/>
-        <p:cNvGrpSpPr/>
-        <p:nvPr/>
-      </p:nvGrpSpPr>
-      <p:grpSpPr>
-        <a:xfrm>
-          <a:off x="0" y="0"/>
-          <a:ext cx="0" cy="0"/>
-          <a:chOff x="0" y="0"/>
-          <a:chExt cx="0" cy="0"/>
-        </a:xfrm>
-      </p:grpSpPr>
-      <p:sp>
-        <p:nvSpPr>
-          <p:cNvPr id="2" name="Rectangle 1"/>
-          <p:cNvSpPr/>
-          <p:nvPr/>
-        </p:nvSpPr>
-        <p:spPr>
-          <a:xfrm>
-            <a:off x="485407" y="2835543"/>
-            <a:ext cx="2651688" cy="1200329"/>
-          </a:xfrm>
-          <a:prstGeom prst="rect">
-            <a:avLst/>
-          </a:prstGeom>
-        </p:spPr>
-        <p:txBody>
-          <a:bodyPr wrap="none">
-            <a:spAutoFit/>
-          </a:bodyPr>
-          <a:lstStyle/>
-          <a:p>
-            <a:r>
-              <a:rPr lang="da-DK" sz="7200" dirty="0"/>
-              <a:t>Demo</a:t>
-            </a:r>
-          </a:p>
-        </p:txBody>
-      </p:sp>
-    </p:spTree>
-    <p:extLst>
-      <p:ext uri="{BB962C8B-B14F-4D97-AF65-F5344CB8AC3E}">
-        <p14:creationId xmlns:p14="http://schemas.microsoft.com/office/powerpoint/2010/main" val="3978166468"/>
       </p:ext>
     </p:extLst>
   </p:cSld>
@@ -7881,6 +8104,351 @@
     <p:extLst>
       <p:ext uri="{BB962C8B-B14F-4D97-AF65-F5344CB8AC3E}">
         <p14:creationId xmlns:p14="http://schemas.microsoft.com/office/powerpoint/2010/main" val="382601521"/>
+      </p:ext>
+    </p:extLst>
+  </p:cSld>
+  <p:clrMapOvr>
+    <a:masterClrMapping/>
+  </p:clrMapOvr>
+  <p:transition>
+    <p:fade/>
+  </p:transition>
+</p:sld>
+</file>
+
+<file path=ppt/slides/slide20.xml><?xml version="1.0" encoding="utf-8"?>
+<p:sld xmlns:a="http://schemas.openxmlformats.org/drawingml/2006/main" xmlns:r="http://schemas.openxmlformats.org/officeDocument/2006/relationships" xmlns:p="http://schemas.openxmlformats.org/presentationml/2006/main">
+  <p:cSld>
+    <p:bg>
+      <p:bgPr>
+        <a:solidFill>
+          <a:srgbClr val="FFC000"/>
+        </a:solidFill>
+        <a:effectLst/>
+      </p:bgPr>
+    </p:bg>
+    <p:spTree>
+      <p:nvGrpSpPr>
+        <p:cNvPr id="1" name=""/>
+        <p:cNvGrpSpPr/>
+        <p:nvPr/>
+      </p:nvGrpSpPr>
+      <p:grpSpPr>
+        <a:xfrm>
+          <a:off x="0" y="0"/>
+          <a:ext cx="0" cy="0"/>
+          <a:chOff x="0" y="0"/>
+          <a:chExt cx="0" cy="0"/>
+        </a:xfrm>
+      </p:grpSpPr>
+      <p:sp>
+        <p:nvSpPr>
+          <p:cNvPr id="2" name="Title 1">
+            <a:extLst>
+              <a:ext uri="{FF2B5EF4-FFF2-40B4-BE49-F238E27FC236}">
+                <a16:creationId xmlns:a16="http://schemas.microsoft.com/office/drawing/2014/main" id="{3BD70115-F264-447A-A65C-92FDCB80FA90}"/>
+              </a:ext>
+            </a:extLst>
+          </p:cNvPr>
+          <p:cNvSpPr>
+            <a:spLocks noGrp="1"/>
+          </p:cNvSpPr>
+          <p:nvPr>
+            <p:ph type="title"/>
+          </p:nvPr>
+        </p:nvSpPr>
+        <p:spPr/>
+        <p:txBody>
+          <a:bodyPr/>
+          <a:lstStyle/>
+          <a:p>
+            <a:r>
+              <a:rPr lang="da-DK" dirty="0"/>
+              <a:t>HTTP Response</a:t>
+            </a:r>
+            <a:endParaRPr lang="en-DK" dirty="0"/>
+          </a:p>
+        </p:txBody>
+      </p:sp>
+      <p:sp>
+        <p:nvSpPr>
+          <p:cNvPr id="3" name="Text Placeholder 2">
+            <a:extLst>
+              <a:ext uri="{FF2B5EF4-FFF2-40B4-BE49-F238E27FC236}">
+                <a16:creationId xmlns:a16="http://schemas.microsoft.com/office/drawing/2014/main" id="{BDB807B1-2D1E-4A38-B814-BED6BD888051}"/>
+              </a:ext>
+            </a:extLst>
+          </p:cNvPr>
+          <p:cNvSpPr>
+            <a:spLocks noGrp="1"/>
+          </p:cNvSpPr>
+          <p:nvPr>
+            <p:ph type="body" sz="quarter" idx="10"/>
+          </p:nvPr>
+        </p:nvSpPr>
+        <p:spPr>
+          <a:xfrm>
+            <a:off x="274209" y="1212850"/>
+            <a:ext cx="8778240" cy="5678478"/>
+          </a:xfrm>
+        </p:spPr>
+        <p:txBody>
+          <a:bodyPr/>
+          <a:lstStyle/>
+          <a:p>
+            <a:r>
+              <a:rPr lang="da-DK" sz="3000" b="1" dirty="0"/>
+              <a:t>Status-Code</a:t>
+            </a:r>
+            <a:r>
+              <a:rPr lang="da-DK" sz="3000" dirty="0"/>
+              <a:t>: 201</a:t>
+            </a:r>
+          </a:p>
+          <a:p>
+            <a:r>
+              <a:rPr lang="da-DK" sz="3000" b="1" dirty="0"/>
+              <a:t>Header</a:t>
+            </a:r>
+            <a:r>
+              <a:rPr lang="da-DK" sz="3000" dirty="0"/>
+              <a:t>:</a:t>
+            </a:r>
+          </a:p>
+          <a:p>
+            <a:r>
+              <a:rPr lang="da-DK" sz="3000" dirty="0"/>
+              <a:t>     Content-Type: application/json; charset=utf-8</a:t>
+            </a:r>
+          </a:p>
+          <a:p>
+            <a:r>
+              <a:rPr lang="da-DK" sz="3000" dirty="0"/>
+              <a:t>     Location: </a:t>
+            </a:r>
+            <a:r>
+              <a:rPr lang="da-DK" sz="3000" dirty="0">
+                <a:hlinkClick r:id="rId2"/>
+              </a:rPr>
+              <a:t>https://futurama.com/api/characters/42</a:t>
+            </a:r>
+            <a:endParaRPr lang="da-DK" sz="3000" dirty="0"/>
+          </a:p>
+          <a:p>
+            <a:r>
+              <a:rPr lang="da-DK" sz="3000" b="1" dirty="0"/>
+              <a:t>Body</a:t>
+            </a:r>
+            <a:r>
+              <a:rPr lang="da-DK" sz="3000" dirty="0"/>
+              <a:t>:</a:t>
+            </a:r>
+          </a:p>
+          <a:p>
+            <a:r>
+              <a:rPr lang="da-DK" sz="3000" dirty="0"/>
+              <a:t>    { </a:t>
+            </a:r>
+          </a:p>
+          <a:p>
+            <a:r>
+              <a:rPr lang="da-DK" sz="3000" dirty="0"/>
+              <a:t>        "id": 42,</a:t>
+            </a:r>
+          </a:p>
+          <a:p>
+            <a:r>
+              <a:rPr lang="da-DK" sz="3000" dirty="0"/>
+              <a:t>        "name": "Bender", </a:t>
+            </a:r>
+          </a:p>
+          <a:p>
+            <a:r>
+              <a:rPr lang="da-DK" sz="3000" dirty="0"/>
+              <a:t>        "species": "Robot", </a:t>
+            </a:r>
+          </a:p>
+          <a:p>
+            <a:r>
+              <a:rPr lang="da-DK" sz="3000" dirty="0"/>
+              <a:t>        "planet": "Earth" </a:t>
+            </a:r>
+          </a:p>
+          <a:p>
+            <a:r>
+              <a:rPr lang="da-DK" sz="3000" dirty="0"/>
+              <a:t>    }</a:t>
+            </a:r>
+            <a:endParaRPr lang="en-DK" sz="3000" dirty="0"/>
+          </a:p>
+        </p:txBody>
+      </p:sp>
+    </p:spTree>
+    <p:extLst>
+      <p:ext uri="{BB962C8B-B14F-4D97-AF65-F5344CB8AC3E}">
+        <p14:creationId xmlns:p14="http://schemas.microsoft.com/office/powerpoint/2010/main" val="2493225683"/>
+      </p:ext>
+    </p:extLst>
+  </p:cSld>
+  <p:clrMapOvr>
+    <a:masterClrMapping/>
+  </p:clrMapOvr>
+  <p:transition>
+    <p:fade/>
+  </p:transition>
+</p:sld>
+</file>
+
+<file path=ppt/slides/slide21.xml><?xml version="1.0" encoding="utf-8"?>
+<p:sld xmlns:a="http://schemas.openxmlformats.org/drawingml/2006/main" xmlns:r="http://schemas.openxmlformats.org/officeDocument/2006/relationships" xmlns:p="http://schemas.openxmlformats.org/presentationml/2006/main">
+  <p:cSld>
+    <p:bg>
+      <p:bgPr>
+        <a:solidFill>
+          <a:srgbClr val="505050"/>
+        </a:solidFill>
+        <a:effectLst/>
+      </p:bgPr>
+    </p:bg>
+    <p:spTree>
+      <p:nvGrpSpPr>
+        <p:cNvPr id="1" name=""/>
+        <p:cNvGrpSpPr/>
+        <p:nvPr/>
+      </p:nvGrpSpPr>
+      <p:grpSpPr>
+        <a:xfrm>
+          <a:off x="0" y="0"/>
+          <a:ext cx="0" cy="0"/>
+          <a:chOff x="0" y="0"/>
+          <a:chExt cx="0" cy="0"/>
+        </a:xfrm>
+      </p:grpSpPr>
+      <p:sp>
+        <p:nvSpPr>
+          <p:cNvPr id="2" name="Title 1"/>
+          <p:cNvSpPr>
+            <a:spLocks noGrp="1"/>
+          </p:cNvSpPr>
+          <p:nvPr>
+            <p:ph type="title"/>
+          </p:nvPr>
+        </p:nvSpPr>
+        <p:spPr/>
+        <p:txBody>
+          <a:bodyPr/>
+          <a:lstStyle/>
+          <a:p>
+            <a:r>
+              <a:rPr lang="da-DK" dirty="0">
+                <a:solidFill>
+                  <a:schemeClr val="bg1"/>
+                </a:solidFill>
+              </a:rPr>
+              <a:t>ASP.NET Core</a:t>
+            </a:r>
+          </a:p>
+        </p:txBody>
+      </p:sp>
+      <p:sp>
+        <p:nvSpPr>
+          <p:cNvPr id="4" name="Rectangle 3"/>
+          <p:cNvSpPr/>
+          <p:nvPr/>
+        </p:nvSpPr>
+        <p:spPr>
+          <a:xfrm>
+            <a:off x="485407" y="2835543"/>
+            <a:ext cx="6720109" cy="1200329"/>
+          </a:xfrm>
+          <a:prstGeom prst="rect">
+            <a:avLst/>
+          </a:prstGeom>
+        </p:spPr>
+        <p:txBody>
+          <a:bodyPr wrap="none">
+            <a:spAutoFit/>
+          </a:bodyPr>
+          <a:lstStyle/>
+          <a:p>
+            <a:r>
+              <a:rPr lang="da-DK" sz="7200" dirty="0">
+                <a:hlinkClick r:id="rId2"/>
+              </a:rPr>
+              <a:t>https://asp.net/</a:t>
+            </a:r>
+            <a:r>
+              <a:rPr lang="da-DK" sz="7200" dirty="0"/>
+              <a:t> </a:t>
+            </a:r>
+          </a:p>
+        </p:txBody>
+      </p:sp>
+    </p:spTree>
+    <p:extLst>
+      <p:ext uri="{BB962C8B-B14F-4D97-AF65-F5344CB8AC3E}">
+        <p14:creationId xmlns:p14="http://schemas.microsoft.com/office/powerpoint/2010/main" val="2331886963"/>
+      </p:ext>
+    </p:extLst>
+  </p:cSld>
+  <p:clrMapOvr>
+    <a:masterClrMapping/>
+  </p:clrMapOvr>
+  <p:transition>
+    <p:fade/>
+  </p:transition>
+</p:sld>
+</file>
+
+<file path=ppt/slides/slide22.xml><?xml version="1.0" encoding="utf-8"?>
+<p:sld xmlns:a="http://schemas.openxmlformats.org/drawingml/2006/main" xmlns:r="http://schemas.openxmlformats.org/officeDocument/2006/relationships" xmlns:p="http://schemas.openxmlformats.org/presentationml/2006/main">
+  <p:cSld>
+    <p:spTree>
+      <p:nvGrpSpPr>
+        <p:cNvPr id="1" name=""/>
+        <p:cNvGrpSpPr/>
+        <p:nvPr/>
+      </p:nvGrpSpPr>
+      <p:grpSpPr>
+        <a:xfrm>
+          <a:off x="0" y="0"/>
+          <a:ext cx="0" cy="0"/>
+          <a:chOff x="0" y="0"/>
+          <a:chExt cx="0" cy="0"/>
+        </a:xfrm>
+      </p:grpSpPr>
+      <p:sp>
+        <p:nvSpPr>
+          <p:cNvPr id="2" name="Rectangle 1"/>
+          <p:cNvSpPr/>
+          <p:nvPr/>
+        </p:nvSpPr>
+        <p:spPr>
+          <a:xfrm>
+            <a:off x="485407" y="2835543"/>
+            <a:ext cx="2651688" cy="1200329"/>
+          </a:xfrm>
+          <a:prstGeom prst="rect">
+            <a:avLst/>
+          </a:prstGeom>
+        </p:spPr>
+        <p:txBody>
+          <a:bodyPr wrap="none">
+            <a:spAutoFit/>
+          </a:bodyPr>
+          <a:lstStyle/>
+          <a:p>
+            <a:r>
+              <a:rPr lang="da-DK" sz="7200" dirty="0"/>
+              <a:t>Demo</a:t>
+            </a:r>
+          </a:p>
+        </p:txBody>
+      </p:sp>
+    </p:spTree>
+    <p:extLst>
+      <p:ext uri="{BB962C8B-B14F-4D97-AF65-F5344CB8AC3E}">
+        <p14:creationId xmlns:p14="http://schemas.microsoft.com/office/powerpoint/2010/main" val="3978166468"/>
       </p:ext>
     </p:extLst>
   </p:cSld>
@@ -10055,15 +10623,6 @@
 </file>
 
 <file path=customXml/item1.xml><?xml version="1.0" encoding="utf-8"?>
-<?mso-contentType ?>
-<FormTemplates xmlns="http://schemas.microsoft.com/sharepoint/v3/contenttype/forms">
-  <Display>DocumentLibraryForm</Display>
-  <Edit>DocumentLibraryForm</Edit>
-  <New>DocumentLibraryForm</New>
-</FormTemplates>
-</file>
-
-<file path=customXml/item2.xml><?xml version="1.0" encoding="utf-8"?>
 <ct:contentTypeSchema xmlns:ct="http://schemas.microsoft.com/office/2006/metadata/contentType" xmlns:ma="http://schemas.microsoft.com/office/2006/metadata/properties/metaAttributes" ct:_="" ma:_="" ma:contentTypeName="PresentationsDoc" ma:contentTypeID="0x010100B88FC3ECA26D1C46B3C4C83281D2EB9C003BBE479AF4108146A616B6B5E7069DBC" ma:contentTypeVersion="61" ma:contentTypeDescription="" ma:contentTypeScope="" ma:versionID="72533711bacf991a4680f48ae6b725f9">
   <xsd:schema xmlns:xsd="http://www.w3.org/2001/XMLSchema" xmlns:xs="http://www.w3.org/2001/XMLSchema" xmlns:p="http://schemas.microsoft.com/office/2006/metadata/properties" xmlns:ns2="2295e2e7-0eeb-498e-8716-217bb2ee6ee3" xmlns:ns3="8b529f77-48ab-4581-b468-93f09345b8aa" targetNamespace="http://schemas.microsoft.com/office/2006/metadata/properties" ma:root="true" ma:fieldsID="dde17010d50e6e632f300eac8dfd378e" ns2:_="" ns3:_="">
     <xsd:import namespace="2295e2e7-0eeb-498e-8716-217bb2ee6ee3"/>
@@ -10342,6 +10901,15 @@
 </ct:contentTypeSchema>
 </file>
 
+<file path=customXml/item2.xml><?xml version="1.0" encoding="utf-8"?>
+<?mso-contentType ?>
+<FormTemplates xmlns="http://schemas.microsoft.com/sharepoint/v3/contenttype/forms">
+  <Display>DocumentLibraryForm</Display>
+  <Edit>DocumentLibraryForm</Edit>
+  <New>DocumentLibraryForm</New>
+</FormTemplates>
+</file>
+
 <file path=customXml/item3.xml><?xml version="1.0" encoding="utf-8"?>
 <p:properties xmlns:p="http://schemas.microsoft.com/office/2006/metadata/properties" xmlns:xsi="http://www.w3.org/2001/XMLSchema-instance" xmlns:pc="http://schemas.microsoft.com/office/infopath/2007/PartnerControls">
   <documentManagement>
@@ -10398,14 +10966,6 @@
 </file>
 
 <file path=customXml/itemProps1.xml><?xml version="1.0" encoding="utf-8"?>
-<ds:datastoreItem xmlns:ds="http://schemas.openxmlformats.org/officeDocument/2006/customXml" ds:itemID="{758FDAC0-319D-4A54-8D8E-1D42CB1F8004}">
-  <ds:schemaRefs>
-    <ds:schemaRef ds:uri="http://schemas.microsoft.com/sharepoint/v3/contenttype/forms"/>
-  </ds:schemaRefs>
-</ds:datastoreItem>
-</file>
-
-<file path=customXml/itemProps2.xml><?xml version="1.0" encoding="utf-8"?>
 <ds:datastoreItem xmlns:ds="http://schemas.openxmlformats.org/officeDocument/2006/customXml" ds:itemID="{A4A71FB1-3FB8-468F-9C64-2246CB74C7D9}">
   <ds:schemaRefs>
     <ds:schemaRef ds:uri="http://schemas.microsoft.com/office/2006/metadata/contentType"/>
@@ -10420,6 +10980,14 @@
     <ds:schemaRef ds:uri="http://purl.org/dc/elements/1.1/"/>
     <ds:schemaRef ds:uri="http://purl.org/dc/terms/"/>
     <ds:schemaRef ds:uri="http://schemas.microsoft.com/internal/obd"/>
+  </ds:schemaRefs>
+</ds:datastoreItem>
+</file>
+
+<file path=customXml/itemProps2.xml><?xml version="1.0" encoding="utf-8"?>
+<ds:datastoreItem xmlns:ds="http://schemas.openxmlformats.org/officeDocument/2006/customXml" ds:itemID="{758FDAC0-319D-4A54-8D8E-1D42CB1F8004}">
+  <ds:schemaRefs>
+    <ds:schemaRef ds:uri="http://schemas.microsoft.com/sharepoint/v3/contenttype/forms"/>
   </ds:schemaRefs>
 </ds:datastoreItem>
 </file>
